--- a/km3/KM3.pptx
+++ b/km3/KM3.pptx
@@ -17,10 +17,14 @@
     <p:sldId id="260" r:id="rId11"/>
     <p:sldId id="264" r:id="rId12"/>
     <p:sldId id="265" r:id="rId13"/>
-    <p:sldId id="266" r:id="rId14"/>
-    <p:sldId id="270" r:id="rId15"/>
-    <p:sldId id="267" r:id="rId16"/>
-    <p:sldId id="269" r:id="rId17"/>
+    <p:sldId id="274" r:id="rId14"/>
+    <p:sldId id="277" r:id="rId15"/>
+    <p:sldId id="275" r:id="rId16"/>
+    <p:sldId id="276" r:id="rId17"/>
+    <p:sldId id="266" r:id="rId18"/>
+    <p:sldId id="278" r:id="rId19"/>
+    <p:sldId id="267" r:id="rId20"/>
+    <p:sldId id="269" r:id="rId21"/>
   </p:sldIdLst>
   <p:sldSz cx="12192000" cy="6858000"/>
   <p:notesSz cx="6858000" cy="9144000"/>
@@ -119,6 +123,11 @@
       </a:defRPr>
     </a:lvl9pPr>
   </p:defaultTextStyle>
+  <p:extLst>
+    <p:ext uri="{EFAFB233-063F-42B5-8137-9DF3F51BA10A}">
+      <p15:sldGuideLst xmlns:p15="http://schemas.microsoft.com/office/powerpoint/2012/main"/>
+    </p:ext>
+  </p:extLst>
 </p:presentation>
 </file>
 
@@ -6104,21 +6113,28 @@
                 <a:latin typeface="Aharoni" panose="02010803020104030203" pitchFamily="2" charset="-79"/>
                 <a:cs typeface="Aharoni" panose="02010803020104030203" pitchFamily="2" charset="-79"/>
               </a:rPr>
-              <a:t>darice</a:t>
+              <a:t>darcie</a:t>
             </a:r>
             <a:r>
               <a:rPr lang="en-US" dirty="0" smtClean="0">
                 <a:latin typeface="Aharoni" panose="02010803020104030203" pitchFamily="2" charset="-79"/>
                 <a:cs typeface="Aharoni" panose="02010803020104030203" pitchFamily="2" charset="-79"/>
               </a:rPr>
-              <a:t> Milliken, </a:t>
+              <a:t> </a:t>
+            </a:r>
+            <a:r>
+              <a:rPr lang="en-US" dirty="0" smtClean="0">
+                <a:latin typeface="Aharoni" panose="02010803020104030203" pitchFamily="2" charset="-79"/>
+                <a:cs typeface="Aharoni" panose="02010803020104030203" pitchFamily="2" charset="-79"/>
+              </a:rPr>
+              <a:t>Milliken, </a:t>
             </a:r>
             <a:r>
               <a:rPr lang="en-US" dirty="0" err="1" smtClean="0">
                 <a:latin typeface="Aharoni" panose="02010803020104030203" pitchFamily="2" charset="-79"/>
                 <a:cs typeface="Aharoni" panose="02010803020104030203" pitchFamily="2" charset="-79"/>
               </a:rPr>
-              <a:t>lesiy</a:t>
+              <a:t>leisy</a:t>
             </a:r>
             <a:r>
               <a:rPr lang="en-US" dirty="0" smtClean="0">
@@ -6309,13 +6325,13 @@
   <p:clrMapOvr>
     <a:masterClrMapping/>
   </p:clrMapOvr>
-  <mc:AlternateContent xmlns:mc="http://schemas.openxmlformats.org/markup-compatibility/2006">
-    <mc:Choice xmlns:p15="http://schemas.microsoft.com/office/powerpoint/2012/main" Requires="p15">
+  <mc:AlternateContent xmlns:mc="http://schemas.openxmlformats.org/markup-compatibility/2006" xmlns:p15="http://schemas.microsoft.com/office/powerpoint/2012/main">
+    <mc:Choice Requires="p15">
       <p:transition xmlns:p14="http://schemas.microsoft.com/office/powerpoint/2010/main" spd="slow" p14:dur="3250">
         <p15:prstTrans prst="origami"/>
       </p:transition>
     </mc:Choice>
-    <mc:Fallback>
+    <mc:Fallback xmlns="">
       <p:transition spd="slow">
         <p:fade/>
       </p:transition>
@@ -6696,13 +6712,13 @@
   <p:clrMapOvr>
     <a:masterClrMapping/>
   </p:clrMapOvr>
-  <mc:AlternateContent xmlns:mc="http://schemas.openxmlformats.org/markup-compatibility/2006">
-    <mc:Choice xmlns:p14="http://schemas.microsoft.com/office/powerpoint/2010/main" Requires="p14">
+  <mc:AlternateContent xmlns:mc="http://schemas.openxmlformats.org/markup-compatibility/2006" xmlns:p14="http://schemas.microsoft.com/office/powerpoint/2010/main">
+    <mc:Choice Requires="p14">
       <p:transition spd="slow" p14:dur="1250">
         <p14:flip dir="r"/>
       </p:transition>
     </mc:Choice>
-    <mc:Fallback>
+    <mc:Fallback xmlns="">
       <p:transition spd="slow">
         <p:fade/>
       </p:transition>
@@ -6753,7 +6769,11 @@
             <a:pPr algn="ctr"/>
             <a:r>
               <a:rPr lang="en-US" u="sng" dirty="0" smtClean="0"/>
-              <a:t>Payment Options</a:t>
+              <a:t>Payment </a:t>
+            </a:r>
+            <a:r>
+              <a:rPr lang="en-US" u="sng" dirty="0" smtClean="0"/>
+              <a:t>Options: Summary</a:t>
             </a:r>
             <a:endParaRPr lang="en-CA" u="sng" dirty="0"/>
           </a:p>
@@ -6788,13 +6808,13 @@
   <p:clrMapOvr>
     <a:masterClrMapping/>
   </p:clrMapOvr>
-  <mc:AlternateContent xmlns:mc="http://schemas.openxmlformats.org/markup-compatibility/2006">
-    <mc:Choice xmlns:p14="http://schemas.microsoft.com/office/powerpoint/2010/main" Requires="p14">
+  <mc:AlternateContent xmlns:mc="http://schemas.openxmlformats.org/markup-compatibility/2006" xmlns:p14="http://schemas.microsoft.com/office/powerpoint/2010/main">
+    <mc:Choice Requires="p14">
       <p:transition spd="slow" p14:dur="1200">
         <p14:prism/>
       </p:transition>
     </mc:Choice>
-    <mc:Fallback>
+    <mc:Fallback xmlns="">
       <p:transition spd="slow">
         <p:fade/>
       </p:transition>
@@ -6866,10 +6886,61 @@
           <a:bodyPr/>
           <a:lstStyle/>
           <a:p>
-            <a:endParaRPr lang="en-CA"/>
-          </a:p>
-        </p:txBody>
-      </p:sp>
+            <a:r>
+              <a:rPr lang="en-CA" dirty="0" smtClean="0"/>
+              <a:t>Online / In-person / Mobile</a:t>
+            </a:r>
+          </a:p>
+          <a:p>
+            <a:r>
+              <a:rPr lang="en-CA" dirty="0"/>
+              <a:t>Consistent inventory management (no over-booked packages)</a:t>
+            </a:r>
+          </a:p>
+          <a:p>
+            <a:r>
+              <a:rPr lang="en-CA" dirty="0" smtClean="0"/>
+              <a:t>Ability to add options to the packages and have it reflected in the price</a:t>
+            </a:r>
+          </a:p>
+          <a:p>
+            <a:r>
+              <a:rPr lang="en-CA" dirty="0" smtClean="0"/>
+              <a:t>Flexibility to add more kinds of products later based on changing business needs</a:t>
+            </a:r>
+          </a:p>
+        </p:txBody>
+      </p:sp>
+      <p:pic>
+        <p:nvPicPr>
+          <p:cNvPr id="4" name="Picture 3"/>
+          <p:cNvPicPr>
+            <a:picLocks noChangeAspect="1"/>
+          </p:cNvPicPr>
+          <p:nvPr/>
+        </p:nvPicPr>
+        <p:blipFill>
+          <a:blip r:embed="rId2">
+            <a:extLst>
+              <a:ext uri="{28A0092B-C50C-407E-A947-70E740481C1C}">
+                <a14:useLocalDpi xmlns:a14="http://schemas.microsoft.com/office/drawing/2010/main" val="0"/>
+              </a:ext>
+            </a:extLst>
+          </a:blip>
+          <a:stretch>
+            <a:fillRect/>
+          </a:stretch>
+        </p:blipFill>
+        <p:spPr>
+          <a:xfrm>
+            <a:off x="8149279" y="4186989"/>
+            <a:ext cx="3431837" cy="2261080"/>
+          </a:xfrm>
+          <a:prstGeom prst="rect">
+            <a:avLst/>
+          </a:prstGeom>
+        </p:spPr>
+      </p:pic>
     </p:spTree>
     <p:extLst>
       <p:ext uri="{BB962C8B-B14F-4D97-AF65-F5344CB8AC3E}">
@@ -6880,13 +6951,13 @@
   <p:clrMapOvr>
     <a:masterClrMapping/>
   </p:clrMapOvr>
-  <mc:AlternateContent xmlns:mc="http://schemas.openxmlformats.org/markup-compatibility/2006">
-    <mc:Choice xmlns:p14="http://schemas.microsoft.com/office/powerpoint/2010/main" Requires="p14">
+  <mc:AlternateContent xmlns:mc="http://schemas.openxmlformats.org/markup-compatibility/2006" xmlns:p14="http://schemas.microsoft.com/office/powerpoint/2010/main">
+    <mc:Choice Requires="p14">
       <p:transition spd="slow" p14:dur="2000">
         <p14:ferris dir="l"/>
       </p:transition>
     </mc:Choice>
-    <mc:Fallback>
+    <mc:Fallback xmlns="">
       <p:transition spd="slow">
         <p:fade/>
       </p:transition>
@@ -6937,35 +7008,150 @@
             <a:pPr algn="ctr"/>
             <a:r>
               <a:rPr lang="en-US" u="sng" dirty="0" smtClean="0"/>
-              <a:t>E-commerce Comparisons</a:t>
+              <a:t>E-commerce Packages </a:t>
+            </a:r>
+            <a:r>
+              <a:rPr lang="en-US" u="sng" dirty="0"/>
+              <a:t/>
+            </a:r>
+            <a:br>
+              <a:rPr lang="en-US" u="sng" dirty="0"/>
+            </a:br>
+            <a:r>
+              <a:rPr lang="en-US" u="sng" dirty="0" smtClean="0"/>
+              <a:t>Free Options</a:t>
             </a:r>
             <a:endParaRPr lang="en-CA" u="sng" dirty="0"/>
           </a:p>
         </p:txBody>
       </p:sp>
-      <p:sp>
-        <p:nvSpPr>
-          <p:cNvPr id="3" name="Content Placeholder 2"/>
-          <p:cNvSpPr>
-            <a:spLocks noGrp="1"/>
-          </p:cNvSpPr>
+      <p:pic>
+        <p:nvPicPr>
+          <p:cNvPr id="4" name="Content Placeholder 3">
+            <a:hlinkClick r:id="rId2"/>
+          </p:cNvPr>
+          <p:cNvPicPr>
+            <a:picLocks noGrp="1" noChangeAspect="1"/>
+          </p:cNvPicPr>
           <p:nvPr>
             <p:ph idx="1"/>
           </p:nvPr>
-        </p:nvSpPr>
-        <p:spPr/>
-        <p:txBody>
-          <a:bodyPr/>
+        </p:nvPicPr>
+        <p:blipFill>
+          <a:blip r:embed="rId3">
+            <a:extLst>
+              <a:ext uri="{28A0092B-C50C-407E-A947-70E740481C1C}">
+                <a14:useLocalDpi xmlns:a14="http://schemas.microsoft.com/office/drawing/2010/main" val="0"/>
+              </a:ext>
+            </a:extLst>
+          </a:blip>
+          <a:stretch>
+            <a:fillRect/>
+          </a:stretch>
+        </p:blipFill>
+        <p:spPr>
+          <a:xfrm>
+            <a:off x="834850" y="2398677"/>
+            <a:ext cx="4732082" cy="2973584"/>
+          </a:xfrm>
+        </p:spPr>
+      </p:pic>
+      <p:pic>
+        <p:nvPicPr>
+          <p:cNvPr id="5" name="Picture 4">
+            <a:hlinkClick r:id="rId4"/>
+          </p:cNvPr>
+          <p:cNvPicPr>
+            <a:picLocks noChangeAspect="1"/>
+          </p:cNvPicPr>
+          <p:nvPr/>
+        </p:nvPicPr>
+        <p:blipFill>
+          <a:blip r:embed="rId5">
+            <a:extLst>
+              <a:ext uri="{28A0092B-C50C-407E-A947-70E740481C1C}">
+                <a14:useLocalDpi xmlns:a14="http://schemas.microsoft.com/office/drawing/2010/main" val="0"/>
+              </a:ext>
+            </a:extLst>
+          </a:blip>
+          <a:stretch>
+            <a:fillRect/>
+          </a:stretch>
+        </p:blipFill>
+        <p:spPr>
+          <a:xfrm>
+            <a:off x="6216818" y="2398677"/>
+            <a:ext cx="4454195" cy="2962111"/>
+          </a:xfrm>
+          <a:prstGeom prst="rect">
+            <a:avLst/>
+          </a:prstGeom>
+        </p:spPr>
+      </p:pic>
+      <p:sp>
+        <p:nvSpPr>
+          <p:cNvPr id="6" name="TextBox 5"/>
+          <p:cNvSpPr txBox="1"/>
+          <p:nvPr/>
+        </p:nvSpPr>
+        <p:spPr>
+          <a:xfrm>
+            <a:off x="2089907" y="2022462"/>
+            <a:ext cx="2130123" cy="369332"/>
+          </a:xfrm>
+          <a:prstGeom prst="rect">
+            <a:avLst/>
+          </a:prstGeom>
+          <a:noFill/>
+        </p:spPr>
+        <p:txBody>
+          <a:bodyPr wrap="square" rtlCol="0">
+            <a:spAutoFit/>
+          </a:bodyPr>
           <a:lstStyle/>
           <a:p>
-            <a:endParaRPr lang="en-CA" dirty="0"/>
+            <a:r>
+              <a:rPr lang="en-US" dirty="0" err="1" smtClean="0"/>
+              <a:t>osCommerce</a:t>
+            </a:r>
+            <a:endParaRPr lang="en-US" dirty="0"/>
+          </a:p>
+        </p:txBody>
+      </p:sp>
+      <p:sp>
+        <p:nvSpPr>
+          <p:cNvPr id="7" name="TextBox 6"/>
+          <p:cNvSpPr txBox="1"/>
+          <p:nvPr/>
+        </p:nvSpPr>
+        <p:spPr>
+          <a:xfrm>
+            <a:off x="7516590" y="2029345"/>
+            <a:ext cx="2130123" cy="369332"/>
+          </a:xfrm>
+          <a:prstGeom prst="rect">
+            <a:avLst/>
+          </a:prstGeom>
+          <a:noFill/>
+        </p:spPr>
+        <p:txBody>
+          <a:bodyPr wrap="square" rtlCol="0">
+            <a:spAutoFit/>
+          </a:bodyPr>
+          <a:lstStyle/>
+          <a:p>
+            <a:r>
+              <a:rPr lang="en-US" dirty="0" smtClean="0"/>
+              <a:t>Interchange</a:t>
+            </a:r>
+            <a:endParaRPr lang="en-US" dirty="0"/>
           </a:p>
         </p:txBody>
       </p:sp>
     </p:spTree>
     <p:extLst>
       <p:ext uri="{BB962C8B-B14F-4D97-AF65-F5344CB8AC3E}">
-        <p14:creationId xmlns:p14="http://schemas.microsoft.com/office/powerpoint/2010/main" val="948601104"/>
+        <p14:creationId xmlns:p14="http://schemas.microsoft.com/office/powerpoint/2010/main" val="4285556200"/>
       </p:ext>
     </p:extLst>
   </p:cSld>
@@ -6974,8 +7160,8 @@
   </p:clrMapOvr>
   <mc:AlternateContent xmlns:mc="http://schemas.openxmlformats.org/markup-compatibility/2006">
     <mc:Choice xmlns:p14="http://schemas.microsoft.com/office/powerpoint/2010/main" Requires="p14">
-      <p:transition spd="slow" p14:dur="1500">
-        <p14:window dir="vert"/>
+      <p:transition spd="slow" p14:dur="2000">
+        <p14:ferris dir="l"/>
       </p:transition>
     </mc:Choice>
     <mc:Fallback>
@@ -7021,43 +7207,59 @@
             <p:ph type="title"/>
           </p:nvPr>
         </p:nvSpPr>
-        <p:spPr/>
+        <p:spPr>
+          <a:xfrm>
+            <a:off x="767410" y="266103"/>
+            <a:ext cx="9404723" cy="1400530"/>
+          </a:xfrm>
+        </p:spPr>
         <p:txBody>
           <a:bodyPr/>
           <a:lstStyle/>
           <a:p>
             <a:pPr algn="ctr"/>
             <a:r>
-              <a:rPr lang="en-US" u="sng" dirty="0" smtClean="0"/>
-              <a:t>KM3 Overview</a:t>
+              <a:rPr lang="en-US" u="sng" dirty="0" err="1" smtClean="0"/>
+              <a:t>osCommerce</a:t>
             </a:r>
             <a:endParaRPr lang="en-CA" u="sng" dirty="0"/>
           </a:p>
         </p:txBody>
       </p:sp>
-      <p:sp>
-        <p:nvSpPr>
-          <p:cNvPr id="3" name="Content Placeholder 2"/>
-          <p:cNvSpPr>
-            <a:spLocks noGrp="1"/>
-          </p:cNvSpPr>
-          <p:nvPr>
-            <p:ph idx="1"/>
-          </p:nvPr>
-        </p:nvSpPr>
-        <p:spPr/>
-        <p:txBody>
-          <a:bodyPr/>
-          <a:lstStyle/>
-          <a:p>
-            <a:endParaRPr lang="en-CA"/>
-          </a:p>
-        </p:txBody>
-      </p:sp>
+      <p:pic>
+        <p:nvPicPr>
+          <p:cNvPr id="8" name="Picture 7"/>
+          <p:cNvPicPr>
+            <a:picLocks noChangeAspect="1"/>
+          </p:cNvPicPr>
+          <p:nvPr/>
+        </p:nvPicPr>
+        <p:blipFill>
+          <a:blip r:embed="rId2">
+            <a:extLst>
+              <a:ext uri="{28A0092B-C50C-407E-A947-70E740481C1C}">
+                <a14:useLocalDpi xmlns:a14="http://schemas.microsoft.com/office/drawing/2010/main" val="0"/>
+              </a:ext>
+            </a:extLst>
+          </a:blip>
+          <a:stretch>
+            <a:fillRect/>
+          </a:stretch>
+        </p:blipFill>
+        <p:spPr>
+          <a:xfrm>
+            <a:off x="1849654" y="1058911"/>
+            <a:ext cx="7583103" cy="5489076"/>
+          </a:xfrm>
+          <a:prstGeom prst="rect">
+            <a:avLst/>
+          </a:prstGeom>
+        </p:spPr>
+      </p:pic>
     </p:spTree>
     <p:extLst>
       <p:ext uri="{BB962C8B-B14F-4D97-AF65-F5344CB8AC3E}">
-        <p14:creationId xmlns:p14="http://schemas.microsoft.com/office/powerpoint/2010/main" val="4121250680"/>
+        <p14:creationId xmlns:p14="http://schemas.microsoft.com/office/powerpoint/2010/main" val="2853267051"/>
       </p:ext>
     </p:extLst>
   </p:cSld>
@@ -7065,9 +7267,9 @@
     <a:masterClrMapping/>
   </p:clrMapOvr>
   <mc:AlternateContent xmlns:mc="http://schemas.openxmlformats.org/markup-compatibility/2006">
-    <mc:Choice xmlns:p15="http://schemas.microsoft.com/office/powerpoint/2012/main" Requires="p15">
-      <p:transition xmlns:p14="http://schemas.microsoft.com/office/powerpoint/2010/main" spd="slow" p14:dur="1250">
-        <p15:prstTrans prst="peelOff"/>
+    <mc:Choice xmlns:p14="http://schemas.microsoft.com/office/powerpoint/2010/main" Requires="p14">
+      <p:transition spd="slow" p14:dur="2000">
+        <p14:ferris dir="l"/>
       </p:transition>
     </mc:Choice>
     <mc:Fallback>
@@ -7121,7 +7323,1030 @@
             <a:pPr algn="ctr"/>
             <a:r>
               <a:rPr lang="en-US" u="sng" dirty="0" smtClean="0"/>
-              <a:t>Want To Know Us More ????</a:t>
+              <a:t>E-commerce Packages </a:t>
+            </a:r>
+            <a:r>
+              <a:rPr lang="en-US" u="sng" dirty="0"/>
+              <a:t/>
+            </a:r>
+            <a:br>
+              <a:rPr lang="en-US" u="sng" dirty="0"/>
+            </a:br>
+            <a:r>
+              <a:rPr lang="en-US" u="sng" dirty="0" err="1" smtClean="0"/>
+              <a:t>Wordpress</a:t>
+            </a:r>
+            <a:r>
+              <a:rPr lang="en-US" u="sng" dirty="0" smtClean="0"/>
+              <a:t>/</a:t>
+            </a:r>
+            <a:r>
+              <a:rPr lang="en-US" u="sng" dirty="0" err="1" smtClean="0"/>
+              <a:t>WooCommerce</a:t>
+            </a:r>
+            <a:endParaRPr lang="en-CA" u="sng" dirty="0"/>
+          </a:p>
+        </p:txBody>
+      </p:sp>
+      <p:pic>
+        <p:nvPicPr>
+          <p:cNvPr id="8" name="Picture 7">
+            <a:hlinkClick r:id="rId2"/>
+          </p:cNvPr>
+          <p:cNvPicPr>
+            <a:picLocks noChangeAspect="1"/>
+          </p:cNvPicPr>
+          <p:nvPr/>
+        </p:nvPicPr>
+        <p:blipFill>
+          <a:blip r:embed="rId3">
+            <a:extLst>
+              <a:ext uri="{28A0092B-C50C-407E-A947-70E740481C1C}">
+                <a14:useLocalDpi xmlns:a14="http://schemas.microsoft.com/office/drawing/2010/main" val="0"/>
+              </a:ext>
+            </a:extLst>
+          </a:blip>
+          <a:stretch>
+            <a:fillRect/>
+          </a:stretch>
+        </p:blipFill>
+        <p:spPr>
+          <a:xfrm>
+            <a:off x="431941" y="2525645"/>
+            <a:ext cx="4084075" cy="2492073"/>
+          </a:xfrm>
+          <a:prstGeom prst="rect">
+            <a:avLst/>
+          </a:prstGeom>
+        </p:spPr>
+      </p:pic>
+      <p:sp>
+        <p:nvSpPr>
+          <p:cNvPr id="10" name="Content Placeholder 2"/>
+          <p:cNvSpPr>
+            <a:spLocks noGrp="1"/>
+          </p:cNvSpPr>
+          <p:nvPr>
+            <p:ph idx="1"/>
+          </p:nvPr>
+        </p:nvSpPr>
+        <p:spPr>
+          <a:xfrm>
+            <a:off x="5093532" y="2222214"/>
+            <a:ext cx="6745540" cy="4696842"/>
+          </a:xfrm>
+        </p:spPr>
+        <p:txBody>
+          <a:bodyPr>
+            <a:normAutofit/>
+          </a:bodyPr>
+          <a:lstStyle/>
+          <a:p>
+            <a:r>
+              <a:rPr lang="en-CA" dirty="0" smtClean="0"/>
+              <a:t>Lots of themes and extensions</a:t>
+            </a:r>
+          </a:p>
+          <a:p>
+            <a:r>
+              <a:rPr lang="en-CA" dirty="0" smtClean="0"/>
+              <a:t>Flexible</a:t>
+            </a:r>
+          </a:p>
+          <a:p>
+            <a:r>
+              <a:rPr lang="en-CA" dirty="0" smtClean="0"/>
+              <a:t>Costs of extensions adds up</a:t>
+            </a:r>
+            <a:r>
+              <a:rPr lang="en-US" dirty="0" smtClean="0"/>
+              <a:t> </a:t>
+            </a:r>
+          </a:p>
+          <a:p>
+            <a:pPr marL="0" indent="0">
+              <a:buNone/>
+            </a:pPr>
+            <a:r>
+              <a:rPr lang="en-US" dirty="0" smtClean="0"/>
+              <a:t>Payment </a:t>
+            </a:r>
+            <a:r>
+              <a:rPr lang="en-US" dirty="0"/>
+              <a:t>extension = $79.00</a:t>
+            </a:r>
+            <a:br>
+              <a:rPr lang="en-US" dirty="0"/>
+            </a:br>
+            <a:r>
+              <a:rPr lang="en-US" dirty="0"/>
+              <a:t>Product Import Suite (import from csv) = $199.00</a:t>
+            </a:r>
+            <a:br>
+              <a:rPr lang="en-US" dirty="0"/>
+            </a:br>
+            <a:r>
+              <a:rPr lang="en-US" dirty="0"/>
+              <a:t>Product add-on extension (to add options) = $49.00</a:t>
+            </a:r>
+            <a:br>
+              <a:rPr lang="en-US" dirty="0"/>
+            </a:br>
+            <a:r>
+              <a:rPr lang="en-US" dirty="0"/>
+              <a:t>Composite Products = $79.00. </a:t>
+            </a:r>
+            <a:br>
+              <a:rPr lang="en-US" dirty="0"/>
+            </a:br>
+            <a:r>
+              <a:rPr lang="en-US" dirty="0"/>
+              <a:t>Booking extension = $</a:t>
+            </a:r>
+            <a:r>
+              <a:rPr lang="en-US" dirty="0" smtClean="0"/>
+              <a:t>249.00</a:t>
+            </a:r>
+            <a:br>
+              <a:rPr lang="en-US" dirty="0" smtClean="0"/>
+            </a:br>
+            <a:r>
+              <a:rPr lang="en-US" dirty="0" err="1" smtClean="0"/>
+              <a:t>WooCommerce</a:t>
+            </a:r>
+            <a:r>
+              <a:rPr lang="en-US" dirty="0" smtClean="0"/>
+              <a:t> POS (in person)… etc.</a:t>
+            </a:r>
+          </a:p>
+          <a:p>
+            <a:pPr marL="0" indent="0">
+              <a:buNone/>
+            </a:pPr>
+            <a:endParaRPr lang="en-US" dirty="0"/>
+          </a:p>
+          <a:p>
+            <a:pPr marL="0" indent="0">
+              <a:buNone/>
+            </a:pPr>
+            <a:r>
+              <a:rPr lang="en-US" dirty="0" smtClean="0"/>
+              <a:t>Example: </a:t>
+            </a:r>
+            <a:r>
+              <a:rPr lang="en-US" dirty="0" smtClean="0">
+                <a:hlinkClick r:id="rId4"/>
+              </a:rPr>
+              <a:t>Golf Lesson Booking</a:t>
+            </a:r>
+            <a:endParaRPr lang="en-CA" dirty="0"/>
+          </a:p>
+        </p:txBody>
+      </p:sp>
+    </p:spTree>
+    <p:extLst>
+      <p:ext uri="{BB962C8B-B14F-4D97-AF65-F5344CB8AC3E}">
+        <p14:creationId xmlns:p14="http://schemas.microsoft.com/office/powerpoint/2010/main" val="3049129750"/>
+      </p:ext>
+    </p:extLst>
+  </p:cSld>
+  <p:clrMapOvr>
+    <a:masterClrMapping/>
+  </p:clrMapOvr>
+  <mc:AlternateContent xmlns:mc="http://schemas.openxmlformats.org/markup-compatibility/2006">
+    <mc:Choice xmlns:p14="http://schemas.microsoft.com/office/powerpoint/2010/main" Requires="p14">
+      <p:transition spd="slow" p14:dur="2000">
+        <p14:ferris dir="l"/>
+      </p:transition>
+    </mc:Choice>
+    <mc:Fallback>
+      <p:transition spd="slow">
+        <p:fade/>
+      </p:transition>
+    </mc:Fallback>
+  </mc:AlternateContent>
+  <p:timing>
+    <p:tnLst>
+      <p:par>
+        <p:cTn id="1" dur="indefinite" restart="never" nodeType="tmRoot"/>
+      </p:par>
+    </p:tnLst>
+  </p:timing>
+</p:sld>
+</file>
+
+<file path=ppt/slides/slide16.xml><?xml version="1.0" encoding="utf-8"?>
+<p:sld xmlns:a="http://schemas.openxmlformats.org/drawingml/2006/main" xmlns:r="http://schemas.openxmlformats.org/officeDocument/2006/relationships" xmlns:p="http://schemas.openxmlformats.org/presentationml/2006/main">
+  <p:cSld>
+    <p:spTree>
+      <p:nvGrpSpPr>
+        <p:cNvPr id="1" name=""/>
+        <p:cNvGrpSpPr/>
+        <p:nvPr/>
+      </p:nvGrpSpPr>
+      <p:grpSpPr>
+        <a:xfrm>
+          <a:off x="0" y="0"/>
+          <a:ext cx="0" cy="0"/>
+          <a:chOff x="0" y="0"/>
+          <a:chExt cx="0" cy="0"/>
+        </a:xfrm>
+      </p:grpSpPr>
+      <p:sp>
+        <p:nvSpPr>
+          <p:cNvPr id="2" name="Title 1"/>
+          <p:cNvSpPr>
+            <a:spLocks noGrp="1"/>
+          </p:cNvSpPr>
+          <p:nvPr>
+            <p:ph type="title"/>
+          </p:nvPr>
+        </p:nvSpPr>
+        <p:spPr>
+          <a:xfrm>
+            <a:off x="646111" y="107489"/>
+            <a:ext cx="9404723" cy="1400530"/>
+          </a:xfrm>
+        </p:spPr>
+        <p:txBody>
+          <a:bodyPr/>
+          <a:lstStyle/>
+          <a:p>
+            <a:pPr algn="ctr"/>
+            <a:r>
+              <a:rPr lang="en-US" u="sng" dirty="0" smtClean="0"/>
+              <a:t>E-commerce Packages </a:t>
+            </a:r>
+            <a:r>
+              <a:rPr lang="en-US" u="sng" dirty="0"/>
+              <a:t/>
+            </a:r>
+            <a:br>
+              <a:rPr lang="en-US" u="sng" dirty="0"/>
+            </a:br>
+            <a:r>
+              <a:rPr lang="en-US" u="sng" dirty="0" err="1" smtClean="0"/>
+              <a:t>Shopify</a:t>
+            </a:r>
+            <a:endParaRPr lang="en-CA" u="sng" dirty="0"/>
+          </a:p>
+        </p:txBody>
+      </p:sp>
+      <p:sp>
+        <p:nvSpPr>
+          <p:cNvPr id="10" name="Content Placeholder 2"/>
+          <p:cNvSpPr>
+            <a:spLocks noGrp="1"/>
+          </p:cNvSpPr>
+          <p:nvPr>
+            <p:ph idx="1"/>
+          </p:nvPr>
+        </p:nvSpPr>
+        <p:spPr>
+          <a:xfrm>
+            <a:off x="5093532" y="1810521"/>
+            <a:ext cx="6745540" cy="4696842"/>
+          </a:xfrm>
+        </p:spPr>
+        <p:txBody>
+          <a:bodyPr>
+            <a:normAutofit/>
+          </a:bodyPr>
+          <a:lstStyle/>
+          <a:p>
+            <a:r>
+              <a:rPr lang="en-CA" dirty="0" smtClean="0"/>
+              <a:t>Hosting, website, payments, online/in-person/mobile all in one place</a:t>
+            </a:r>
+          </a:p>
+          <a:p>
+            <a:r>
+              <a:rPr lang="en-CA" dirty="0" smtClean="0"/>
+              <a:t>Canadian company</a:t>
+            </a:r>
+          </a:p>
+          <a:p>
+            <a:r>
+              <a:rPr lang="en-US" dirty="0" err="1" smtClean="0">
+                <a:hlinkClick r:id="rId2"/>
+              </a:rPr>
+              <a:t>BookThatApp</a:t>
+            </a:r>
+            <a:r>
+              <a:rPr lang="en-US" dirty="0" smtClean="0">
+                <a:hlinkClick r:id="rId2"/>
+              </a:rPr>
+              <a:t> extension </a:t>
+            </a:r>
+            <a:endParaRPr lang="en-US" dirty="0" smtClean="0"/>
+          </a:p>
+          <a:p>
+            <a:endParaRPr lang="en-US" dirty="0"/>
+          </a:p>
+          <a:p>
+            <a:r>
+              <a:rPr lang="en-US" dirty="0" smtClean="0"/>
+              <a:t>Online &amp; In-store bundle $219/month with a low transaction fee </a:t>
+            </a:r>
+            <a:br>
+              <a:rPr lang="en-US" dirty="0" smtClean="0"/>
+            </a:br>
+            <a:r>
+              <a:rPr lang="en-US" dirty="0"/>
+              <a:t>Online: 2.25% + 30¢</a:t>
+            </a:r>
+            <a:br>
+              <a:rPr lang="en-US" dirty="0"/>
+            </a:br>
+            <a:r>
+              <a:rPr lang="en-US" dirty="0"/>
+              <a:t>In Person: 2.15% + </a:t>
+            </a:r>
+            <a:r>
+              <a:rPr lang="en-US" dirty="0" smtClean="0"/>
+              <a:t>0¢</a:t>
+            </a:r>
+            <a:br>
+              <a:rPr lang="en-US" dirty="0" smtClean="0"/>
+            </a:br>
+            <a:r>
+              <a:rPr lang="en-US" dirty="0" smtClean="0"/>
+              <a:t/>
+            </a:r>
+            <a:br>
+              <a:rPr lang="en-US" dirty="0" smtClean="0"/>
+            </a:br>
+            <a:r>
+              <a:rPr lang="en-US" dirty="0" smtClean="0"/>
+              <a:t>For a $4000 vacation package, $90 fee (2.25%) vs $116 (2.9%).</a:t>
+            </a:r>
+          </a:p>
+          <a:p>
+            <a:r>
+              <a:rPr lang="en-US" dirty="0" smtClean="0"/>
+              <a:t>Example: </a:t>
+            </a:r>
+            <a:r>
+              <a:rPr lang="en-US" dirty="0" smtClean="0">
+                <a:hlinkClick r:id="rId3"/>
+              </a:rPr>
+              <a:t>Candle making classes</a:t>
+            </a:r>
+            <a:endParaRPr lang="en-US" dirty="0" smtClean="0"/>
+          </a:p>
+          <a:p>
+            <a:endParaRPr lang="en-US" dirty="0"/>
+          </a:p>
+          <a:p>
+            <a:endParaRPr lang="en-US" dirty="0"/>
+          </a:p>
+        </p:txBody>
+      </p:sp>
+      <p:pic>
+        <p:nvPicPr>
+          <p:cNvPr id="3" name="Picture 2">
+            <a:hlinkClick r:id="rId4"/>
+          </p:cNvPr>
+          <p:cNvPicPr>
+            <a:picLocks noChangeAspect="1"/>
+          </p:cNvPicPr>
+          <p:nvPr/>
+        </p:nvPicPr>
+        <p:blipFill>
+          <a:blip r:embed="rId5">
+            <a:extLst>
+              <a:ext uri="{28A0092B-C50C-407E-A947-70E740481C1C}">
+                <a14:useLocalDpi xmlns:a14="http://schemas.microsoft.com/office/drawing/2010/main" val="0"/>
+              </a:ext>
+            </a:extLst>
+          </a:blip>
+          <a:stretch>
+            <a:fillRect/>
+          </a:stretch>
+        </p:blipFill>
+        <p:spPr>
+          <a:xfrm>
+            <a:off x="517775" y="2629105"/>
+            <a:ext cx="4198935" cy="2649755"/>
+          </a:xfrm>
+          <a:prstGeom prst="rect">
+            <a:avLst/>
+          </a:prstGeom>
+        </p:spPr>
+      </p:pic>
+    </p:spTree>
+    <p:extLst>
+      <p:ext uri="{BB962C8B-B14F-4D97-AF65-F5344CB8AC3E}">
+        <p14:creationId xmlns:p14="http://schemas.microsoft.com/office/powerpoint/2010/main" val="371705541"/>
+      </p:ext>
+    </p:extLst>
+  </p:cSld>
+  <p:clrMapOvr>
+    <a:masterClrMapping/>
+  </p:clrMapOvr>
+  <mc:AlternateContent xmlns:mc="http://schemas.openxmlformats.org/markup-compatibility/2006">
+    <mc:Choice xmlns:p14="http://schemas.microsoft.com/office/powerpoint/2010/main" Requires="p14">
+      <p:transition spd="slow" p14:dur="2000">
+        <p14:ferris dir="l"/>
+      </p:transition>
+    </mc:Choice>
+    <mc:Fallback>
+      <p:transition spd="slow">
+        <p:fade/>
+      </p:transition>
+    </mc:Fallback>
+  </mc:AlternateContent>
+  <p:timing>
+    <p:tnLst>
+      <p:par>
+        <p:cTn id="1" dur="indefinite" restart="never" nodeType="tmRoot"/>
+      </p:par>
+    </p:tnLst>
+  </p:timing>
+</p:sld>
+</file>
+
+<file path=ppt/slides/slide17.xml><?xml version="1.0" encoding="utf-8"?>
+<p:sld xmlns:a="http://schemas.openxmlformats.org/drawingml/2006/main" xmlns:r="http://schemas.openxmlformats.org/officeDocument/2006/relationships" xmlns:p="http://schemas.openxmlformats.org/presentationml/2006/main">
+  <p:cSld>
+    <p:spTree>
+      <p:nvGrpSpPr>
+        <p:cNvPr id="1" name=""/>
+        <p:cNvGrpSpPr/>
+        <p:nvPr/>
+      </p:nvGrpSpPr>
+      <p:grpSpPr>
+        <a:xfrm>
+          <a:off x="0" y="0"/>
+          <a:ext cx="0" cy="0"/>
+          <a:chOff x="0" y="0"/>
+          <a:chExt cx="0" cy="0"/>
+        </a:xfrm>
+      </p:grpSpPr>
+      <p:sp>
+        <p:nvSpPr>
+          <p:cNvPr id="2" name="Title 1"/>
+          <p:cNvSpPr>
+            <a:spLocks noGrp="1"/>
+          </p:cNvSpPr>
+          <p:nvPr>
+            <p:ph type="title"/>
+          </p:nvPr>
+        </p:nvSpPr>
+        <p:spPr/>
+        <p:txBody>
+          <a:bodyPr/>
+          <a:lstStyle/>
+          <a:p>
+            <a:pPr algn="ctr"/>
+            <a:r>
+              <a:rPr lang="en-US" u="sng" dirty="0" smtClean="0"/>
+              <a:t>MOMC Comparison</a:t>
+            </a:r>
+            <a:endParaRPr lang="en-CA" u="sng" dirty="0"/>
+          </a:p>
+        </p:txBody>
+      </p:sp>
+      <p:graphicFrame>
+        <p:nvGraphicFramePr>
+          <p:cNvPr id="5" name="Content Placeholder 4"/>
+          <p:cNvGraphicFramePr>
+            <a:graphicFrameLocks noGrp="1"/>
+          </p:cNvGraphicFramePr>
+          <p:nvPr>
+            <p:ph idx="1"/>
+            <p:extLst>
+              <p:ext uri="{D42A27DB-BD31-4B8C-83A1-F6EECF244321}">
+                <p14:modId xmlns:p14="http://schemas.microsoft.com/office/powerpoint/2010/main" val="1890404737"/>
+              </p:ext>
+            </p:extLst>
+          </p:nvPr>
+        </p:nvGraphicFramePr>
+        <p:xfrm>
+          <a:off x="1103313" y="2052638"/>
+          <a:ext cx="8947150" cy="3383280"/>
+        </p:xfrm>
+        <a:graphic>
+          <a:graphicData uri="http://schemas.openxmlformats.org/drawingml/2006/table">
+            <a:tbl>
+              <a:tblPr firstRow="1" bandRow="1">
+                <a:tableStyleId>{775DCB02-9BB8-47FD-8907-85C794F793BA}</a:tableStyleId>
+              </a:tblPr>
+              <a:tblGrid>
+                <a:gridCol w="1789430"/>
+                <a:gridCol w="1789430"/>
+                <a:gridCol w="1789430"/>
+                <a:gridCol w="1789430"/>
+                <a:gridCol w="1789430"/>
+              </a:tblGrid>
+              <a:tr h="370840">
+                <a:tc>
+                  <a:txBody>
+                    <a:bodyPr/>
+                    <a:lstStyle/>
+                    <a:p>
+                      <a:endParaRPr lang="en-US" dirty="0"/>
+                    </a:p>
+                  </a:txBody>
+                  <a:tcPr/>
+                </a:tc>
+                <a:tc>
+                  <a:txBody>
+                    <a:bodyPr/>
+                    <a:lstStyle/>
+                    <a:p>
+                      <a:r>
+                        <a:rPr lang="en-US" dirty="0" smtClean="0"/>
+                        <a:t>Cost (40%)</a:t>
+                      </a:r>
+                      <a:endParaRPr lang="en-US" dirty="0"/>
+                    </a:p>
+                  </a:txBody>
+                  <a:tcPr/>
+                </a:tc>
+                <a:tc>
+                  <a:txBody>
+                    <a:bodyPr/>
+                    <a:lstStyle/>
+                    <a:p>
+                      <a:r>
+                        <a:rPr lang="en-US" dirty="0" smtClean="0"/>
+                        <a:t>Flexibility/</a:t>
+                      </a:r>
+                      <a:br>
+                        <a:rPr lang="en-US" dirty="0" smtClean="0"/>
+                      </a:br>
+                      <a:r>
+                        <a:rPr lang="en-US" dirty="0" smtClean="0"/>
+                        <a:t>Add-ons (40%)</a:t>
+                      </a:r>
+                      <a:endParaRPr lang="en-US" dirty="0"/>
+                    </a:p>
+                  </a:txBody>
+                  <a:tcPr/>
+                </a:tc>
+                <a:tc>
+                  <a:txBody>
+                    <a:bodyPr/>
+                    <a:lstStyle/>
+                    <a:p>
+                      <a:r>
+                        <a:rPr lang="en-US" dirty="0" smtClean="0"/>
+                        <a:t>Reliability</a:t>
+                      </a:r>
+                      <a:r>
+                        <a:rPr lang="en-US" baseline="0" dirty="0" smtClean="0"/>
+                        <a:t> (up/down time) (20%)</a:t>
+                      </a:r>
+                      <a:endParaRPr lang="en-US" dirty="0"/>
+                    </a:p>
+                  </a:txBody>
+                  <a:tcPr/>
+                </a:tc>
+                <a:tc>
+                  <a:txBody>
+                    <a:bodyPr/>
+                    <a:lstStyle/>
+                    <a:p>
+                      <a:r>
+                        <a:rPr lang="en-US" dirty="0" smtClean="0"/>
+                        <a:t>Weighted Average</a:t>
+                      </a:r>
+                      <a:endParaRPr lang="en-US" dirty="0"/>
+                    </a:p>
+                  </a:txBody>
+                  <a:tcPr/>
+                </a:tc>
+              </a:tr>
+              <a:tr h="370840">
+                <a:tc>
+                  <a:txBody>
+                    <a:bodyPr/>
+                    <a:lstStyle/>
+                    <a:p>
+                      <a:r>
+                        <a:rPr lang="en-US" dirty="0" smtClean="0"/>
+                        <a:t>Client</a:t>
+                      </a:r>
+                      <a:r>
+                        <a:rPr lang="en-US" baseline="0" dirty="0" smtClean="0"/>
+                        <a:t> builds it themselves</a:t>
+                      </a:r>
+                      <a:endParaRPr lang="en-US" dirty="0"/>
+                    </a:p>
+                  </a:txBody>
+                  <a:tcPr/>
+                </a:tc>
+                <a:tc>
+                  <a:txBody>
+                    <a:bodyPr/>
+                    <a:lstStyle/>
+                    <a:p>
+                      <a:r>
+                        <a:rPr lang="en-US" dirty="0" smtClean="0"/>
+                        <a:t>4 / 10</a:t>
+                      </a:r>
+                      <a:endParaRPr lang="en-US" dirty="0"/>
+                    </a:p>
+                  </a:txBody>
+                  <a:tcPr/>
+                </a:tc>
+                <a:tc>
+                  <a:txBody>
+                    <a:bodyPr/>
+                    <a:lstStyle/>
+                    <a:p>
+                      <a:r>
+                        <a:rPr lang="en-US" dirty="0" smtClean="0"/>
+                        <a:t>5 / 10</a:t>
+                      </a:r>
+                      <a:endParaRPr lang="en-US" dirty="0"/>
+                    </a:p>
+                  </a:txBody>
+                  <a:tcPr/>
+                </a:tc>
+                <a:tc>
+                  <a:txBody>
+                    <a:bodyPr/>
+                    <a:lstStyle/>
+                    <a:p>
+                      <a:r>
+                        <a:rPr lang="en-US" dirty="0" smtClean="0"/>
+                        <a:t>1 / 10</a:t>
+                      </a:r>
+                      <a:endParaRPr lang="en-US" dirty="0"/>
+                    </a:p>
+                  </a:txBody>
+                  <a:tcPr/>
+                </a:tc>
+                <a:tc>
+                  <a:txBody>
+                    <a:bodyPr/>
+                    <a:lstStyle/>
+                    <a:p>
+                      <a:r>
+                        <a:rPr lang="en-US" dirty="0" smtClean="0"/>
+                        <a:t>3.8</a:t>
+                      </a:r>
+                      <a:endParaRPr lang="en-US" dirty="0"/>
+                    </a:p>
+                  </a:txBody>
+                  <a:tcPr/>
+                </a:tc>
+              </a:tr>
+              <a:tr h="370840">
+                <a:tc>
+                  <a:txBody>
+                    <a:bodyPr/>
+                    <a:lstStyle/>
+                    <a:p>
+                      <a:r>
+                        <a:rPr lang="en-US" dirty="0" smtClean="0"/>
+                        <a:t>Client</a:t>
+                      </a:r>
+                      <a:r>
+                        <a:rPr lang="en-US" baseline="0" dirty="0" smtClean="0"/>
+                        <a:t> pays us to use an </a:t>
+                      </a:r>
+                      <a:br>
+                        <a:rPr lang="en-US" baseline="0" dirty="0" smtClean="0"/>
+                      </a:br>
+                      <a:r>
+                        <a:rPr lang="en-US" baseline="0" dirty="0" smtClean="0"/>
+                        <a:t>e-</a:t>
+                      </a:r>
+                      <a:r>
+                        <a:rPr lang="en-US" baseline="0" dirty="0" err="1" smtClean="0"/>
+                        <a:t>comm</a:t>
+                      </a:r>
+                      <a:r>
+                        <a:rPr lang="en-US" baseline="0" dirty="0" smtClean="0"/>
+                        <a:t> package</a:t>
+                      </a:r>
+                      <a:endParaRPr lang="en-US" dirty="0"/>
+                    </a:p>
+                  </a:txBody>
+                  <a:tcPr/>
+                </a:tc>
+                <a:tc>
+                  <a:txBody>
+                    <a:bodyPr/>
+                    <a:lstStyle/>
+                    <a:p>
+                      <a:r>
+                        <a:rPr lang="en-US" dirty="0" smtClean="0"/>
+                        <a:t>6 / 10</a:t>
+                      </a:r>
+                      <a:endParaRPr lang="en-US" dirty="0"/>
+                    </a:p>
+                  </a:txBody>
+                  <a:tcPr/>
+                </a:tc>
+                <a:tc>
+                  <a:txBody>
+                    <a:bodyPr/>
+                    <a:lstStyle/>
+                    <a:p>
+                      <a:r>
+                        <a:rPr lang="en-US" dirty="0" smtClean="0"/>
+                        <a:t>8 / 10</a:t>
+                      </a:r>
+                      <a:endParaRPr lang="en-US" dirty="0"/>
+                    </a:p>
+                  </a:txBody>
+                  <a:tcPr/>
+                </a:tc>
+                <a:tc>
+                  <a:txBody>
+                    <a:bodyPr/>
+                    <a:lstStyle/>
+                    <a:p>
+                      <a:r>
+                        <a:rPr lang="en-US" dirty="0" smtClean="0"/>
+                        <a:t>8 / 10</a:t>
+                      </a:r>
+                      <a:endParaRPr lang="en-US" dirty="0"/>
+                    </a:p>
+                  </a:txBody>
+                  <a:tcPr/>
+                </a:tc>
+                <a:tc>
+                  <a:txBody>
+                    <a:bodyPr/>
+                    <a:lstStyle/>
+                    <a:p>
+                      <a:r>
+                        <a:rPr lang="en-US" dirty="0" smtClean="0"/>
+                        <a:t>7.2</a:t>
+                      </a:r>
+                      <a:endParaRPr lang="en-US" dirty="0"/>
+                    </a:p>
+                  </a:txBody>
+                  <a:tcPr/>
+                </a:tc>
+              </a:tr>
+              <a:tr h="370840">
+                <a:tc>
+                  <a:txBody>
+                    <a:bodyPr/>
+                    <a:lstStyle/>
+                    <a:p>
+                      <a:r>
+                        <a:rPr lang="en-US" dirty="0" smtClean="0"/>
+                        <a:t>Outsource</a:t>
+                      </a:r>
+                      <a:r>
+                        <a:rPr lang="en-US" baseline="0" dirty="0" smtClean="0"/>
+                        <a:t> the whole thing</a:t>
+                      </a:r>
+                      <a:endParaRPr lang="en-US" dirty="0"/>
+                    </a:p>
+                  </a:txBody>
+                  <a:tcPr/>
+                </a:tc>
+                <a:tc>
+                  <a:txBody>
+                    <a:bodyPr/>
+                    <a:lstStyle/>
+                    <a:p>
+                      <a:r>
+                        <a:rPr lang="en-US" dirty="0" smtClean="0"/>
+                        <a:t>10 / 10</a:t>
+                      </a:r>
+                      <a:endParaRPr lang="en-US" dirty="0"/>
+                    </a:p>
+                  </a:txBody>
+                  <a:tcPr/>
+                </a:tc>
+                <a:tc>
+                  <a:txBody>
+                    <a:bodyPr/>
+                    <a:lstStyle/>
+                    <a:p>
+                      <a:r>
+                        <a:rPr lang="en-US" dirty="0" smtClean="0"/>
+                        <a:t>10 / 10</a:t>
+                      </a:r>
+                      <a:endParaRPr lang="en-US" dirty="0"/>
+                    </a:p>
+                  </a:txBody>
+                  <a:tcPr/>
+                </a:tc>
+                <a:tc>
+                  <a:txBody>
+                    <a:bodyPr/>
+                    <a:lstStyle/>
+                    <a:p>
+                      <a:r>
+                        <a:rPr lang="en-US" dirty="0" smtClean="0"/>
+                        <a:t>10 / 10</a:t>
+                      </a:r>
+                      <a:endParaRPr lang="en-US" dirty="0"/>
+                    </a:p>
+                  </a:txBody>
+                  <a:tcPr/>
+                </a:tc>
+                <a:tc>
+                  <a:txBody>
+                    <a:bodyPr/>
+                    <a:lstStyle/>
+                    <a:p>
+                      <a:r>
+                        <a:rPr lang="en-US" dirty="0" smtClean="0"/>
+                        <a:t>10</a:t>
+                      </a:r>
+                      <a:endParaRPr lang="en-US" dirty="0"/>
+                    </a:p>
+                  </a:txBody>
+                  <a:tcPr/>
+                </a:tc>
+              </a:tr>
+            </a:tbl>
+          </a:graphicData>
+        </a:graphic>
+      </p:graphicFrame>
+    </p:spTree>
+    <p:extLst>
+      <p:ext uri="{BB962C8B-B14F-4D97-AF65-F5344CB8AC3E}">
+        <p14:creationId xmlns:p14="http://schemas.microsoft.com/office/powerpoint/2010/main" val="948601104"/>
+      </p:ext>
+    </p:extLst>
+  </p:cSld>
+  <p:clrMapOvr>
+    <a:masterClrMapping/>
+  </p:clrMapOvr>
+  <mc:AlternateContent xmlns:mc="http://schemas.openxmlformats.org/markup-compatibility/2006" xmlns:p14="http://schemas.microsoft.com/office/powerpoint/2010/main">
+    <mc:Choice Requires="p14">
+      <p:transition spd="slow" p14:dur="1500">
+        <p14:window dir="vert"/>
+      </p:transition>
+    </mc:Choice>
+    <mc:Fallback xmlns="">
+      <p:transition spd="slow">
+        <p:fade/>
+      </p:transition>
+    </mc:Fallback>
+  </mc:AlternateContent>
+  <p:timing>
+    <p:tnLst>
+      <p:par>
+        <p:cTn id="1" dur="indefinite" restart="never" nodeType="tmRoot"/>
+      </p:par>
+    </p:tnLst>
+  </p:timing>
+</p:sld>
+</file>
+
+<file path=ppt/slides/slide18.xml><?xml version="1.0" encoding="utf-8"?>
+<p:sld xmlns:a="http://schemas.openxmlformats.org/drawingml/2006/main" xmlns:r="http://schemas.openxmlformats.org/officeDocument/2006/relationships" xmlns:p="http://schemas.openxmlformats.org/presentationml/2006/main">
+  <p:cSld>
+    <p:spTree>
+      <p:nvGrpSpPr>
+        <p:cNvPr id="1" name=""/>
+        <p:cNvGrpSpPr/>
+        <p:nvPr/>
+      </p:nvGrpSpPr>
+      <p:grpSpPr>
+        <a:xfrm>
+          <a:off x="0" y="0"/>
+          <a:ext cx="0" cy="0"/>
+          <a:chOff x="0" y="0"/>
+          <a:chExt cx="0" cy="0"/>
+        </a:xfrm>
+      </p:grpSpPr>
+      <p:sp>
+        <p:nvSpPr>
+          <p:cNvPr id="2" name="Title 1"/>
+          <p:cNvSpPr>
+            <a:spLocks noGrp="1"/>
+          </p:cNvSpPr>
+          <p:nvPr>
+            <p:ph type="title"/>
+          </p:nvPr>
+        </p:nvSpPr>
+        <p:spPr/>
+        <p:txBody>
+          <a:bodyPr/>
+          <a:lstStyle/>
+          <a:p>
+            <a:pPr algn="ctr"/>
+            <a:r>
+              <a:rPr lang="en-US" u="sng" dirty="0" smtClean="0"/>
+              <a:t>Conclusion</a:t>
+            </a:r>
+            <a:endParaRPr lang="en-CA" u="sng" dirty="0"/>
+          </a:p>
+        </p:txBody>
+      </p:sp>
+      <p:sp>
+        <p:nvSpPr>
+          <p:cNvPr id="3" name="Content Placeholder 2"/>
+          <p:cNvSpPr>
+            <a:spLocks noGrp="1"/>
+          </p:cNvSpPr>
+          <p:nvPr>
+            <p:ph idx="1"/>
+          </p:nvPr>
+        </p:nvSpPr>
+        <p:spPr/>
+        <p:txBody>
+          <a:bodyPr/>
+          <a:lstStyle/>
+          <a:p>
+            <a:r>
+              <a:rPr lang="en-US" dirty="0" smtClean="0"/>
+              <a:t>Packages are great if you want to save money and get up and running sooner rather than later</a:t>
+            </a:r>
+          </a:p>
+          <a:p>
+            <a:r>
+              <a:rPr lang="en-US" dirty="0" smtClean="0"/>
+              <a:t>Custom-built solutions cost more but will exactly fit your business needs, easier to build on top  of</a:t>
+            </a:r>
+          </a:p>
+          <a:p>
+            <a:r>
+              <a:rPr lang="en-US" dirty="0" smtClean="0"/>
+              <a:t>If you are setting up your own hosting, shared hosting is best. Use a VPS.</a:t>
+            </a:r>
+          </a:p>
+          <a:p>
+            <a:endParaRPr lang="en-US" dirty="0"/>
+          </a:p>
+        </p:txBody>
+      </p:sp>
+    </p:spTree>
+    <p:extLst>
+      <p:ext uri="{BB962C8B-B14F-4D97-AF65-F5344CB8AC3E}">
+        <p14:creationId xmlns:p14="http://schemas.microsoft.com/office/powerpoint/2010/main" val="452584179"/>
+      </p:ext>
+    </p:extLst>
+  </p:cSld>
+  <p:clrMapOvr>
+    <a:masterClrMapping/>
+  </p:clrMapOvr>
+  <mc:AlternateContent xmlns:mc="http://schemas.openxmlformats.org/markup-compatibility/2006">
+    <mc:Choice xmlns:p14="http://schemas.microsoft.com/office/powerpoint/2010/main" Requires="p14">
+      <p:transition spd="slow" p14:dur="1500">
+        <p14:window dir="vert"/>
+      </p:transition>
+    </mc:Choice>
+    <mc:Fallback>
+      <p:transition spd="slow">
+        <p:fade/>
+      </p:transition>
+    </mc:Fallback>
+  </mc:AlternateContent>
+  <p:timing>
+    <p:tnLst>
+      <p:par>
+        <p:cTn id="1" dur="indefinite" restart="never" nodeType="tmRoot"/>
+      </p:par>
+    </p:tnLst>
+  </p:timing>
+</p:sld>
+</file>
+
+<file path=ppt/slides/slide19.xml><?xml version="1.0" encoding="utf-8"?>
+<p:sld xmlns:a="http://schemas.openxmlformats.org/drawingml/2006/main" xmlns:r="http://schemas.openxmlformats.org/officeDocument/2006/relationships" xmlns:p="http://schemas.openxmlformats.org/presentationml/2006/main">
+  <p:cSld>
+    <p:spTree>
+      <p:nvGrpSpPr>
+        <p:cNvPr id="1" name=""/>
+        <p:cNvGrpSpPr/>
+        <p:nvPr/>
+      </p:nvGrpSpPr>
+      <p:grpSpPr>
+        <a:xfrm>
+          <a:off x="0" y="0"/>
+          <a:ext cx="0" cy="0"/>
+          <a:chOff x="0" y="0"/>
+          <a:chExt cx="0" cy="0"/>
+        </a:xfrm>
+      </p:grpSpPr>
+      <p:sp>
+        <p:nvSpPr>
+          <p:cNvPr id="2" name="Title 1"/>
+          <p:cNvSpPr>
+            <a:spLocks noGrp="1"/>
+          </p:cNvSpPr>
+          <p:nvPr>
+            <p:ph type="title"/>
+          </p:nvPr>
+        </p:nvSpPr>
+        <p:spPr/>
+        <p:txBody>
+          <a:bodyPr/>
+          <a:lstStyle/>
+          <a:p>
+            <a:pPr algn="ctr"/>
+            <a:r>
+              <a:rPr lang="en-US" u="sng" dirty="0" smtClean="0"/>
+              <a:t>Want To Know </a:t>
+            </a:r>
+            <a:r>
+              <a:rPr lang="en-US" u="sng" dirty="0" smtClean="0"/>
+              <a:t>More?</a:t>
             </a:r>
             <a:endParaRPr lang="en-CA" u="sng" dirty="0"/>
           </a:p>
@@ -7149,13 +8374,8 @@
           <a:p>
             <a:r>
               <a:rPr lang="en-US" sz="3200" dirty="0" smtClean="0"/>
-              <a:t>Were giving away free Information Sessions Tomorrow, Be Sure To Come !!!!!!!!</a:t>
-            </a:r>
-          </a:p>
-          <a:p>
-            <a:pPr marL="0" indent="0">
-              <a:buNone/>
-            </a:pPr>
+              <a:t>Information Session</a:t>
+            </a:r>
             <a:endParaRPr lang="en-US" dirty="0" smtClean="0"/>
           </a:p>
           <a:p>
@@ -7206,7 +8426,7 @@
         </p:blipFill>
         <p:spPr>
           <a:xfrm>
-            <a:off x="1534954" y="3235898"/>
+            <a:off x="1525624" y="2974641"/>
             <a:ext cx="8237117" cy="3378381"/>
           </a:xfrm>
           <a:prstGeom prst="rect">
@@ -7224,13 +8444,13 @@
   <p:clrMapOvr>
     <a:masterClrMapping/>
   </p:clrMapOvr>
-  <mc:AlternateContent xmlns:mc="http://schemas.openxmlformats.org/markup-compatibility/2006">
-    <mc:Choice xmlns:p14="http://schemas.microsoft.com/office/powerpoint/2010/main" Requires="p14">
+  <mc:AlternateContent xmlns:mc="http://schemas.openxmlformats.org/markup-compatibility/2006" xmlns:p14="http://schemas.microsoft.com/office/powerpoint/2010/main">
+    <mc:Choice Requires="p14">
       <p:transition spd="slow" p14:dur="1400">
         <p14:ripple/>
       </p:transition>
     </mc:Choice>
-    <mc:Fallback>
+    <mc:Fallback xmlns="">
       <p:transition spd="slow">
         <p:fade/>
       </p:transition>
@@ -7246,7 +8466,116 @@
 </p:sld>
 </file>
 
-<file path=ppt/slides/slide16.xml><?xml version="1.0" encoding="utf-8"?>
+<file path=ppt/slides/slide2.xml><?xml version="1.0" encoding="utf-8"?>
+<p:sld xmlns:a="http://schemas.openxmlformats.org/drawingml/2006/main" xmlns:r="http://schemas.openxmlformats.org/officeDocument/2006/relationships" xmlns:p="http://schemas.openxmlformats.org/presentationml/2006/main">
+  <p:cSld>
+    <p:spTree>
+      <p:nvGrpSpPr>
+        <p:cNvPr id="1" name=""/>
+        <p:cNvGrpSpPr/>
+        <p:nvPr/>
+      </p:nvGrpSpPr>
+      <p:grpSpPr>
+        <a:xfrm>
+          <a:off x="0" y="0"/>
+          <a:ext cx="0" cy="0"/>
+          <a:chOff x="0" y="0"/>
+          <a:chExt cx="0" cy="0"/>
+        </a:xfrm>
+      </p:grpSpPr>
+      <p:sp>
+        <p:nvSpPr>
+          <p:cNvPr id="2" name="Title 1"/>
+          <p:cNvSpPr>
+            <a:spLocks noGrp="1"/>
+          </p:cNvSpPr>
+          <p:nvPr>
+            <p:ph type="title"/>
+          </p:nvPr>
+        </p:nvSpPr>
+        <p:spPr/>
+        <p:txBody>
+          <a:bodyPr/>
+          <a:lstStyle/>
+          <a:p>
+            <a:r>
+              <a:rPr lang="en-US" b="1" dirty="0" smtClean="0"/>
+              <a:t>Welcome To KM3</a:t>
+            </a:r>
+            <a:endParaRPr lang="en-CA" b="1" dirty="0"/>
+          </a:p>
+        </p:txBody>
+      </p:sp>
+      <p:sp>
+        <p:nvSpPr>
+          <p:cNvPr id="3" name="Content Placeholder 2"/>
+          <p:cNvSpPr>
+            <a:spLocks noGrp="1"/>
+          </p:cNvSpPr>
+          <p:nvPr>
+            <p:ph idx="1"/>
+          </p:nvPr>
+        </p:nvSpPr>
+        <p:spPr/>
+        <p:txBody>
+          <a:bodyPr>
+            <a:normAutofit/>
+          </a:bodyPr>
+          <a:lstStyle/>
+          <a:p>
+            <a:r>
+              <a:rPr lang="en-US" sz="2800" dirty="0" smtClean="0"/>
+              <a:t>Professional  Software Development Company</a:t>
+            </a:r>
+          </a:p>
+          <a:p>
+            <a:r>
+              <a:rPr lang="en-US" sz="2800" dirty="0" smtClean="0"/>
+              <a:t>Created in Object Oriented Software Development Class</a:t>
+            </a:r>
+          </a:p>
+          <a:p>
+            <a:r>
+              <a:rPr lang="en-US" sz="2800" dirty="0" smtClean="0"/>
+              <a:t>Known for Website Services, such as building websites, providing designs, hosting services, payment options e-commerce, and marketing. </a:t>
+            </a:r>
+            <a:endParaRPr lang="en-CA" sz="2800" dirty="0"/>
+          </a:p>
+        </p:txBody>
+      </p:sp>
+    </p:spTree>
+    <p:extLst>
+      <p:ext uri="{BB962C8B-B14F-4D97-AF65-F5344CB8AC3E}">
+        <p14:creationId xmlns:p14="http://schemas.microsoft.com/office/powerpoint/2010/main" val="3816474543"/>
+      </p:ext>
+    </p:extLst>
+  </p:cSld>
+  <p:clrMapOvr>
+    <a:masterClrMapping/>
+  </p:clrMapOvr>
+  <mc:AlternateContent xmlns:mc="http://schemas.openxmlformats.org/markup-compatibility/2006" xmlns:p15="http://schemas.microsoft.com/office/powerpoint/2012/main">
+    <mc:Choice Requires="p15">
+      <p:transition xmlns:p14="http://schemas.microsoft.com/office/powerpoint/2010/main" spd="slow" p14:dur="2000">
+        <p15:prstTrans prst="drape"/>
+      </p:transition>
+    </mc:Choice>
+    <mc:Fallback xmlns="">
+      <p:transition spd="slow">
+        <p:fade/>
+      </p:transition>
+    </mc:Fallback>
+  </mc:AlternateContent>
+  <p:timing>
+    <p:tnLst>
+      <p:par>
+        <p:cTn id="1" dur="indefinite" restart="never" nodeType="tmRoot"/>
+      </p:par>
+    </p:tnLst>
+  </p:timing>
+</p:sld>
+</file>
+
+<file path=ppt/slides/slide20.xml><?xml version="1.0" encoding="utf-8"?>
 <p:sld xmlns:a="http://schemas.openxmlformats.org/drawingml/2006/main" xmlns:r="http://schemas.openxmlformats.org/officeDocument/2006/relationships" xmlns:p="http://schemas.openxmlformats.org/presentationml/2006/main">
   <p:cSld>
     <p:spTree>
@@ -7332,124 +8661,15 @@
   <p:clrMapOvr>
     <a:masterClrMapping/>
   </p:clrMapOvr>
-  <mc:AlternateContent xmlns:mc="http://schemas.openxmlformats.org/markup-compatibility/2006">
-    <mc:Choice xmlns:p14="http://schemas.microsoft.com/office/powerpoint/2010/main" Requires="p14">
+  <mc:AlternateContent xmlns:mc="http://schemas.openxmlformats.org/markup-compatibility/2006" xmlns:p14="http://schemas.microsoft.com/office/powerpoint/2010/main">
+    <mc:Choice Requires="p14">
       <p:transition spd="slow" p14:dur="1500">
         <p:random/>
       </p:transition>
     </mc:Choice>
-    <mc:Fallback>
+    <mc:Fallback xmlns="">
       <p:transition spd="slow">
         <p:random/>
-      </p:transition>
-    </mc:Fallback>
-  </mc:AlternateContent>
-  <p:timing>
-    <p:tnLst>
-      <p:par>
-        <p:cTn id="1" dur="indefinite" restart="never" nodeType="tmRoot"/>
-      </p:par>
-    </p:tnLst>
-  </p:timing>
-</p:sld>
-</file>
-
-<file path=ppt/slides/slide2.xml><?xml version="1.0" encoding="utf-8"?>
-<p:sld xmlns:a="http://schemas.openxmlformats.org/drawingml/2006/main" xmlns:r="http://schemas.openxmlformats.org/officeDocument/2006/relationships" xmlns:p="http://schemas.openxmlformats.org/presentationml/2006/main">
-  <p:cSld>
-    <p:spTree>
-      <p:nvGrpSpPr>
-        <p:cNvPr id="1" name=""/>
-        <p:cNvGrpSpPr/>
-        <p:nvPr/>
-      </p:nvGrpSpPr>
-      <p:grpSpPr>
-        <a:xfrm>
-          <a:off x="0" y="0"/>
-          <a:ext cx="0" cy="0"/>
-          <a:chOff x="0" y="0"/>
-          <a:chExt cx="0" cy="0"/>
-        </a:xfrm>
-      </p:grpSpPr>
-      <p:sp>
-        <p:nvSpPr>
-          <p:cNvPr id="2" name="Title 1"/>
-          <p:cNvSpPr>
-            <a:spLocks noGrp="1"/>
-          </p:cNvSpPr>
-          <p:nvPr>
-            <p:ph type="title"/>
-          </p:nvPr>
-        </p:nvSpPr>
-        <p:spPr/>
-        <p:txBody>
-          <a:bodyPr/>
-          <a:lstStyle/>
-          <a:p>
-            <a:r>
-              <a:rPr lang="en-US" b="1" dirty="0" smtClean="0"/>
-              <a:t>Welcome To KM3</a:t>
-            </a:r>
-            <a:endParaRPr lang="en-CA" b="1" dirty="0"/>
-          </a:p>
-        </p:txBody>
-      </p:sp>
-      <p:sp>
-        <p:nvSpPr>
-          <p:cNvPr id="3" name="Content Placeholder 2"/>
-          <p:cNvSpPr>
-            <a:spLocks noGrp="1"/>
-          </p:cNvSpPr>
-          <p:nvPr>
-            <p:ph idx="1"/>
-          </p:nvPr>
-        </p:nvSpPr>
-        <p:spPr/>
-        <p:txBody>
-          <a:bodyPr>
-            <a:normAutofit/>
-          </a:bodyPr>
-          <a:lstStyle/>
-          <a:p>
-            <a:r>
-              <a:rPr lang="en-US" sz="2800" dirty="0" smtClean="0"/>
-              <a:t>Professional  Software Development Company</a:t>
-            </a:r>
-          </a:p>
-          <a:p>
-            <a:r>
-              <a:rPr lang="en-US" sz="2800" dirty="0" smtClean="0"/>
-              <a:t>Created in Object Oriented Software Development Class</a:t>
-            </a:r>
-          </a:p>
-          <a:p>
-            <a:r>
-              <a:rPr lang="en-US" sz="2800" dirty="0" smtClean="0"/>
-              <a:t>Known for Website Services, such as building websites, providing designs, hosting services, payment options e-commerce, and marketing. </a:t>
-            </a:r>
-            <a:endParaRPr lang="en-CA" sz="2800" dirty="0"/>
-          </a:p>
-        </p:txBody>
-      </p:sp>
-    </p:spTree>
-    <p:extLst>
-      <p:ext uri="{BB962C8B-B14F-4D97-AF65-F5344CB8AC3E}">
-        <p14:creationId xmlns:p14="http://schemas.microsoft.com/office/powerpoint/2010/main" val="3816474543"/>
-      </p:ext>
-    </p:extLst>
-  </p:cSld>
-  <p:clrMapOvr>
-    <a:masterClrMapping/>
-  </p:clrMapOvr>
-  <mc:AlternateContent xmlns:mc="http://schemas.openxmlformats.org/markup-compatibility/2006">
-    <mc:Choice xmlns:p15="http://schemas.microsoft.com/office/powerpoint/2012/main" Requires="p15">
-      <p:transition xmlns:p14="http://schemas.microsoft.com/office/powerpoint/2010/main" spd="slow" p14:dur="2000">
-        <p15:prstTrans prst="drape"/>
-      </p:transition>
-    </mc:Choice>
-    <mc:Fallback>
-      <p:transition spd="slow">
-        <p:fade/>
       </p:transition>
     </mc:Fallback>
   </mc:AlternateContent>
@@ -7595,13 +8815,13 @@
   <p:clrMapOvr>
     <a:masterClrMapping/>
   </p:clrMapOvr>
-  <mc:AlternateContent xmlns:mc="http://schemas.openxmlformats.org/markup-compatibility/2006">
-    <mc:Choice xmlns:p14="http://schemas.microsoft.com/office/powerpoint/2010/main" Requires="p14">
+  <mc:AlternateContent xmlns:mc="http://schemas.openxmlformats.org/markup-compatibility/2006" xmlns:p14="http://schemas.microsoft.com/office/powerpoint/2010/main">
+    <mc:Choice Requires="p14">
       <p:transition spd="slow" p14:dur="1300">
         <p14:pan dir="u"/>
       </p:transition>
     </mc:Choice>
-    <mc:Fallback>
+    <mc:Fallback xmlns="">
       <p:transition spd="slow">
         <p:fade/>
       </p:transition>
@@ -7680,10 +8900,6 @@
               <a:rPr lang="en-CA" dirty="0"/>
               <a:t>A web hosting service is a type of Internet hosting service that allows individuals and organizations to make their website accessible.</a:t>
             </a:r>
-            <a:r>
-              <a:rPr lang="en-CA" dirty="0"/>
-              <a:t/>
-            </a:r>
             <a:br>
               <a:rPr lang="en-CA" dirty="0"/>
             </a:br>
@@ -7744,13 +8960,13 @@
   <p:clrMapOvr>
     <a:masterClrMapping/>
   </p:clrMapOvr>
-  <mc:AlternateContent xmlns:mc="http://schemas.openxmlformats.org/markup-compatibility/2006">
-    <mc:Choice xmlns:p15="http://schemas.microsoft.com/office/powerpoint/2012/main" Requires="p15">
+  <mc:AlternateContent xmlns:mc="http://schemas.openxmlformats.org/markup-compatibility/2006" xmlns:p15="http://schemas.microsoft.com/office/powerpoint/2012/main">
+    <mc:Choice Requires="p15">
       <p:transition xmlns:p14="http://schemas.microsoft.com/office/powerpoint/2010/main" spd="slow" p14:dur="2000">
         <p15:prstTrans prst="fallOver"/>
       </p:transition>
     </mc:Choice>
-    <mc:Fallback>
+    <mc:Fallback xmlns="">
       <p:transition spd="slow">
         <p:fade/>
       </p:transition>
@@ -7941,7 +9157,6 @@
               <a:rPr lang="en-CA" dirty="0"/>
               <a:t>server</a:t>
             </a:r>
-            <a:endParaRPr lang="en-CA" dirty="0"/>
           </a:p>
         </p:txBody>
       </p:sp>
@@ -8087,10 +9302,6 @@
             <a:r>
               <a:rPr lang="en-CA" dirty="0"/>
               <a:t>hosting company owned by Endurance International Group. It is one of the 20 largest web hosts, hosting over 1.9 million domains.</a:t>
-            </a:r>
-            <a:r>
-              <a:rPr lang="en-CA" dirty="0"/>
-              <a:t/>
             </a:r>
             <a:br>
               <a:rPr lang="en-CA" dirty="0"/>
@@ -8244,13 +9455,13 @@
   <p:clrMapOvr>
     <a:masterClrMapping/>
   </p:clrMapOvr>
-  <mc:AlternateContent xmlns:mc="http://schemas.openxmlformats.org/markup-compatibility/2006">
-    <mc:Choice xmlns:p14="http://schemas.microsoft.com/office/powerpoint/2010/main" Requires="p14">
+  <mc:AlternateContent xmlns:mc="http://schemas.openxmlformats.org/markup-compatibility/2006" xmlns:p14="http://schemas.microsoft.com/office/powerpoint/2010/main">
+    <mc:Choice Requires="p14">
       <p:transition spd="slow" p14:dur="1250">
         <p14:switch dir="r"/>
       </p:transition>
     </mc:Choice>
-    <mc:Fallback>
+    <mc:Fallback xmlns="">
       <p:transition spd="slow">
         <p:fade/>
       </p:transition>

--- a/km3/KM3.pptx
+++ b/km3/KM3.pptx
@@ -8,23 +8,27 @@
     <p:sldId id="256" r:id="rId2"/>
     <p:sldId id="257" r:id="rId3"/>
     <p:sldId id="262" r:id="rId4"/>
-    <p:sldId id="259" r:id="rId5"/>
-    <p:sldId id="268" r:id="rId6"/>
-    <p:sldId id="263" r:id="rId7"/>
-    <p:sldId id="271" r:id="rId8"/>
-    <p:sldId id="272" r:id="rId9"/>
-    <p:sldId id="273" r:id="rId10"/>
-    <p:sldId id="260" r:id="rId11"/>
-    <p:sldId id="264" r:id="rId12"/>
-    <p:sldId id="265" r:id="rId13"/>
-    <p:sldId id="274" r:id="rId14"/>
-    <p:sldId id="277" r:id="rId15"/>
-    <p:sldId id="275" r:id="rId16"/>
-    <p:sldId id="276" r:id="rId17"/>
-    <p:sldId id="266" r:id="rId18"/>
-    <p:sldId id="278" r:id="rId19"/>
-    <p:sldId id="267" r:id="rId20"/>
-    <p:sldId id="269" r:id="rId21"/>
+    <p:sldId id="279" r:id="rId5"/>
+    <p:sldId id="259" r:id="rId6"/>
+    <p:sldId id="268" r:id="rId7"/>
+    <p:sldId id="263" r:id="rId8"/>
+    <p:sldId id="280" r:id="rId9"/>
+    <p:sldId id="271" r:id="rId10"/>
+    <p:sldId id="272" r:id="rId11"/>
+    <p:sldId id="283" r:id="rId12"/>
+    <p:sldId id="273" r:id="rId13"/>
+    <p:sldId id="260" r:id="rId14"/>
+    <p:sldId id="281" r:id="rId15"/>
+    <p:sldId id="265" r:id="rId16"/>
+    <p:sldId id="274" r:id="rId17"/>
+    <p:sldId id="277" r:id="rId18"/>
+    <p:sldId id="275" r:id="rId19"/>
+    <p:sldId id="276" r:id="rId20"/>
+    <p:sldId id="282" r:id="rId21"/>
+    <p:sldId id="266" r:id="rId22"/>
+    <p:sldId id="278" r:id="rId23"/>
+    <p:sldId id="267" r:id="rId24"/>
+    <p:sldId id="269" r:id="rId25"/>
   </p:sldIdLst>
   <p:sldSz cx="12192000" cy="6858000"/>
   <p:notesSz cx="6858000" cy="9144000"/>
@@ -314,7 +318,7 @@
           <a:p>
             <a:fld id="{4AAD347D-5ACD-4C99-B74B-A9C85AD731AF}" type="datetimeFigureOut">
               <a:rPr lang="en-US" smtClean="0"/>
-              <a:t>11/18/2014</a:t>
+              <a:t>11/19/2014</a:t>
             </a:fld>
             <a:endParaRPr lang="en-US" dirty="0"/>
           </a:p>
@@ -589,7 +593,7 @@
           <a:p>
             <a:fld id="{4509A250-FF31-4206-8172-F9D3106AACB1}" type="datetimeFigureOut">
               <a:rPr lang="en-US" smtClean="0"/>
-              <a:t>11/18/2014</a:t>
+              <a:t>11/19/2014</a:t>
             </a:fld>
             <a:endParaRPr lang="en-US" dirty="0"/>
           </a:p>
@@ -783,7 +787,7 @@
           <a:p>
             <a:fld id="{4509A250-FF31-4206-8172-F9D3106AACB1}" type="datetimeFigureOut">
               <a:rPr lang="en-US" smtClean="0"/>
-              <a:t>11/18/2014</a:t>
+              <a:t>11/19/2014</a:t>
             </a:fld>
             <a:endParaRPr lang="en-US" dirty="0"/>
           </a:p>
@@ -1051,7 +1055,7 @@
           <a:p>
             <a:fld id="{4509A250-FF31-4206-8172-F9D3106AACB1}" type="datetimeFigureOut">
               <a:rPr lang="en-US" smtClean="0"/>
-              <a:t>11/18/2014</a:t>
+              <a:t>11/19/2014</a:t>
             </a:fld>
             <a:endParaRPr lang="en-US" dirty="0"/>
           </a:p>
@@ -1383,7 +1387,7 @@
           <a:p>
             <a:fld id="{4509A250-FF31-4206-8172-F9D3106AACB1}" type="datetimeFigureOut">
               <a:rPr lang="en-US" smtClean="0"/>
-              <a:t>11/18/2014</a:t>
+              <a:t>11/19/2014</a:t>
             </a:fld>
             <a:endParaRPr lang="en-US" dirty="0"/>
           </a:p>
@@ -1993,7 +1997,7 @@
           <a:p>
             <a:fld id="{4509A250-FF31-4206-8172-F9D3106AACB1}" type="datetimeFigureOut">
               <a:rPr lang="en-US" smtClean="0"/>
-              <a:t>11/18/2014</a:t>
+              <a:t>11/19/2014</a:t>
             </a:fld>
             <a:endParaRPr lang="en-US" dirty="0"/>
           </a:p>
@@ -2840,7 +2844,7 @@
           <a:p>
             <a:fld id="{4509A250-FF31-4206-8172-F9D3106AACB1}" type="datetimeFigureOut">
               <a:rPr lang="en-US" smtClean="0"/>
-              <a:t>11/18/2014</a:t>
+              <a:t>11/19/2014</a:t>
             </a:fld>
             <a:endParaRPr lang="en-US" dirty="0"/>
           </a:p>
@@ -3010,7 +3014,7 @@
           <a:p>
             <a:fld id="{4509A250-FF31-4206-8172-F9D3106AACB1}" type="datetimeFigureOut">
               <a:rPr lang="en-US" smtClean="0"/>
-              <a:t>11/18/2014</a:t>
+              <a:t>11/19/2014</a:t>
             </a:fld>
             <a:endParaRPr lang="en-US" dirty="0"/>
           </a:p>
@@ -3190,7 +3194,7 @@
           <a:p>
             <a:fld id="{4509A250-FF31-4206-8172-F9D3106AACB1}" type="datetimeFigureOut">
               <a:rPr lang="en-US" smtClean="0"/>
-              <a:t>11/18/2014</a:t>
+              <a:t>11/19/2014</a:t>
             </a:fld>
             <a:endParaRPr lang="en-US" dirty="0"/>
           </a:p>
@@ -3360,7 +3364,7 @@
           <a:p>
             <a:fld id="{4509A250-FF31-4206-8172-F9D3106AACB1}" type="datetimeFigureOut">
               <a:rPr lang="en-US" smtClean="0"/>
-              <a:t>11/18/2014</a:t>
+              <a:t>11/19/2014</a:t>
             </a:fld>
             <a:endParaRPr lang="en-US" dirty="0"/>
           </a:p>
@@ -3604,7 +3608,7 @@
           <a:p>
             <a:fld id="{9796027F-7875-4030-9381-8BD8C4F21935}" type="datetimeFigureOut">
               <a:rPr lang="en-US" smtClean="0"/>
-              <a:t>11/18/2014</a:t>
+              <a:t>11/19/2014</a:t>
             </a:fld>
             <a:endParaRPr lang="en-US" dirty="0"/>
           </a:p>
@@ -3896,7 +3900,7 @@
           <a:p>
             <a:fld id="{9796027F-7875-4030-9381-8BD8C4F21935}" type="datetimeFigureOut">
               <a:rPr lang="en-US" smtClean="0"/>
-              <a:t>11/18/2014</a:t>
+              <a:t>11/19/2014</a:t>
             </a:fld>
             <a:endParaRPr lang="en-US" dirty="0"/>
           </a:p>
@@ -4334,7 +4338,7 @@
           <a:p>
             <a:fld id="{9796027F-7875-4030-9381-8BD8C4F21935}" type="datetimeFigureOut">
               <a:rPr lang="en-US" smtClean="0"/>
-              <a:t>11/18/2014</a:t>
+              <a:t>11/19/2014</a:t>
             </a:fld>
             <a:endParaRPr lang="en-US" dirty="0"/>
           </a:p>
@@ -4452,7 +4456,7 @@
           <a:p>
             <a:fld id="{4509A250-FF31-4206-8172-F9D3106AACB1}" type="datetimeFigureOut">
               <a:rPr lang="en-US" smtClean="0"/>
-              <a:t>11/18/2014</a:t>
+              <a:t>11/19/2014</a:t>
             </a:fld>
             <a:endParaRPr lang="en-US" dirty="0"/>
           </a:p>
@@ -4547,7 +4551,7 @@
           <a:p>
             <a:fld id="{4509A250-FF31-4206-8172-F9D3106AACB1}" type="datetimeFigureOut">
               <a:rPr lang="en-US" smtClean="0"/>
-              <a:t>11/18/2014</a:t>
+              <a:t>11/19/2014</a:t>
             </a:fld>
             <a:endParaRPr lang="en-US" dirty="0"/>
           </a:p>
@@ -4826,7 +4830,7 @@
           <a:p>
             <a:fld id="{4509A250-FF31-4206-8172-F9D3106AACB1}" type="datetimeFigureOut">
               <a:rPr lang="en-US" smtClean="0"/>
-              <a:t>11/18/2014</a:t>
+              <a:t>11/19/2014</a:t>
             </a:fld>
             <a:endParaRPr lang="en-US" dirty="0"/>
           </a:p>
@@ -5101,7 +5105,7 @@
           <a:p>
             <a:fld id="{4509A250-FF31-4206-8172-F9D3106AACB1}" type="datetimeFigureOut">
               <a:rPr lang="en-US" smtClean="0"/>
-              <a:t>11/18/2014</a:t>
+              <a:t>11/19/2014</a:t>
             </a:fld>
             <a:endParaRPr lang="en-US" dirty="0"/>
           </a:p>
@@ -5530,7 +5534,7 @@
           <a:p>
             <a:fld id="{4AAD347D-5ACD-4C99-B74B-A9C85AD731AF}" type="datetimeFigureOut">
               <a:rPr lang="en-US" smtClean="0"/>
-              <a:t>11/18/2014</a:t>
+              <a:t>11/19/2014</a:t>
             </a:fld>
             <a:endParaRPr lang="en-US" dirty="0"/>
           </a:p>
@@ -6120,14 +6124,7 @@
                 <a:latin typeface="Aharoni" panose="02010803020104030203" pitchFamily="2" charset="-79"/>
                 <a:cs typeface="Aharoni" panose="02010803020104030203" pitchFamily="2" charset="-79"/>
               </a:rPr>
-              <a:t> </a:t>
-            </a:r>
-            <a:r>
-              <a:rPr lang="en-US" dirty="0" smtClean="0">
-                <a:latin typeface="Aharoni" panose="02010803020104030203" pitchFamily="2" charset="-79"/>
-                <a:cs typeface="Aharoni" panose="02010803020104030203" pitchFamily="2" charset="-79"/>
-              </a:rPr>
-              <a:t>Milliken, </a:t>
+              <a:t> Milliken, </a:t>
             </a:r>
             <a:r>
               <a:rPr lang="en-US" dirty="0" err="1" smtClean="0">
@@ -6376,6 +6373,381 @@
         </p:nvSpPr>
         <p:spPr>
           <a:xfrm>
+            <a:off x="1550242" y="18473"/>
+            <a:ext cx="9404723" cy="1400530"/>
+          </a:xfrm>
+        </p:spPr>
+        <p:txBody>
+          <a:bodyPr/>
+          <a:lstStyle/>
+          <a:p>
+            <a:pPr algn="ctr"/>
+            <a:r>
+              <a:rPr lang="en-US" u="sng" dirty="0" smtClean="0"/>
+              <a:t>Merchant Account</a:t>
+            </a:r>
+            <a:endParaRPr lang="en-CA" u="sng" dirty="0"/>
+          </a:p>
+        </p:txBody>
+      </p:sp>
+      <p:sp>
+        <p:nvSpPr>
+          <p:cNvPr id="4" name="Rectangle 3"/>
+          <p:cNvSpPr/>
+          <p:nvPr/>
+        </p:nvSpPr>
+        <p:spPr>
+          <a:xfrm>
+            <a:off x="345554" y="718738"/>
+            <a:ext cx="1560946" cy="523220"/>
+          </a:xfrm>
+          <a:prstGeom prst="rect">
+            <a:avLst/>
+          </a:prstGeom>
+        </p:spPr>
+        <p:txBody>
+          <a:bodyPr wrap="square">
+            <a:spAutoFit/>
+          </a:bodyPr>
+          <a:lstStyle/>
+          <a:p>
+            <a:r>
+              <a:rPr lang="en-US" sz="2800" dirty="0" smtClean="0"/>
+              <a:t>Moneris</a:t>
+            </a:r>
+            <a:endParaRPr lang="en-CA" sz="2800" dirty="0"/>
+          </a:p>
+        </p:txBody>
+      </p:sp>
+      <p:pic>
+        <p:nvPicPr>
+          <p:cNvPr id="3" name="Picture 2"/>
+          <p:cNvPicPr>
+            <a:picLocks noChangeAspect="1"/>
+          </p:cNvPicPr>
+          <p:nvPr/>
+        </p:nvPicPr>
+        <p:blipFill>
+          <a:blip r:embed="rId2">
+            <a:extLst>
+              <a:ext uri="{28A0092B-C50C-407E-A947-70E740481C1C}">
+                <a14:useLocalDpi xmlns:a14="http://schemas.microsoft.com/office/drawing/2010/main" val="0"/>
+              </a:ext>
+            </a:extLst>
+          </a:blip>
+          <a:stretch>
+            <a:fillRect/>
+          </a:stretch>
+        </p:blipFill>
+        <p:spPr>
+          <a:xfrm>
+            <a:off x="2733774" y="801278"/>
+            <a:ext cx="6938134" cy="5920581"/>
+          </a:xfrm>
+          <a:prstGeom prst="rect">
+            <a:avLst/>
+          </a:prstGeom>
+        </p:spPr>
+      </p:pic>
+    </p:spTree>
+    <p:extLst>
+      <p:ext uri="{BB962C8B-B14F-4D97-AF65-F5344CB8AC3E}">
+        <p14:creationId xmlns:p14="http://schemas.microsoft.com/office/powerpoint/2010/main" val="1253176914"/>
+      </p:ext>
+    </p:extLst>
+  </p:cSld>
+  <p:clrMapOvr>
+    <a:masterClrMapping/>
+  </p:clrMapOvr>
+  <p:timing>
+    <p:tnLst>
+      <p:par>
+        <p:cTn id="1" dur="indefinite" restart="never" nodeType="tmRoot"/>
+      </p:par>
+    </p:tnLst>
+  </p:timing>
+</p:sld>
+</file>
+
+<file path=ppt/slides/slide11.xml><?xml version="1.0" encoding="utf-8"?>
+<p:sld xmlns:a="http://schemas.openxmlformats.org/drawingml/2006/main" xmlns:r="http://schemas.openxmlformats.org/officeDocument/2006/relationships" xmlns:p="http://schemas.openxmlformats.org/presentationml/2006/main">
+  <p:cSld>
+    <p:spTree>
+      <p:nvGrpSpPr>
+        <p:cNvPr id="1" name=""/>
+        <p:cNvGrpSpPr/>
+        <p:nvPr/>
+      </p:nvGrpSpPr>
+      <p:grpSpPr>
+        <a:xfrm>
+          <a:off x="0" y="0"/>
+          <a:ext cx="0" cy="0"/>
+          <a:chOff x="0" y="0"/>
+          <a:chExt cx="0" cy="0"/>
+        </a:xfrm>
+      </p:grpSpPr>
+      <p:sp>
+        <p:nvSpPr>
+          <p:cNvPr id="2" name="Title 1"/>
+          <p:cNvSpPr>
+            <a:spLocks noGrp="1"/>
+          </p:cNvSpPr>
+          <p:nvPr>
+            <p:ph type="title"/>
+          </p:nvPr>
+        </p:nvSpPr>
+        <p:spPr>
+          <a:xfrm>
+            <a:off x="1550242" y="18473"/>
+            <a:ext cx="9404723" cy="1400530"/>
+          </a:xfrm>
+        </p:spPr>
+        <p:txBody>
+          <a:bodyPr/>
+          <a:lstStyle/>
+          <a:p>
+            <a:pPr algn="ctr"/>
+            <a:r>
+              <a:rPr lang="en-US" u="sng" dirty="0" smtClean="0"/>
+              <a:t>Merchant Account</a:t>
+            </a:r>
+            <a:endParaRPr lang="en-CA" u="sng" dirty="0"/>
+          </a:p>
+        </p:txBody>
+      </p:sp>
+      <p:sp>
+        <p:nvSpPr>
+          <p:cNvPr id="4" name="Rectangle 3"/>
+          <p:cNvSpPr/>
+          <p:nvPr/>
+        </p:nvSpPr>
+        <p:spPr>
+          <a:xfrm>
+            <a:off x="345554" y="718738"/>
+            <a:ext cx="1560946" cy="523220"/>
+          </a:xfrm>
+          <a:prstGeom prst="rect">
+            <a:avLst/>
+          </a:prstGeom>
+        </p:spPr>
+        <p:txBody>
+          <a:bodyPr wrap="square">
+            <a:spAutoFit/>
+          </a:bodyPr>
+          <a:lstStyle/>
+          <a:p>
+            <a:r>
+              <a:rPr lang="en-US" sz="2800" dirty="0" smtClean="0"/>
+              <a:t>Square</a:t>
+            </a:r>
+            <a:endParaRPr lang="en-CA" sz="2800" dirty="0"/>
+          </a:p>
+        </p:txBody>
+      </p:sp>
+      <p:pic>
+        <p:nvPicPr>
+          <p:cNvPr id="6" name="Picture 5"/>
+          <p:cNvPicPr>
+            <a:picLocks noChangeAspect="1"/>
+          </p:cNvPicPr>
+          <p:nvPr/>
+        </p:nvPicPr>
+        <p:blipFill>
+          <a:blip r:embed="rId2">
+            <a:extLst>
+              <a:ext uri="{28A0092B-C50C-407E-A947-70E740481C1C}">
+                <a14:useLocalDpi xmlns:a14="http://schemas.microsoft.com/office/drawing/2010/main" val="0"/>
+              </a:ext>
+            </a:extLst>
+          </a:blip>
+          <a:stretch>
+            <a:fillRect/>
+          </a:stretch>
+        </p:blipFill>
+        <p:spPr>
+          <a:xfrm>
+            <a:off x="871329" y="1241958"/>
+            <a:ext cx="10358818" cy="5438997"/>
+          </a:xfrm>
+          <a:prstGeom prst="rect">
+            <a:avLst/>
+          </a:prstGeom>
+        </p:spPr>
+      </p:pic>
+    </p:spTree>
+    <p:extLst>
+      <p:ext uri="{BB962C8B-B14F-4D97-AF65-F5344CB8AC3E}">
+        <p14:creationId xmlns:p14="http://schemas.microsoft.com/office/powerpoint/2010/main" val="1898779152"/>
+      </p:ext>
+    </p:extLst>
+  </p:cSld>
+  <p:clrMapOvr>
+    <a:masterClrMapping/>
+  </p:clrMapOvr>
+  <p:timing>
+    <p:tnLst>
+      <p:par>
+        <p:cTn id="1" dur="indefinite" restart="never" nodeType="tmRoot"/>
+      </p:par>
+    </p:tnLst>
+  </p:timing>
+</p:sld>
+</file>
+
+<file path=ppt/slides/slide12.xml><?xml version="1.0" encoding="utf-8"?>
+<p:sld xmlns:a="http://schemas.openxmlformats.org/drawingml/2006/main" xmlns:r="http://schemas.openxmlformats.org/officeDocument/2006/relationships" xmlns:p="http://schemas.openxmlformats.org/presentationml/2006/main">
+  <p:cSld>
+    <p:spTree>
+      <p:nvGrpSpPr>
+        <p:cNvPr id="1" name=""/>
+        <p:cNvGrpSpPr/>
+        <p:nvPr/>
+      </p:nvGrpSpPr>
+      <p:grpSpPr>
+        <a:xfrm>
+          <a:off x="0" y="0"/>
+          <a:ext cx="0" cy="0"/>
+          <a:chOff x="0" y="0"/>
+          <a:chExt cx="0" cy="0"/>
+        </a:xfrm>
+      </p:grpSpPr>
+      <p:sp>
+        <p:nvSpPr>
+          <p:cNvPr id="2" name="Title 1"/>
+          <p:cNvSpPr>
+            <a:spLocks noGrp="1"/>
+          </p:cNvSpPr>
+          <p:nvPr>
+            <p:ph type="title"/>
+          </p:nvPr>
+        </p:nvSpPr>
+        <p:spPr>
+          <a:xfrm>
+            <a:off x="1550242" y="18473"/>
+            <a:ext cx="9404723" cy="1400530"/>
+          </a:xfrm>
+        </p:spPr>
+        <p:txBody>
+          <a:bodyPr/>
+          <a:lstStyle/>
+          <a:p>
+            <a:pPr algn="ctr"/>
+            <a:r>
+              <a:rPr lang="en-US" u="sng" dirty="0" smtClean="0"/>
+              <a:t>Merchant Account</a:t>
+            </a:r>
+            <a:endParaRPr lang="en-CA" u="sng" dirty="0"/>
+          </a:p>
+        </p:txBody>
+      </p:sp>
+      <p:sp>
+        <p:nvSpPr>
+          <p:cNvPr id="4" name="Rectangle 3"/>
+          <p:cNvSpPr/>
+          <p:nvPr/>
+        </p:nvSpPr>
+        <p:spPr>
+          <a:xfrm>
+            <a:off x="345553" y="718738"/>
+            <a:ext cx="1822611" cy="1384995"/>
+          </a:xfrm>
+          <a:prstGeom prst="rect">
+            <a:avLst/>
+          </a:prstGeom>
+        </p:spPr>
+        <p:txBody>
+          <a:bodyPr wrap="square">
+            <a:spAutoFit/>
+          </a:bodyPr>
+          <a:lstStyle/>
+          <a:p>
+            <a:r>
+              <a:rPr lang="en-US" sz="2800" dirty="0" smtClean="0"/>
+              <a:t>TD Canada Trust</a:t>
+            </a:r>
+            <a:endParaRPr lang="en-CA" sz="2800" dirty="0"/>
+          </a:p>
+        </p:txBody>
+      </p:sp>
+      <p:pic>
+        <p:nvPicPr>
+          <p:cNvPr id="5" name="Picture 4"/>
+          <p:cNvPicPr>
+            <a:picLocks noChangeAspect="1"/>
+          </p:cNvPicPr>
+          <p:nvPr/>
+        </p:nvPicPr>
+        <p:blipFill>
+          <a:blip r:embed="rId2">
+            <a:extLst>
+              <a:ext uri="{28A0092B-C50C-407E-A947-70E740481C1C}">
+                <a14:useLocalDpi xmlns:a14="http://schemas.microsoft.com/office/drawing/2010/main" val="0"/>
+              </a:ext>
+            </a:extLst>
+          </a:blip>
+          <a:stretch>
+            <a:fillRect/>
+          </a:stretch>
+        </p:blipFill>
+        <p:spPr>
+          <a:xfrm>
+            <a:off x="3372853" y="813008"/>
+            <a:ext cx="6101085" cy="5858274"/>
+          </a:xfrm>
+          <a:prstGeom prst="rect">
+            <a:avLst/>
+          </a:prstGeom>
+        </p:spPr>
+      </p:pic>
+    </p:spTree>
+    <p:extLst>
+      <p:ext uri="{BB962C8B-B14F-4D97-AF65-F5344CB8AC3E}">
+        <p14:creationId xmlns:p14="http://schemas.microsoft.com/office/powerpoint/2010/main" val="1817042170"/>
+      </p:ext>
+    </p:extLst>
+  </p:cSld>
+  <p:clrMapOvr>
+    <a:masterClrMapping/>
+  </p:clrMapOvr>
+  <p:timing>
+    <p:tnLst>
+      <p:par>
+        <p:cTn id="1" dur="indefinite" restart="never" nodeType="tmRoot"/>
+      </p:par>
+    </p:tnLst>
+  </p:timing>
+</p:sld>
+</file>
+
+<file path=ppt/slides/slide13.xml><?xml version="1.0" encoding="utf-8"?>
+<p:sld xmlns:a="http://schemas.openxmlformats.org/drawingml/2006/main" xmlns:r="http://schemas.openxmlformats.org/officeDocument/2006/relationships" xmlns:p="http://schemas.openxmlformats.org/presentationml/2006/main">
+  <p:cSld>
+    <p:spTree>
+      <p:nvGrpSpPr>
+        <p:cNvPr id="1" name=""/>
+        <p:cNvGrpSpPr/>
+        <p:nvPr/>
+      </p:nvGrpSpPr>
+      <p:grpSpPr>
+        <a:xfrm>
+          <a:off x="0" y="0"/>
+          <a:ext cx="0" cy="0"/>
+          <a:chOff x="0" y="0"/>
+          <a:chExt cx="0" cy="0"/>
+        </a:xfrm>
+      </p:grpSpPr>
+      <p:sp>
+        <p:nvSpPr>
+          <p:cNvPr id="2" name="Title 1"/>
+          <p:cNvSpPr>
+            <a:spLocks noGrp="1"/>
+          </p:cNvSpPr>
+          <p:nvPr>
+            <p:ph type="title"/>
+          </p:nvPr>
+        </p:nvSpPr>
+        <p:spPr>
+          <a:xfrm>
             <a:off x="747711" y="203200"/>
             <a:ext cx="9404723" cy="1400530"/>
           </a:xfrm>
@@ -6387,7 +6759,7 @@
             <a:pPr algn="ctr"/>
             <a:r>
               <a:rPr lang="en-US" u="sng" dirty="0" smtClean="0"/>
-              <a:t>Merchant Account</a:t>
+              <a:t>Payment/ Merchant Summary</a:t>
             </a:r>
             <a:endParaRPr lang="en-CA" u="sng" dirty="0"/>
           </a:p>
@@ -6403,28 +6775,31 @@
             <p:ph idx="1"/>
             <p:extLst>
               <p:ext uri="{D42A27DB-BD31-4B8C-83A1-F6EECF244321}">
-                <p14:modId xmlns:p14="http://schemas.microsoft.com/office/powerpoint/2010/main" val="319579727"/>
+                <p14:modId xmlns:p14="http://schemas.microsoft.com/office/powerpoint/2010/main" val="562575222"/>
               </p:ext>
             </p:extLst>
           </p:nvPr>
         </p:nvGraphicFramePr>
         <p:xfrm>
-          <a:off x="1253093" y="1603730"/>
-          <a:ext cx="7897092" cy="2867057"/>
+          <a:off x="475858" y="1362269"/>
+          <a:ext cx="10273007" cy="4644263"/>
         </p:xfrm>
         <a:graphic>
           <a:graphicData uri="http://schemas.openxmlformats.org/drawingml/2006/table">
             <a:tbl>
               <a:tblPr firstRow="1" bandRow="1">
-                <a:tableStyleId>{8FD4443E-F989-4FC4-A0C8-D5A2AF1F390B}</a:tableStyleId>
+                <a:tableStyleId>{22838BEF-8BB2-4498-84A7-C5851F593DF1}</a:tableStyleId>
               </a:tblPr>
               <a:tblGrid>
-                <a:gridCol w="1974273"/>
-                <a:gridCol w="1974273"/>
-                <a:gridCol w="1974273"/>
-                <a:gridCol w="1974273"/>
+                <a:gridCol w="1382368"/>
+                <a:gridCol w="1382368"/>
+                <a:gridCol w="1382368"/>
+                <a:gridCol w="2029401"/>
+                <a:gridCol w="1847219"/>
+                <a:gridCol w="1382368"/>
+                <a:gridCol w="866915"/>
               </a:tblGrid>
-              <a:tr h="393097">
+              <a:tr h="930004">
                 <a:tc>
                   <a:txBody>
                     <a:bodyPr/>
@@ -6489,8 +6864,50 @@
                   </a:txBody>
                   <a:tcPr/>
                 </a:tc>
+                <a:tc>
+                  <a:txBody>
+                    <a:bodyPr/>
+                    <a:lstStyle/>
+                    <a:p>
+                      <a:r>
+                        <a:rPr lang="en-CA" dirty="0" smtClean="0"/>
+                        <a:t>Service Availability</a:t>
+                      </a:r>
+                      <a:endParaRPr lang="en-CA" dirty="0"/>
+                    </a:p>
+                  </a:txBody>
+                  <a:tcPr/>
+                </a:tc>
+                <a:tc>
+                  <a:txBody>
+                    <a:bodyPr/>
+                    <a:lstStyle/>
+                    <a:p>
+                      <a:r>
+                        <a:rPr lang="en-CA" dirty="0" smtClean="0"/>
+                        <a:t>Volume Discount</a:t>
+                      </a:r>
+                      <a:endParaRPr lang="en-CA" dirty="0"/>
+                    </a:p>
+                  </a:txBody>
+                  <a:tcPr/>
+                </a:tc>
+                <a:tc>
+                  <a:txBody>
+                    <a:bodyPr/>
+                    <a:lstStyle/>
+                    <a:p>
+                      <a:r>
+                        <a:rPr lang="en-CA" dirty="0" smtClean="0"/>
+                        <a:t>Debit</a:t>
+                      </a:r>
+                      <a:endParaRPr lang="en-CA" dirty="0"/>
+                    </a:p>
+                  </a:txBody>
+                  <a:tcPr/>
+                </a:tc>
               </a:tr>
-              <a:tr h="370840">
+              <a:tr h="1209005">
                 <a:tc>
                   <a:txBody>
                     <a:bodyPr/>
@@ -6526,7 +6943,7 @@
                     <a:p>
                       <a:r>
                         <a:rPr lang="en-US" dirty="0" smtClean="0"/>
-                        <a:t>$0</a:t>
+                        <a:t>Free</a:t>
                       </a:r>
                       <a:endParaRPr lang="en-CA" dirty="0"/>
                     </a:p>
@@ -6539,14 +6956,8 @@
                     <a:lstStyle/>
                     <a:p>
                       <a:r>
-                        <a:rPr lang="en-CA" sz="1800" b="0" i="0" kern="1200" dirty="0" smtClean="0">
-                          <a:solidFill>
-                            <a:schemeClr val="lt1"/>
-                          </a:solidFill>
+                        <a:rPr lang="en-CA" sz="1800" kern="1200" dirty="0" smtClean="0">
                           <a:effectLst/>
-                          <a:latin typeface="+mn-lt"/>
-                          <a:ea typeface="+mn-ea"/>
-                          <a:cs typeface="+mn-cs"/>
                         </a:rPr>
                         <a:t>2.9% plus $0.30 or less per transaction</a:t>
                       </a:r>
@@ -6555,8 +6966,50 @@
                   </a:txBody>
                   <a:tcPr/>
                 </a:tc>
+                <a:tc>
+                  <a:txBody>
+                    <a:bodyPr/>
+                    <a:lstStyle/>
+                    <a:p>
+                      <a:r>
+                        <a:rPr lang="en-CA" dirty="0" smtClean="0"/>
+                        <a:t>Web, Mobile</a:t>
+                      </a:r>
+                      <a:endParaRPr lang="en-CA" dirty="0"/>
+                    </a:p>
+                  </a:txBody>
+                  <a:tcPr/>
+                </a:tc>
+                <a:tc>
+                  <a:txBody>
+                    <a:bodyPr/>
+                    <a:lstStyle/>
+                    <a:p>
+                      <a:r>
+                        <a:rPr lang="en-CA" dirty="0" smtClean="0"/>
+                        <a:t>Yes</a:t>
+                      </a:r>
+                      <a:endParaRPr lang="en-CA" dirty="0"/>
+                    </a:p>
+                  </a:txBody>
+                  <a:tcPr/>
+                </a:tc>
+                <a:tc>
+                  <a:txBody>
+                    <a:bodyPr/>
+                    <a:lstStyle/>
+                    <a:p>
+                      <a:r>
+                        <a:rPr lang="en-CA" dirty="0" smtClean="0"/>
+                        <a:t>No</a:t>
+                      </a:r>
+                      <a:endParaRPr lang="en-CA" dirty="0"/>
+                    </a:p>
+                  </a:txBody>
+                  <a:tcPr/>
+                </a:tc>
               </a:tr>
-              <a:tr h="370840">
+              <a:tr h="1488006">
                 <a:tc>
                   <a:txBody>
                     <a:bodyPr/>
@@ -6578,7 +7031,7 @@
                     <a:p>
                       <a:r>
                         <a:rPr lang="en-US" dirty="0" smtClean="0"/>
-                        <a:t>None</a:t>
+                        <a:t>Free</a:t>
                       </a:r>
                       <a:endParaRPr lang="en-CA" dirty="0"/>
                     </a:p>
@@ -6592,7 +7045,7 @@
                     <a:p>
                       <a:r>
                         <a:rPr lang="en-US" dirty="0" smtClean="0"/>
-                        <a:t>None</a:t>
+                        <a:t>Free</a:t>
                       </a:r>
                       <a:endParaRPr lang="en-CA" dirty="0"/>
                     </a:p>
@@ -6615,8 +7068,153 @@
                   </a:txBody>
                   <a:tcPr/>
                 </a:tc>
+                <a:tc>
+                  <a:txBody>
+                    <a:bodyPr/>
+                    <a:lstStyle/>
+                    <a:p>
+                      <a:r>
+                        <a:rPr lang="en-CA" dirty="0" smtClean="0"/>
+                        <a:t>Web, Mobile</a:t>
+                      </a:r>
+                      <a:endParaRPr lang="en-CA" b="0" dirty="0"/>
+                    </a:p>
+                  </a:txBody>
+                  <a:tcPr/>
+                </a:tc>
+                <a:tc>
+                  <a:txBody>
+                    <a:bodyPr/>
+                    <a:lstStyle/>
+                    <a:p>
+                      <a:r>
+                        <a:rPr lang="en-CA" dirty="0" smtClean="0"/>
+                        <a:t>Yes</a:t>
+                      </a:r>
+                      <a:endParaRPr lang="en-CA" b="0" dirty="0"/>
+                    </a:p>
+                  </a:txBody>
+                  <a:tcPr/>
+                </a:tc>
+                <a:tc>
+                  <a:txBody>
+                    <a:bodyPr/>
+                    <a:lstStyle/>
+                    <a:p>
+                      <a:r>
+                        <a:rPr lang="en-CA" dirty="0" smtClean="0"/>
+                        <a:t>Yes</a:t>
+                      </a:r>
+                      <a:endParaRPr lang="en-CA" b="0" dirty="0"/>
+                    </a:p>
+                  </a:txBody>
+                  <a:tcPr/>
+                </a:tc>
               </a:tr>
-              <a:tr h="370840">
+              <a:tr h="377168">
+                <a:tc>
+                  <a:txBody>
+                    <a:bodyPr/>
+                    <a:lstStyle/>
+                    <a:p>
+                      <a:r>
+                        <a:rPr lang="en-CA" dirty="0" smtClean="0"/>
+                        <a:t>Square</a:t>
+                      </a:r>
+                      <a:endParaRPr lang="en-CA" dirty="0"/>
+                    </a:p>
+                  </a:txBody>
+                  <a:tcPr/>
+                </a:tc>
+                <a:tc>
+                  <a:txBody>
+                    <a:bodyPr/>
+                    <a:lstStyle/>
+                    <a:p>
+                      <a:r>
+                        <a:rPr lang="en-US" smtClean="0"/>
+                        <a:t>Free</a:t>
+                      </a:r>
+                      <a:endParaRPr lang="en-CA" dirty="0"/>
+                    </a:p>
+                  </a:txBody>
+                  <a:tcPr/>
+                </a:tc>
+                <a:tc>
+                  <a:txBody>
+                    <a:bodyPr/>
+                    <a:lstStyle/>
+                    <a:p>
+                      <a:r>
+                        <a:rPr lang="en-US" dirty="0" smtClean="0"/>
+                        <a:t>Free</a:t>
+                      </a:r>
+                      <a:endParaRPr lang="en-CA" dirty="0"/>
+                    </a:p>
+                  </a:txBody>
+                  <a:tcPr/>
+                </a:tc>
+                <a:tc>
+                  <a:txBody>
+                    <a:bodyPr/>
+                    <a:lstStyle/>
+                    <a:p>
+                      <a:r>
+                        <a:rPr lang="en-CA" dirty="0" smtClean="0"/>
+                        <a:t>2.7%</a:t>
+                      </a:r>
+                      <a:r>
+                        <a:rPr lang="en-CA" baseline="0" dirty="0" smtClean="0"/>
+                        <a:t> + $0.30 per transaction</a:t>
+                      </a:r>
+                    </a:p>
+                  </a:txBody>
+                  <a:tcPr/>
+                </a:tc>
+                <a:tc>
+                  <a:txBody>
+                    <a:bodyPr/>
+                    <a:lstStyle/>
+                    <a:p>
+                      <a:r>
+                        <a:rPr lang="en-CA" dirty="0" smtClean="0"/>
+                        <a:t>Mobile</a:t>
+                      </a:r>
+                      <a:endParaRPr lang="en-CA" dirty="0"/>
+                    </a:p>
+                  </a:txBody>
+                  <a:tcPr/>
+                </a:tc>
+                <a:tc>
+                  <a:txBody>
+                    <a:bodyPr/>
+                    <a:lstStyle/>
+                    <a:p>
+                      <a:r>
+                        <a:rPr lang="en-CA" dirty="0" smtClean="0"/>
+                        <a:t>No</a:t>
+                      </a:r>
+                      <a:endParaRPr lang="en-CA" dirty="0"/>
+                    </a:p>
+                  </a:txBody>
+                  <a:tcPr/>
+                </a:tc>
+                <a:tc>
+                  <a:txBody>
+                    <a:bodyPr/>
+                    <a:lstStyle/>
+                    <a:p>
+                      <a:r>
+                        <a:rPr lang="en-CA" dirty="0" smtClean="0"/>
+                        <a:t>No</a:t>
+                      </a:r>
+                      <a:endParaRPr lang="en-CA" dirty="0"/>
+                    </a:p>
+                  </a:txBody>
+                  <a:tcPr/>
+                </a:tc>
+              </a:tr>
+              <a:tr h="377168">
                 <a:tc>
                   <a:txBody>
                     <a:bodyPr/>
@@ -6637,14 +7235,8 @@
                     <a:lstStyle/>
                     <a:p>
                       <a:r>
-                        <a:rPr lang="en-CA" sz="1800" b="0" i="0" kern="1200" dirty="0" smtClean="0">
-                          <a:solidFill>
-                            <a:schemeClr val="lt1"/>
-                          </a:solidFill>
+                        <a:rPr lang="en-CA" sz="1800" kern="1200" dirty="0" smtClean="0">
                           <a:effectLst/>
-                          <a:latin typeface="+mn-lt"/>
-                          <a:ea typeface="+mn-ea"/>
-                          <a:cs typeface="+mn-cs"/>
                         </a:rPr>
                         <a:t>$199</a:t>
                       </a:r>
@@ -6659,14 +7251,8 @@
                     <a:lstStyle/>
                     <a:p>
                       <a:r>
-                        <a:rPr lang="en-CA" sz="1800" b="0" i="0" kern="1200" dirty="0" smtClean="0">
-                          <a:solidFill>
-                            <a:schemeClr val="lt1"/>
-                          </a:solidFill>
+                        <a:rPr lang="en-CA" sz="1800" kern="1200" dirty="0" smtClean="0">
                           <a:effectLst/>
-                          <a:latin typeface="+mn-lt"/>
-                          <a:ea typeface="+mn-ea"/>
-                          <a:cs typeface="+mn-cs"/>
                         </a:rPr>
                         <a:t>$35</a:t>
                       </a:r>
@@ -6681,16 +7267,56 @@
                     <a:lstStyle/>
                     <a:p>
                       <a:r>
-                        <a:rPr lang="en-CA" sz="1800" b="0" i="0" kern="1200" dirty="0" smtClean="0">
-                          <a:solidFill>
-                            <a:schemeClr val="lt1"/>
-                          </a:solidFill>
+                        <a:rPr lang="en-CA" sz="1800" kern="1200" dirty="0" smtClean="0">
                           <a:effectLst/>
-                          <a:latin typeface="+mn-lt"/>
-                          <a:ea typeface="+mn-ea"/>
-                          <a:cs typeface="+mn-cs"/>
                         </a:rPr>
                         <a:t>$0.10</a:t>
+                      </a:r>
+                      <a:endParaRPr lang="en-CA" dirty="0"/>
+                    </a:p>
+                  </a:txBody>
+                  <a:tcPr/>
+                </a:tc>
+                <a:tc>
+                  <a:txBody>
+                    <a:bodyPr/>
+                    <a:lstStyle/>
+                    <a:p>
+                      <a:r>
+                        <a:rPr lang="en-CA" dirty="0" smtClean="0"/>
+                        <a:t>Web,</a:t>
+                      </a:r>
+                      <a:r>
+                        <a:rPr lang="en-CA" baseline="0" dirty="0" smtClean="0"/>
+                        <a:t> Mobile</a:t>
+                      </a:r>
+                      <a:endParaRPr lang="en-CA" dirty="0"/>
+                    </a:p>
+                  </a:txBody>
+                  <a:tcPr/>
+                </a:tc>
+                <a:tc>
+                  <a:txBody>
+                    <a:bodyPr/>
+                    <a:lstStyle/>
+                    <a:p>
+                      <a:r>
+                        <a:rPr lang="en-CA" dirty="0" smtClean="0"/>
+                        <a:t>Yes</a:t>
+                      </a:r>
+                      <a:endParaRPr lang="en-CA" dirty="0"/>
+                    </a:p>
+                  </a:txBody>
+                  <a:tcPr/>
+                </a:tc>
+                <a:tc>
+                  <a:txBody>
+                    <a:bodyPr/>
+                    <a:lstStyle/>
+                    <a:p>
+                      <a:r>
+                        <a:rPr lang="en-CA" dirty="0" smtClean="0"/>
+                        <a:t>Yes</a:t>
                       </a:r>
                       <a:endParaRPr lang="en-CA" dirty="0"/>
                     </a:p>
@@ -6734,7 +7360,7 @@
 </p:sld>
 </file>
 
-<file path=ppt/slides/slide11.xml><?xml version="1.0" encoding="utf-8"?>
+<file path=ppt/slides/slide14.xml><?xml version="1.0" encoding="utf-8"?>
 <p:sld xmlns:a="http://schemas.openxmlformats.org/drawingml/2006/main" xmlns:r="http://schemas.openxmlformats.org/officeDocument/2006/relationships" xmlns:p="http://schemas.openxmlformats.org/presentationml/2006/main">
   <p:cSld>
     <p:spTree>
@@ -6761,65 +7387,34 @@
             <p:ph type="title"/>
           </p:nvPr>
         </p:nvSpPr>
-        <p:spPr/>
+        <p:spPr>
+          <a:xfrm>
+            <a:off x="2586878" y="1432432"/>
+            <a:ext cx="9404723" cy="1400530"/>
+          </a:xfrm>
+        </p:spPr>
         <p:txBody>
           <a:bodyPr/>
           <a:lstStyle/>
           <a:p>
-            <a:pPr algn="ctr"/>
-            <a:r>
-              <a:rPr lang="en-US" u="sng" dirty="0" smtClean="0"/>
-              <a:t>Payment </a:t>
-            </a:r>
-            <a:r>
-              <a:rPr lang="en-US" u="sng" dirty="0" smtClean="0"/>
-              <a:t>Options: Summary</a:t>
-            </a:r>
-            <a:endParaRPr lang="en-CA" u="sng" dirty="0"/>
-          </a:p>
-        </p:txBody>
-      </p:sp>
-      <p:sp>
-        <p:nvSpPr>
-          <p:cNvPr id="3" name="Content Placeholder 2"/>
-          <p:cNvSpPr>
-            <a:spLocks noGrp="1"/>
-          </p:cNvSpPr>
-          <p:nvPr>
-            <p:ph idx="1"/>
-          </p:nvPr>
-        </p:nvSpPr>
-        <p:spPr/>
-        <p:txBody>
-          <a:bodyPr/>
-          <a:lstStyle/>
-          <a:p>
-            <a:endParaRPr lang="en-CA" dirty="0"/>
+            <a:r>
+              <a:rPr lang="en-US" sz="10000" dirty="0" smtClean="0"/>
+              <a:t>SHOPPING CARTS</a:t>
+            </a:r>
+            <a:endParaRPr lang="en-US" sz="10000" dirty="0"/>
           </a:p>
         </p:txBody>
       </p:sp>
     </p:spTree>
     <p:extLst>
       <p:ext uri="{BB962C8B-B14F-4D97-AF65-F5344CB8AC3E}">
-        <p14:creationId xmlns:p14="http://schemas.microsoft.com/office/powerpoint/2010/main" val="1608904021"/>
+        <p14:creationId xmlns:p14="http://schemas.microsoft.com/office/powerpoint/2010/main" val="2158036910"/>
       </p:ext>
     </p:extLst>
   </p:cSld>
   <p:clrMapOvr>
     <a:masterClrMapping/>
   </p:clrMapOvr>
-  <mc:AlternateContent xmlns:mc="http://schemas.openxmlformats.org/markup-compatibility/2006" xmlns:p14="http://schemas.microsoft.com/office/powerpoint/2010/main">
-    <mc:Choice Requires="p14">
-      <p:transition spd="slow" p14:dur="1200">
-        <p14:prism/>
-      </p:transition>
-    </mc:Choice>
-    <mc:Fallback xmlns="">
-      <p:transition spd="slow">
-        <p:fade/>
-      </p:transition>
-    </mc:Fallback>
-  </mc:AlternateContent>
   <p:timing>
     <p:tnLst>
       <p:par>
@@ -6830,7 +7425,7 @@
 </p:sld>
 </file>
 
-<file path=ppt/slides/slide12.xml><?xml version="1.0" encoding="utf-8"?>
+<file path=ppt/slides/slide15.xml><?xml version="1.0" encoding="utf-8"?>
 <p:sld xmlns:a="http://schemas.openxmlformats.org/drawingml/2006/main" xmlns:r="http://schemas.openxmlformats.org/officeDocument/2006/relationships" xmlns:p="http://schemas.openxmlformats.org/presentationml/2006/main">
   <p:cSld>
     <p:spTree>
@@ -6973,7 +7568,7 @@
 </p:sld>
 </file>
 
-<file path=ppt/slides/slide13.xml><?xml version="1.0" encoding="utf-8"?>
+<file path=ppt/slides/slide16.xml><?xml version="1.0" encoding="utf-8"?>
 <p:sld xmlns:a="http://schemas.openxmlformats.org/drawingml/2006/main" xmlns:r="http://schemas.openxmlformats.org/officeDocument/2006/relationships" xmlns:p="http://schemas.openxmlformats.org/presentationml/2006/main">
   <p:cSld>
     <p:spTree>
@@ -7158,13 +7753,13 @@
   <p:clrMapOvr>
     <a:masterClrMapping/>
   </p:clrMapOvr>
-  <mc:AlternateContent xmlns:mc="http://schemas.openxmlformats.org/markup-compatibility/2006">
-    <mc:Choice xmlns:p14="http://schemas.microsoft.com/office/powerpoint/2010/main" Requires="p14">
+  <mc:AlternateContent xmlns:mc="http://schemas.openxmlformats.org/markup-compatibility/2006" xmlns:p14="http://schemas.microsoft.com/office/powerpoint/2010/main">
+    <mc:Choice Requires="p14">
       <p:transition spd="slow" p14:dur="2000">
         <p14:ferris dir="l"/>
       </p:transition>
     </mc:Choice>
-    <mc:Fallback>
+    <mc:Fallback xmlns="">
       <p:transition spd="slow">
         <p:fade/>
       </p:transition>
@@ -7180,7 +7775,7 @@
 </p:sld>
 </file>
 
-<file path=ppt/slides/slide14.xml><?xml version="1.0" encoding="utf-8"?>
+<file path=ppt/slides/slide17.xml><?xml version="1.0" encoding="utf-8"?>
 <p:sld xmlns:a="http://schemas.openxmlformats.org/drawingml/2006/main" xmlns:r="http://schemas.openxmlformats.org/officeDocument/2006/relationships" xmlns:p="http://schemas.openxmlformats.org/presentationml/2006/main">
   <p:cSld>
     <p:spTree>
@@ -7266,13 +7861,13 @@
   <p:clrMapOvr>
     <a:masterClrMapping/>
   </p:clrMapOvr>
-  <mc:AlternateContent xmlns:mc="http://schemas.openxmlformats.org/markup-compatibility/2006">
-    <mc:Choice xmlns:p14="http://schemas.microsoft.com/office/powerpoint/2010/main" Requires="p14">
+  <mc:AlternateContent xmlns:mc="http://schemas.openxmlformats.org/markup-compatibility/2006" xmlns:p14="http://schemas.microsoft.com/office/powerpoint/2010/main">
+    <mc:Choice Requires="p14">
       <p:transition spd="slow" p14:dur="2000">
         <p14:ferris dir="l"/>
       </p:transition>
     </mc:Choice>
-    <mc:Fallback>
+    <mc:Fallback xmlns="">
       <p:transition spd="slow">
         <p:fade/>
       </p:transition>
@@ -7288,7 +7883,7 @@
 </p:sld>
 </file>
 
-<file path=ppt/slides/slide15.xml><?xml version="1.0" encoding="utf-8"?>
+<file path=ppt/slides/slide18.xml><?xml version="1.0" encoding="utf-8"?>
 <p:sld xmlns:a="http://schemas.openxmlformats.org/drawingml/2006/main" xmlns:r="http://schemas.openxmlformats.org/officeDocument/2006/relationships" xmlns:p="http://schemas.openxmlformats.org/presentationml/2006/main">
   <p:cSld>
     <p:spTree>
@@ -7513,13 +8108,13 @@
   <p:clrMapOvr>
     <a:masterClrMapping/>
   </p:clrMapOvr>
-  <mc:AlternateContent xmlns:mc="http://schemas.openxmlformats.org/markup-compatibility/2006">
-    <mc:Choice xmlns:p14="http://schemas.microsoft.com/office/powerpoint/2010/main" Requires="p14">
+  <mc:AlternateContent xmlns:mc="http://schemas.openxmlformats.org/markup-compatibility/2006" xmlns:p14="http://schemas.microsoft.com/office/powerpoint/2010/main">
+    <mc:Choice Requires="p14">
       <p:transition spd="slow" p14:dur="2000">
         <p14:ferris dir="l"/>
       </p:transition>
     </mc:Choice>
-    <mc:Fallback>
+    <mc:Fallback xmlns="">
       <p:transition spd="slow">
         <p:fade/>
       </p:transition>
@@ -7535,7 +8130,7 @@
 </p:sld>
 </file>
 
-<file path=ppt/slides/slide16.xml><?xml version="1.0" encoding="utf-8"?>
+<file path=ppt/slides/slide19.xml><?xml version="1.0" encoding="utf-8"?>
 <p:sld xmlns:a="http://schemas.openxmlformats.org/drawingml/2006/main" xmlns:r="http://schemas.openxmlformats.org/officeDocument/2006/relationships" xmlns:p="http://schemas.openxmlformats.org/presentationml/2006/main">
   <p:cSld>
     <p:spTree>
@@ -7744,13 +8339,13 @@
   <p:clrMapOvr>
     <a:masterClrMapping/>
   </p:clrMapOvr>
-  <mc:AlternateContent xmlns:mc="http://schemas.openxmlformats.org/markup-compatibility/2006">
-    <mc:Choice xmlns:p14="http://schemas.microsoft.com/office/powerpoint/2010/main" Requires="p14">
+  <mc:AlternateContent xmlns:mc="http://schemas.openxmlformats.org/markup-compatibility/2006" xmlns:p14="http://schemas.microsoft.com/office/powerpoint/2010/main">
+    <mc:Choice Requires="p14">
       <p:transition spd="slow" p14:dur="2000">
         <p14:ferris dir="l"/>
       </p:transition>
     </mc:Choice>
-    <mc:Fallback>
+    <mc:Fallback xmlns="">
       <p:transition spd="slow">
         <p:fade/>
       </p:transition>
@@ -7766,7 +8361,181 @@
 </p:sld>
 </file>
 
-<file path=ppt/slides/slide17.xml><?xml version="1.0" encoding="utf-8"?>
+<file path=ppt/slides/slide2.xml><?xml version="1.0" encoding="utf-8"?>
+<p:sld xmlns:a="http://schemas.openxmlformats.org/drawingml/2006/main" xmlns:r="http://schemas.openxmlformats.org/officeDocument/2006/relationships" xmlns:p="http://schemas.openxmlformats.org/presentationml/2006/main">
+  <p:cSld>
+    <p:spTree>
+      <p:nvGrpSpPr>
+        <p:cNvPr id="1" name=""/>
+        <p:cNvGrpSpPr/>
+        <p:nvPr/>
+      </p:nvGrpSpPr>
+      <p:grpSpPr>
+        <a:xfrm>
+          <a:off x="0" y="0"/>
+          <a:ext cx="0" cy="0"/>
+          <a:chOff x="0" y="0"/>
+          <a:chExt cx="0" cy="0"/>
+        </a:xfrm>
+      </p:grpSpPr>
+      <p:sp>
+        <p:nvSpPr>
+          <p:cNvPr id="2" name="Title 1"/>
+          <p:cNvSpPr>
+            <a:spLocks noGrp="1"/>
+          </p:cNvSpPr>
+          <p:nvPr>
+            <p:ph type="title"/>
+          </p:nvPr>
+        </p:nvSpPr>
+        <p:spPr/>
+        <p:txBody>
+          <a:bodyPr/>
+          <a:lstStyle/>
+          <a:p>
+            <a:r>
+              <a:rPr lang="en-US" b="1" dirty="0" smtClean="0"/>
+              <a:t>Welcome To KM3</a:t>
+            </a:r>
+            <a:endParaRPr lang="en-CA" b="1" dirty="0"/>
+          </a:p>
+        </p:txBody>
+      </p:sp>
+      <p:sp>
+        <p:nvSpPr>
+          <p:cNvPr id="3" name="Content Placeholder 2"/>
+          <p:cNvSpPr>
+            <a:spLocks noGrp="1"/>
+          </p:cNvSpPr>
+          <p:nvPr>
+            <p:ph idx="1"/>
+          </p:nvPr>
+        </p:nvSpPr>
+        <p:spPr/>
+        <p:txBody>
+          <a:bodyPr>
+            <a:normAutofit/>
+          </a:bodyPr>
+          <a:lstStyle/>
+          <a:p>
+            <a:r>
+              <a:rPr lang="en-US" sz="2800" dirty="0" smtClean="0"/>
+              <a:t>Professional  Software Development Company</a:t>
+            </a:r>
+          </a:p>
+          <a:p>
+            <a:r>
+              <a:rPr lang="en-US" sz="2800" dirty="0" smtClean="0"/>
+              <a:t>Created in Object Oriented Software Development Class</a:t>
+            </a:r>
+          </a:p>
+          <a:p>
+            <a:r>
+              <a:rPr lang="en-US" sz="2800" dirty="0" smtClean="0"/>
+              <a:t>Known for Website Services, such as building websites, providing designs, hosting services, payment options e-commerce, and marketing. </a:t>
+            </a:r>
+            <a:endParaRPr lang="en-CA" sz="2800" dirty="0"/>
+          </a:p>
+        </p:txBody>
+      </p:sp>
+    </p:spTree>
+    <p:extLst>
+      <p:ext uri="{BB962C8B-B14F-4D97-AF65-F5344CB8AC3E}">
+        <p14:creationId xmlns:p14="http://schemas.microsoft.com/office/powerpoint/2010/main" val="3816474543"/>
+      </p:ext>
+    </p:extLst>
+  </p:cSld>
+  <p:clrMapOvr>
+    <a:masterClrMapping/>
+  </p:clrMapOvr>
+  <mc:AlternateContent xmlns:mc="http://schemas.openxmlformats.org/markup-compatibility/2006" xmlns:p15="http://schemas.microsoft.com/office/powerpoint/2012/main">
+    <mc:Choice Requires="p15">
+      <p:transition xmlns:p14="http://schemas.microsoft.com/office/powerpoint/2010/main" spd="slow" p14:dur="2000">
+        <p15:prstTrans prst="drape"/>
+      </p:transition>
+    </mc:Choice>
+    <mc:Fallback xmlns="">
+      <p:transition spd="slow">
+        <p:fade/>
+      </p:transition>
+    </mc:Fallback>
+  </mc:AlternateContent>
+  <p:timing>
+    <p:tnLst>
+      <p:par>
+        <p:cTn id="1" dur="indefinite" restart="never" nodeType="tmRoot"/>
+      </p:par>
+    </p:tnLst>
+  </p:timing>
+</p:sld>
+</file>
+
+<file path=ppt/slides/slide20.xml><?xml version="1.0" encoding="utf-8"?>
+<p:sld xmlns:a="http://schemas.openxmlformats.org/drawingml/2006/main" xmlns:r="http://schemas.openxmlformats.org/officeDocument/2006/relationships" xmlns:p="http://schemas.openxmlformats.org/presentationml/2006/main">
+  <p:cSld>
+    <p:spTree>
+      <p:nvGrpSpPr>
+        <p:cNvPr id="1" name=""/>
+        <p:cNvGrpSpPr/>
+        <p:nvPr/>
+      </p:nvGrpSpPr>
+      <p:grpSpPr>
+        <a:xfrm>
+          <a:off x="0" y="0"/>
+          <a:ext cx="0" cy="0"/>
+          <a:chOff x="0" y="0"/>
+          <a:chExt cx="0" cy="0"/>
+        </a:xfrm>
+      </p:grpSpPr>
+      <p:sp>
+        <p:nvSpPr>
+          <p:cNvPr id="2" name="Title 1"/>
+          <p:cNvSpPr>
+            <a:spLocks noGrp="1"/>
+          </p:cNvSpPr>
+          <p:nvPr>
+            <p:ph type="title"/>
+          </p:nvPr>
+        </p:nvSpPr>
+        <p:spPr>
+          <a:xfrm>
+            <a:off x="2586878" y="1432432"/>
+            <a:ext cx="9404723" cy="1400530"/>
+          </a:xfrm>
+        </p:spPr>
+        <p:txBody>
+          <a:bodyPr/>
+          <a:lstStyle/>
+          <a:p>
+            <a:r>
+              <a:rPr lang="en-US" sz="10000" dirty="0" smtClean="0"/>
+              <a:t>SUMMARY</a:t>
+            </a:r>
+            <a:endParaRPr lang="en-US" sz="10000" dirty="0"/>
+          </a:p>
+        </p:txBody>
+      </p:sp>
+    </p:spTree>
+    <p:extLst>
+      <p:ext uri="{BB962C8B-B14F-4D97-AF65-F5344CB8AC3E}">
+        <p14:creationId xmlns:p14="http://schemas.microsoft.com/office/powerpoint/2010/main" val="598352031"/>
+      </p:ext>
+    </p:extLst>
+  </p:cSld>
+  <p:clrMapOvr>
+    <a:masterClrMapping/>
+  </p:clrMapOvr>
+  <p:timing>
+    <p:tnLst>
+      <p:par>
+        <p:cTn id="1" dur="indefinite" restart="never" nodeType="tmRoot"/>
+      </p:par>
+    </p:tnLst>
+  </p:timing>
+</p:sld>
+</file>
+
+<file path=ppt/slides/slide21.xml><?xml version="1.0" encoding="utf-8"?>
 <p:sld xmlns:a="http://schemas.openxmlformats.org/drawingml/2006/main" xmlns:r="http://schemas.openxmlformats.org/officeDocument/2006/relationships" xmlns:p="http://schemas.openxmlformats.org/presentationml/2006/main">
   <p:cSld>
     <p:spTree>
@@ -8197,7 +8966,7 @@
 </p:sld>
 </file>
 
-<file path=ppt/slides/slide18.xml><?xml version="1.0" encoding="utf-8"?>
+<file path=ppt/slides/slide22.xml><?xml version="1.0" encoding="utf-8"?>
 <p:sld xmlns:a="http://schemas.openxmlformats.org/drawingml/2006/main" xmlns:r="http://schemas.openxmlformats.org/officeDocument/2006/relationships" xmlns:p="http://schemas.openxmlformats.org/presentationml/2006/main">
   <p:cSld>
     <p:spTree>
@@ -8285,13 +9054,13 @@
   <p:clrMapOvr>
     <a:masterClrMapping/>
   </p:clrMapOvr>
-  <mc:AlternateContent xmlns:mc="http://schemas.openxmlformats.org/markup-compatibility/2006">
-    <mc:Choice xmlns:p14="http://schemas.microsoft.com/office/powerpoint/2010/main" Requires="p14">
+  <mc:AlternateContent xmlns:mc="http://schemas.openxmlformats.org/markup-compatibility/2006" xmlns:p14="http://schemas.microsoft.com/office/powerpoint/2010/main">
+    <mc:Choice Requires="p14">
       <p:transition spd="slow" p14:dur="1500">
         <p14:window dir="vert"/>
       </p:transition>
     </mc:Choice>
-    <mc:Fallback>
+    <mc:Fallback xmlns="">
       <p:transition spd="slow">
         <p:fade/>
       </p:transition>
@@ -8307,7 +9076,7 @@
 </p:sld>
 </file>
 
-<file path=ppt/slides/slide19.xml><?xml version="1.0" encoding="utf-8"?>
+<file path=ppt/slides/slide23.xml><?xml version="1.0" encoding="utf-8"?>
 <p:sld xmlns:a="http://schemas.openxmlformats.org/drawingml/2006/main" xmlns:r="http://schemas.openxmlformats.org/officeDocument/2006/relationships" xmlns:p="http://schemas.openxmlformats.org/presentationml/2006/main">
   <p:cSld>
     <p:spTree>
@@ -8342,11 +9111,7 @@
             <a:pPr algn="ctr"/>
             <a:r>
               <a:rPr lang="en-US" u="sng" dirty="0" smtClean="0"/>
-              <a:t>Want To Know </a:t>
-            </a:r>
-            <a:r>
-              <a:rPr lang="en-US" u="sng" dirty="0" smtClean="0"/>
-              <a:t>More?</a:t>
+              <a:t>Want To Know More?</a:t>
             </a:r>
             <a:endParaRPr lang="en-CA" u="sng" dirty="0"/>
           </a:p>
@@ -8466,116 +9231,7 @@
 </p:sld>
 </file>
 
-<file path=ppt/slides/slide2.xml><?xml version="1.0" encoding="utf-8"?>
-<p:sld xmlns:a="http://schemas.openxmlformats.org/drawingml/2006/main" xmlns:r="http://schemas.openxmlformats.org/officeDocument/2006/relationships" xmlns:p="http://schemas.openxmlformats.org/presentationml/2006/main">
-  <p:cSld>
-    <p:spTree>
-      <p:nvGrpSpPr>
-        <p:cNvPr id="1" name=""/>
-        <p:cNvGrpSpPr/>
-        <p:nvPr/>
-      </p:nvGrpSpPr>
-      <p:grpSpPr>
-        <a:xfrm>
-          <a:off x="0" y="0"/>
-          <a:ext cx="0" cy="0"/>
-          <a:chOff x="0" y="0"/>
-          <a:chExt cx="0" cy="0"/>
-        </a:xfrm>
-      </p:grpSpPr>
-      <p:sp>
-        <p:nvSpPr>
-          <p:cNvPr id="2" name="Title 1"/>
-          <p:cNvSpPr>
-            <a:spLocks noGrp="1"/>
-          </p:cNvSpPr>
-          <p:nvPr>
-            <p:ph type="title"/>
-          </p:nvPr>
-        </p:nvSpPr>
-        <p:spPr/>
-        <p:txBody>
-          <a:bodyPr/>
-          <a:lstStyle/>
-          <a:p>
-            <a:r>
-              <a:rPr lang="en-US" b="1" dirty="0" smtClean="0"/>
-              <a:t>Welcome To KM3</a:t>
-            </a:r>
-            <a:endParaRPr lang="en-CA" b="1" dirty="0"/>
-          </a:p>
-        </p:txBody>
-      </p:sp>
-      <p:sp>
-        <p:nvSpPr>
-          <p:cNvPr id="3" name="Content Placeholder 2"/>
-          <p:cNvSpPr>
-            <a:spLocks noGrp="1"/>
-          </p:cNvSpPr>
-          <p:nvPr>
-            <p:ph idx="1"/>
-          </p:nvPr>
-        </p:nvSpPr>
-        <p:spPr/>
-        <p:txBody>
-          <a:bodyPr>
-            <a:normAutofit/>
-          </a:bodyPr>
-          <a:lstStyle/>
-          <a:p>
-            <a:r>
-              <a:rPr lang="en-US" sz="2800" dirty="0" smtClean="0"/>
-              <a:t>Professional  Software Development Company</a:t>
-            </a:r>
-          </a:p>
-          <a:p>
-            <a:r>
-              <a:rPr lang="en-US" sz="2800" dirty="0" smtClean="0"/>
-              <a:t>Created in Object Oriented Software Development Class</a:t>
-            </a:r>
-          </a:p>
-          <a:p>
-            <a:r>
-              <a:rPr lang="en-US" sz="2800" dirty="0" smtClean="0"/>
-              <a:t>Known for Website Services, such as building websites, providing designs, hosting services, payment options e-commerce, and marketing. </a:t>
-            </a:r>
-            <a:endParaRPr lang="en-CA" sz="2800" dirty="0"/>
-          </a:p>
-        </p:txBody>
-      </p:sp>
-    </p:spTree>
-    <p:extLst>
-      <p:ext uri="{BB962C8B-B14F-4D97-AF65-F5344CB8AC3E}">
-        <p14:creationId xmlns:p14="http://schemas.microsoft.com/office/powerpoint/2010/main" val="3816474543"/>
-      </p:ext>
-    </p:extLst>
-  </p:cSld>
-  <p:clrMapOvr>
-    <a:masterClrMapping/>
-  </p:clrMapOvr>
-  <mc:AlternateContent xmlns:mc="http://schemas.openxmlformats.org/markup-compatibility/2006" xmlns:p15="http://schemas.microsoft.com/office/powerpoint/2012/main">
-    <mc:Choice Requires="p15">
-      <p:transition xmlns:p14="http://schemas.microsoft.com/office/powerpoint/2010/main" spd="slow" p14:dur="2000">
-        <p15:prstTrans prst="drape"/>
-      </p:transition>
-    </mc:Choice>
-    <mc:Fallback xmlns="">
-      <p:transition spd="slow">
-        <p:fade/>
-      </p:transition>
-    </mc:Fallback>
-  </mc:AlternateContent>
-  <p:timing>
-    <p:tnLst>
-      <p:par>
-        <p:cTn id="1" dur="indefinite" restart="never" nodeType="tmRoot"/>
-      </p:par>
-    </p:tnLst>
-  </p:timing>
-</p:sld>
-</file>
-
-<file path=ppt/slides/slide20.xml><?xml version="1.0" encoding="utf-8"?>
+<file path=ppt/slides/slide24.xml><?xml version="1.0" encoding="utf-8"?>
 <p:sld xmlns:a="http://schemas.openxmlformats.org/drawingml/2006/main" xmlns:r="http://schemas.openxmlformats.org/officeDocument/2006/relationships" xmlns:p="http://schemas.openxmlformats.org/presentationml/2006/main">
   <p:cSld>
     <p:spTree>
@@ -8864,6 +9520,71 @@
             <p:ph type="title"/>
           </p:nvPr>
         </p:nvSpPr>
+        <p:spPr>
+          <a:xfrm>
+            <a:off x="2586878" y="1432432"/>
+            <a:ext cx="9404723" cy="1400530"/>
+          </a:xfrm>
+        </p:spPr>
+        <p:txBody>
+          <a:bodyPr/>
+          <a:lstStyle/>
+          <a:p>
+            <a:r>
+              <a:rPr lang="en-US" sz="10000" dirty="0" smtClean="0"/>
+              <a:t>HOSTING</a:t>
+            </a:r>
+            <a:endParaRPr lang="en-US" sz="10000" dirty="0"/>
+          </a:p>
+        </p:txBody>
+      </p:sp>
+    </p:spTree>
+    <p:extLst>
+      <p:ext uri="{BB962C8B-B14F-4D97-AF65-F5344CB8AC3E}">
+        <p14:creationId xmlns:p14="http://schemas.microsoft.com/office/powerpoint/2010/main" val="845748442"/>
+      </p:ext>
+    </p:extLst>
+  </p:cSld>
+  <p:clrMapOvr>
+    <a:masterClrMapping/>
+  </p:clrMapOvr>
+  <p:timing>
+    <p:tnLst>
+      <p:par>
+        <p:cTn id="1" dur="indefinite" restart="never" nodeType="tmRoot"/>
+      </p:par>
+    </p:tnLst>
+  </p:timing>
+</p:sld>
+</file>
+
+<file path=ppt/slides/slide5.xml><?xml version="1.0" encoding="utf-8"?>
+<p:sld xmlns:a="http://schemas.openxmlformats.org/drawingml/2006/main" xmlns:r="http://schemas.openxmlformats.org/officeDocument/2006/relationships" xmlns:p="http://schemas.openxmlformats.org/presentationml/2006/main">
+  <p:cSld>
+    <p:spTree>
+      <p:nvGrpSpPr>
+        <p:cNvPr id="1" name=""/>
+        <p:cNvGrpSpPr/>
+        <p:nvPr/>
+      </p:nvGrpSpPr>
+      <p:grpSpPr>
+        <a:xfrm>
+          <a:off x="0" y="0"/>
+          <a:ext cx="0" cy="0"/>
+          <a:chOff x="0" y="0"/>
+          <a:chExt cx="0" cy="0"/>
+        </a:xfrm>
+      </p:grpSpPr>
+      <p:sp>
+        <p:nvSpPr>
+          <p:cNvPr id="2" name="Title 1"/>
+          <p:cNvSpPr>
+            <a:spLocks noGrp="1"/>
+          </p:cNvSpPr>
+          <p:nvPr>
+            <p:ph type="title"/>
+          </p:nvPr>
+        </p:nvSpPr>
         <p:spPr/>
         <p:txBody>
           <a:bodyPr/>
@@ -8922,12 +9643,13 @@
           <a:p>
             <a:r>
               <a:rPr lang="en-CA" dirty="0"/>
-              <a:t>  </a:t>
+              <a:t> </a:t>
             </a:r>
             <a:r>
               <a:rPr lang="en-CA" dirty="0" smtClean="0"/>
               <a:t>Uptime</a:t>
             </a:r>
+            <a:endParaRPr lang="en-CA" dirty="0" smtClean="0"/>
           </a:p>
           <a:p>
             <a:r>
@@ -8938,7 +9660,11 @@
           <a:p>
             <a:r>
               <a:rPr lang="en-CA" dirty="0"/>
-              <a:t>  SLA</a:t>
+              <a:t> </a:t>
+            </a:r>
+            <a:r>
+              <a:rPr lang="en-CA" dirty="0" smtClean="0"/>
+              <a:t>SLA</a:t>
             </a:r>
             <a:endParaRPr lang="en-CA" dirty="0" smtClean="0"/>
           </a:p>
@@ -8982,7 +9708,7 @@
 </p:sld>
 </file>
 
-<file path=ppt/slides/slide5.xml><?xml version="1.0" encoding="utf-8"?>
+<file path=ppt/slides/slide6.xml><?xml version="1.0" encoding="utf-8"?>
 <p:sld xmlns:a="http://schemas.openxmlformats.org/drawingml/2006/main" xmlns:r="http://schemas.openxmlformats.org/officeDocument/2006/relationships" xmlns:p="http://schemas.openxmlformats.org/presentationml/2006/main">
   <p:cSld>
     <p:spTree>
@@ -9211,7 +9937,7 @@
 </p:sld>
 </file>
 
-<file path=ppt/slides/slide6.xml><?xml version="1.0" encoding="utf-8"?>
+<file path=ppt/slides/slide7.xml><?xml version="1.0" encoding="utf-8"?>
 <p:sld xmlns:a="http://schemas.openxmlformats.org/drawingml/2006/main" xmlns:r="http://schemas.openxmlformats.org/officeDocument/2006/relationships" xmlns:p="http://schemas.openxmlformats.org/presentationml/2006/main">
   <p:cSld>
     <p:spTree>
@@ -9477,7 +10203,79 @@
 </p:sld>
 </file>
 
-<file path=ppt/slides/slide7.xml><?xml version="1.0" encoding="utf-8"?>
+<file path=ppt/slides/slide8.xml><?xml version="1.0" encoding="utf-8"?>
+<p:sld xmlns:a="http://schemas.openxmlformats.org/drawingml/2006/main" xmlns:r="http://schemas.openxmlformats.org/officeDocument/2006/relationships" xmlns:p="http://schemas.openxmlformats.org/presentationml/2006/main">
+  <p:cSld>
+    <p:spTree>
+      <p:nvGrpSpPr>
+        <p:cNvPr id="1" name=""/>
+        <p:cNvGrpSpPr/>
+        <p:nvPr/>
+      </p:nvGrpSpPr>
+      <p:grpSpPr>
+        <a:xfrm>
+          <a:off x="0" y="0"/>
+          <a:ext cx="0" cy="0"/>
+          <a:chOff x="0" y="0"/>
+          <a:chExt cx="0" cy="0"/>
+        </a:xfrm>
+      </p:grpSpPr>
+      <p:sp>
+        <p:nvSpPr>
+          <p:cNvPr id="2" name="Title 1"/>
+          <p:cNvSpPr>
+            <a:spLocks noGrp="1"/>
+          </p:cNvSpPr>
+          <p:nvPr>
+            <p:ph type="title"/>
+          </p:nvPr>
+        </p:nvSpPr>
+        <p:spPr>
+          <a:xfrm>
+            <a:off x="2586878" y="1432432"/>
+            <a:ext cx="9404723" cy="1400530"/>
+          </a:xfrm>
+        </p:spPr>
+        <p:txBody>
+          <a:bodyPr/>
+          <a:lstStyle/>
+          <a:p>
+            <a:r>
+              <a:rPr lang="en-US" sz="10000" dirty="0" smtClean="0"/>
+              <a:t>PAYMENT</a:t>
+            </a:r>
+            <a:br>
+              <a:rPr lang="en-US" sz="10000" dirty="0" smtClean="0"/>
+            </a:br>
+            <a:r>
+              <a:rPr lang="en-US" sz="10000" dirty="0" smtClean="0"/>
+              <a:t>OPTIONS</a:t>
+            </a:r>
+            <a:endParaRPr lang="en-US" sz="10000" dirty="0"/>
+          </a:p>
+        </p:txBody>
+      </p:sp>
+    </p:spTree>
+    <p:extLst>
+      <p:ext uri="{BB962C8B-B14F-4D97-AF65-F5344CB8AC3E}">
+        <p14:creationId xmlns:p14="http://schemas.microsoft.com/office/powerpoint/2010/main" val="549430437"/>
+      </p:ext>
+    </p:extLst>
+  </p:cSld>
+  <p:clrMapOvr>
+    <a:masterClrMapping/>
+  </p:clrMapOvr>
+  <p:timing>
+    <p:tnLst>
+      <p:par>
+        <p:cTn id="1" dur="indefinite" restart="never" nodeType="tmRoot"/>
+      </p:par>
+    </p:tnLst>
+  </p:timing>
+</p:sld>
+</file>
+
+<file path=ppt/slides/slide9.xml><?xml version="1.0" encoding="utf-8"?>
 <p:sld xmlns:a="http://schemas.openxmlformats.org/drawingml/2006/main" xmlns:r="http://schemas.openxmlformats.org/officeDocument/2006/relationships" xmlns:p="http://schemas.openxmlformats.org/presentationml/2006/main">
   <p:cSld>
     <p:spTree>
@@ -9586,256 +10384,6 @@
     <p:extLst>
       <p:ext uri="{BB962C8B-B14F-4D97-AF65-F5344CB8AC3E}">
         <p14:creationId xmlns:p14="http://schemas.microsoft.com/office/powerpoint/2010/main" val="3947148034"/>
-      </p:ext>
-    </p:extLst>
-  </p:cSld>
-  <p:clrMapOvr>
-    <a:masterClrMapping/>
-  </p:clrMapOvr>
-  <p:timing>
-    <p:tnLst>
-      <p:par>
-        <p:cTn id="1" dur="indefinite" restart="never" nodeType="tmRoot"/>
-      </p:par>
-    </p:tnLst>
-  </p:timing>
-</p:sld>
-</file>
-
-<file path=ppt/slides/slide8.xml><?xml version="1.0" encoding="utf-8"?>
-<p:sld xmlns:a="http://schemas.openxmlformats.org/drawingml/2006/main" xmlns:r="http://schemas.openxmlformats.org/officeDocument/2006/relationships" xmlns:p="http://schemas.openxmlformats.org/presentationml/2006/main">
-  <p:cSld>
-    <p:spTree>
-      <p:nvGrpSpPr>
-        <p:cNvPr id="1" name=""/>
-        <p:cNvGrpSpPr/>
-        <p:nvPr/>
-      </p:nvGrpSpPr>
-      <p:grpSpPr>
-        <a:xfrm>
-          <a:off x="0" y="0"/>
-          <a:ext cx="0" cy="0"/>
-          <a:chOff x="0" y="0"/>
-          <a:chExt cx="0" cy="0"/>
-        </a:xfrm>
-      </p:grpSpPr>
-      <p:sp>
-        <p:nvSpPr>
-          <p:cNvPr id="2" name="Title 1"/>
-          <p:cNvSpPr>
-            <a:spLocks noGrp="1"/>
-          </p:cNvSpPr>
-          <p:nvPr>
-            <p:ph type="title"/>
-          </p:nvPr>
-        </p:nvSpPr>
-        <p:spPr>
-          <a:xfrm>
-            <a:off x="1550242" y="18473"/>
-            <a:ext cx="9404723" cy="1400530"/>
-          </a:xfrm>
-        </p:spPr>
-        <p:txBody>
-          <a:bodyPr/>
-          <a:lstStyle/>
-          <a:p>
-            <a:pPr algn="ctr"/>
-            <a:r>
-              <a:rPr lang="en-US" u="sng" dirty="0" smtClean="0"/>
-              <a:t>Merchant Account</a:t>
-            </a:r>
-            <a:endParaRPr lang="en-CA" u="sng" dirty="0"/>
-          </a:p>
-        </p:txBody>
-      </p:sp>
-      <p:sp>
-        <p:nvSpPr>
-          <p:cNvPr id="4" name="Rectangle 3"/>
-          <p:cNvSpPr/>
-          <p:nvPr/>
-        </p:nvSpPr>
-        <p:spPr>
-          <a:xfrm>
-            <a:off x="345554" y="718738"/>
-            <a:ext cx="1560946" cy="523220"/>
-          </a:xfrm>
-          <a:prstGeom prst="rect">
-            <a:avLst/>
-          </a:prstGeom>
-        </p:spPr>
-        <p:txBody>
-          <a:bodyPr wrap="square">
-            <a:spAutoFit/>
-          </a:bodyPr>
-          <a:lstStyle/>
-          <a:p>
-            <a:r>
-              <a:rPr lang="en-US" sz="2800" dirty="0" smtClean="0"/>
-              <a:t>Moneris</a:t>
-            </a:r>
-            <a:endParaRPr lang="en-CA" sz="2800" dirty="0"/>
-          </a:p>
-        </p:txBody>
-      </p:sp>
-      <p:pic>
-        <p:nvPicPr>
-          <p:cNvPr id="3" name="Picture 2"/>
-          <p:cNvPicPr>
-            <a:picLocks noChangeAspect="1"/>
-          </p:cNvPicPr>
-          <p:nvPr/>
-        </p:nvPicPr>
-        <p:blipFill>
-          <a:blip r:embed="rId2">
-            <a:extLst>
-              <a:ext uri="{28A0092B-C50C-407E-A947-70E740481C1C}">
-                <a14:useLocalDpi xmlns:a14="http://schemas.microsoft.com/office/drawing/2010/main" val="0"/>
-              </a:ext>
-            </a:extLst>
-          </a:blip>
-          <a:stretch>
-            <a:fillRect/>
-          </a:stretch>
-        </p:blipFill>
-        <p:spPr>
-          <a:xfrm>
-            <a:off x="2733774" y="801278"/>
-            <a:ext cx="6938134" cy="5920581"/>
-          </a:xfrm>
-          <a:prstGeom prst="rect">
-            <a:avLst/>
-          </a:prstGeom>
-        </p:spPr>
-      </p:pic>
-    </p:spTree>
-    <p:extLst>
-      <p:ext uri="{BB962C8B-B14F-4D97-AF65-F5344CB8AC3E}">
-        <p14:creationId xmlns:p14="http://schemas.microsoft.com/office/powerpoint/2010/main" val="1253176914"/>
-      </p:ext>
-    </p:extLst>
-  </p:cSld>
-  <p:clrMapOvr>
-    <a:masterClrMapping/>
-  </p:clrMapOvr>
-  <p:timing>
-    <p:tnLst>
-      <p:par>
-        <p:cTn id="1" dur="indefinite" restart="never" nodeType="tmRoot"/>
-      </p:par>
-    </p:tnLst>
-  </p:timing>
-</p:sld>
-</file>
-
-<file path=ppt/slides/slide9.xml><?xml version="1.0" encoding="utf-8"?>
-<p:sld xmlns:a="http://schemas.openxmlformats.org/drawingml/2006/main" xmlns:r="http://schemas.openxmlformats.org/officeDocument/2006/relationships" xmlns:p="http://schemas.openxmlformats.org/presentationml/2006/main">
-  <p:cSld>
-    <p:spTree>
-      <p:nvGrpSpPr>
-        <p:cNvPr id="1" name=""/>
-        <p:cNvGrpSpPr/>
-        <p:nvPr/>
-      </p:nvGrpSpPr>
-      <p:grpSpPr>
-        <a:xfrm>
-          <a:off x="0" y="0"/>
-          <a:ext cx="0" cy="0"/>
-          <a:chOff x="0" y="0"/>
-          <a:chExt cx="0" cy="0"/>
-        </a:xfrm>
-      </p:grpSpPr>
-      <p:sp>
-        <p:nvSpPr>
-          <p:cNvPr id="2" name="Title 1"/>
-          <p:cNvSpPr>
-            <a:spLocks noGrp="1"/>
-          </p:cNvSpPr>
-          <p:nvPr>
-            <p:ph type="title"/>
-          </p:nvPr>
-        </p:nvSpPr>
-        <p:spPr>
-          <a:xfrm>
-            <a:off x="1550242" y="18473"/>
-            <a:ext cx="9404723" cy="1400530"/>
-          </a:xfrm>
-        </p:spPr>
-        <p:txBody>
-          <a:bodyPr/>
-          <a:lstStyle/>
-          <a:p>
-            <a:pPr algn="ctr"/>
-            <a:r>
-              <a:rPr lang="en-US" u="sng" dirty="0" smtClean="0"/>
-              <a:t>Merchant Account</a:t>
-            </a:r>
-            <a:endParaRPr lang="en-CA" u="sng" dirty="0"/>
-          </a:p>
-        </p:txBody>
-      </p:sp>
-      <p:sp>
-        <p:nvSpPr>
-          <p:cNvPr id="4" name="Rectangle 3"/>
-          <p:cNvSpPr/>
-          <p:nvPr/>
-        </p:nvSpPr>
-        <p:spPr>
-          <a:xfrm>
-            <a:off x="345553" y="718738"/>
-            <a:ext cx="1822611" cy="1384995"/>
-          </a:xfrm>
-          <a:prstGeom prst="rect">
-            <a:avLst/>
-          </a:prstGeom>
-        </p:spPr>
-        <p:txBody>
-          <a:bodyPr wrap="square">
-            <a:spAutoFit/>
-          </a:bodyPr>
-          <a:lstStyle/>
-          <a:p>
-            <a:r>
-              <a:rPr lang="en-US" sz="2800" dirty="0" smtClean="0"/>
-              <a:t>TD Canada Trust</a:t>
-            </a:r>
-            <a:endParaRPr lang="en-CA" sz="2800" dirty="0"/>
-          </a:p>
-        </p:txBody>
-      </p:sp>
-      <p:pic>
-        <p:nvPicPr>
-          <p:cNvPr id="5" name="Picture 4"/>
-          <p:cNvPicPr>
-            <a:picLocks noChangeAspect="1"/>
-          </p:cNvPicPr>
-          <p:nvPr/>
-        </p:nvPicPr>
-        <p:blipFill>
-          <a:blip r:embed="rId2">
-            <a:extLst>
-              <a:ext uri="{28A0092B-C50C-407E-A947-70E740481C1C}">
-                <a14:useLocalDpi xmlns:a14="http://schemas.microsoft.com/office/drawing/2010/main" val="0"/>
-              </a:ext>
-            </a:extLst>
-          </a:blip>
-          <a:stretch>
-            <a:fillRect/>
-          </a:stretch>
-        </p:blipFill>
-        <p:spPr>
-          <a:xfrm>
-            <a:off x="3372853" y="813008"/>
-            <a:ext cx="6101085" cy="5858274"/>
-          </a:xfrm>
-          <a:prstGeom prst="rect">
-            <a:avLst/>
-          </a:prstGeom>
-        </p:spPr>
-      </p:pic>
-    </p:spTree>
-    <p:extLst>
-      <p:ext uri="{BB962C8B-B14F-4D97-AF65-F5344CB8AC3E}">
-        <p14:creationId xmlns:p14="http://schemas.microsoft.com/office/powerpoint/2010/main" val="1817042170"/>
       </p:ext>
     </p:extLst>
   </p:cSld>

--- a/km3/KM3.pptx
+++ b/km3/KM3.pptx
@@ -10,21 +10,23 @@
     <p:sldId id="262" r:id="rId4"/>
     <p:sldId id="259" r:id="rId5"/>
     <p:sldId id="268" r:id="rId6"/>
-    <p:sldId id="263" r:id="rId7"/>
-    <p:sldId id="271" r:id="rId8"/>
-    <p:sldId id="272" r:id="rId9"/>
-    <p:sldId id="273" r:id="rId10"/>
-    <p:sldId id="260" r:id="rId11"/>
-    <p:sldId id="264" r:id="rId12"/>
-    <p:sldId id="265" r:id="rId13"/>
-    <p:sldId id="274" r:id="rId14"/>
-    <p:sldId id="277" r:id="rId15"/>
-    <p:sldId id="275" r:id="rId16"/>
-    <p:sldId id="276" r:id="rId17"/>
-    <p:sldId id="266" r:id="rId18"/>
-    <p:sldId id="278" r:id="rId19"/>
-    <p:sldId id="267" r:id="rId20"/>
-    <p:sldId id="269" r:id="rId21"/>
+    <p:sldId id="279" r:id="rId7"/>
+    <p:sldId id="280" r:id="rId8"/>
+    <p:sldId id="263" r:id="rId9"/>
+    <p:sldId id="271" r:id="rId10"/>
+    <p:sldId id="272" r:id="rId11"/>
+    <p:sldId id="273" r:id="rId12"/>
+    <p:sldId id="260" r:id="rId13"/>
+    <p:sldId id="264" r:id="rId14"/>
+    <p:sldId id="265" r:id="rId15"/>
+    <p:sldId id="274" r:id="rId16"/>
+    <p:sldId id="277" r:id="rId17"/>
+    <p:sldId id="275" r:id="rId18"/>
+    <p:sldId id="276" r:id="rId19"/>
+    <p:sldId id="266" r:id="rId20"/>
+    <p:sldId id="278" r:id="rId21"/>
+    <p:sldId id="267" r:id="rId22"/>
+    <p:sldId id="269" r:id="rId23"/>
   </p:sldIdLst>
   <p:sldSz cx="12192000" cy="6858000"/>
   <p:notesSz cx="6858000" cy="9144000"/>
@@ -314,7 +316,7 @@
           <a:p>
             <a:fld id="{4AAD347D-5ACD-4C99-B74B-A9C85AD731AF}" type="datetimeFigureOut">
               <a:rPr lang="en-US" smtClean="0"/>
-              <a:t>11/18/2014</a:t>
+              <a:t>11/19/2014</a:t>
             </a:fld>
             <a:endParaRPr lang="en-US" dirty="0"/>
           </a:p>
@@ -589,7 +591,7 @@
           <a:p>
             <a:fld id="{4509A250-FF31-4206-8172-F9D3106AACB1}" type="datetimeFigureOut">
               <a:rPr lang="en-US" smtClean="0"/>
-              <a:t>11/18/2014</a:t>
+              <a:t>11/19/2014</a:t>
             </a:fld>
             <a:endParaRPr lang="en-US" dirty="0"/>
           </a:p>
@@ -783,7 +785,7 @@
           <a:p>
             <a:fld id="{4509A250-FF31-4206-8172-F9D3106AACB1}" type="datetimeFigureOut">
               <a:rPr lang="en-US" smtClean="0"/>
-              <a:t>11/18/2014</a:t>
+              <a:t>11/19/2014</a:t>
             </a:fld>
             <a:endParaRPr lang="en-US" dirty="0"/>
           </a:p>
@@ -1051,7 +1053,7 @@
           <a:p>
             <a:fld id="{4509A250-FF31-4206-8172-F9D3106AACB1}" type="datetimeFigureOut">
               <a:rPr lang="en-US" smtClean="0"/>
-              <a:t>11/18/2014</a:t>
+              <a:t>11/19/2014</a:t>
             </a:fld>
             <a:endParaRPr lang="en-US" dirty="0"/>
           </a:p>
@@ -1383,7 +1385,7 @@
           <a:p>
             <a:fld id="{4509A250-FF31-4206-8172-F9D3106AACB1}" type="datetimeFigureOut">
               <a:rPr lang="en-US" smtClean="0"/>
-              <a:t>11/18/2014</a:t>
+              <a:t>11/19/2014</a:t>
             </a:fld>
             <a:endParaRPr lang="en-US" dirty="0"/>
           </a:p>
@@ -1993,7 +1995,7 @@
           <a:p>
             <a:fld id="{4509A250-FF31-4206-8172-F9D3106AACB1}" type="datetimeFigureOut">
               <a:rPr lang="en-US" smtClean="0"/>
-              <a:t>11/18/2014</a:t>
+              <a:t>11/19/2014</a:t>
             </a:fld>
             <a:endParaRPr lang="en-US" dirty="0"/>
           </a:p>
@@ -2840,7 +2842,7 @@
           <a:p>
             <a:fld id="{4509A250-FF31-4206-8172-F9D3106AACB1}" type="datetimeFigureOut">
               <a:rPr lang="en-US" smtClean="0"/>
-              <a:t>11/18/2014</a:t>
+              <a:t>11/19/2014</a:t>
             </a:fld>
             <a:endParaRPr lang="en-US" dirty="0"/>
           </a:p>
@@ -3010,7 +3012,7 @@
           <a:p>
             <a:fld id="{4509A250-FF31-4206-8172-F9D3106AACB1}" type="datetimeFigureOut">
               <a:rPr lang="en-US" smtClean="0"/>
-              <a:t>11/18/2014</a:t>
+              <a:t>11/19/2014</a:t>
             </a:fld>
             <a:endParaRPr lang="en-US" dirty="0"/>
           </a:p>
@@ -3190,7 +3192,7 @@
           <a:p>
             <a:fld id="{4509A250-FF31-4206-8172-F9D3106AACB1}" type="datetimeFigureOut">
               <a:rPr lang="en-US" smtClean="0"/>
-              <a:t>11/18/2014</a:t>
+              <a:t>11/19/2014</a:t>
             </a:fld>
             <a:endParaRPr lang="en-US" dirty="0"/>
           </a:p>
@@ -3360,7 +3362,7 @@
           <a:p>
             <a:fld id="{4509A250-FF31-4206-8172-F9D3106AACB1}" type="datetimeFigureOut">
               <a:rPr lang="en-US" smtClean="0"/>
-              <a:t>11/18/2014</a:t>
+              <a:t>11/19/2014</a:t>
             </a:fld>
             <a:endParaRPr lang="en-US" dirty="0"/>
           </a:p>
@@ -3604,7 +3606,7 @@
           <a:p>
             <a:fld id="{9796027F-7875-4030-9381-8BD8C4F21935}" type="datetimeFigureOut">
               <a:rPr lang="en-US" smtClean="0"/>
-              <a:t>11/18/2014</a:t>
+              <a:t>11/19/2014</a:t>
             </a:fld>
             <a:endParaRPr lang="en-US" dirty="0"/>
           </a:p>
@@ -3896,7 +3898,7 @@
           <a:p>
             <a:fld id="{9796027F-7875-4030-9381-8BD8C4F21935}" type="datetimeFigureOut">
               <a:rPr lang="en-US" smtClean="0"/>
-              <a:t>11/18/2014</a:t>
+              <a:t>11/19/2014</a:t>
             </a:fld>
             <a:endParaRPr lang="en-US" dirty="0"/>
           </a:p>
@@ -4334,7 +4336,7 @@
           <a:p>
             <a:fld id="{9796027F-7875-4030-9381-8BD8C4F21935}" type="datetimeFigureOut">
               <a:rPr lang="en-US" smtClean="0"/>
-              <a:t>11/18/2014</a:t>
+              <a:t>11/19/2014</a:t>
             </a:fld>
             <a:endParaRPr lang="en-US" dirty="0"/>
           </a:p>
@@ -4452,7 +4454,7 @@
           <a:p>
             <a:fld id="{4509A250-FF31-4206-8172-F9D3106AACB1}" type="datetimeFigureOut">
               <a:rPr lang="en-US" smtClean="0"/>
-              <a:t>11/18/2014</a:t>
+              <a:t>11/19/2014</a:t>
             </a:fld>
             <a:endParaRPr lang="en-US" dirty="0"/>
           </a:p>
@@ -4547,7 +4549,7 @@
           <a:p>
             <a:fld id="{4509A250-FF31-4206-8172-F9D3106AACB1}" type="datetimeFigureOut">
               <a:rPr lang="en-US" smtClean="0"/>
-              <a:t>11/18/2014</a:t>
+              <a:t>11/19/2014</a:t>
             </a:fld>
             <a:endParaRPr lang="en-US" dirty="0"/>
           </a:p>
@@ -4826,7 +4828,7 @@
           <a:p>
             <a:fld id="{4509A250-FF31-4206-8172-F9D3106AACB1}" type="datetimeFigureOut">
               <a:rPr lang="en-US" smtClean="0"/>
-              <a:t>11/18/2014</a:t>
+              <a:t>11/19/2014</a:t>
             </a:fld>
             <a:endParaRPr lang="en-US" dirty="0"/>
           </a:p>
@@ -5101,7 +5103,7 @@
           <a:p>
             <a:fld id="{4509A250-FF31-4206-8172-F9D3106AACB1}" type="datetimeFigureOut">
               <a:rPr lang="en-US" smtClean="0"/>
-              <a:t>11/18/2014</a:t>
+              <a:t>11/19/2014</a:t>
             </a:fld>
             <a:endParaRPr lang="en-US" dirty="0"/>
           </a:p>
@@ -5530,7 +5532,7 @@
           <a:p>
             <a:fld id="{4AAD347D-5ACD-4C99-B74B-A9C85AD731AF}" type="datetimeFigureOut">
               <a:rPr lang="en-US" smtClean="0"/>
-              <a:t>11/18/2014</a:t>
+              <a:t>11/19/2014</a:t>
             </a:fld>
             <a:endParaRPr lang="en-US" dirty="0"/>
           </a:p>
@@ -6120,14 +6122,7 @@
                 <a:latin typeface="Aharoni" panose="02010803020104030203" pitchFamily="2" charset="-79"/>
                 <a:cs typeface="Aharoni" panose="02010803020104030203" pitchFamily="2" charset="-79"/>
               </a:rPr>
-              <a:t> </a:t>
-            </a:r>
-            <a:r>
-              <a:rPr lang="en-US" dirty="0" smtClean="0">
-                <a:latin typeface="Aharoni" panose="02010803020104030203" pitchFamily="2" charset="-79"/>
-                <a:cs typeface="Aharoni" panose="02010803020104030203" pitchFamily="2" charset="-79"/>
-              </a:rPr>
-              <a:t>Milliken, </a:t>
+              <a:t> Milliken, </a:t>
             </a:r>
             <a:r>
               <a:rPr lang="en-US" dirty="0" err="1" smtClean="0">
@@ -6348,6 +6343,256 @@
 </file>
 
 <file path=ppt/slides/slide10.xml><?xml version="1.0" encoding="utf-8"?>
+<p:sld xmlns:a="http://schemas.openxmlformats.org/drawingml/2006/main" xmlns:r="http://schemas.openxmlformats.org/officeDocument/2006/relationships" xmlns:p="http://schemas.openxmlformats.org/presentationml/2006/main">
+  <p:cSld>
+    <p:spTree>
+      <p:nvGrpSpPr>
+        <p:cNvPr id="1" name=""/>
+        <p:cNvGrpSpPr/>
+        <p:nvPr/>
+      </p:nvGrpSpPr>
+      <p:grpSpPr>
+        <a:xfrm>
+          <a:off x="0" y="0"/>
+          <a:ext cx="0" cy="0"/>
+          <a:chOff x="0" y="0"/>
+          <a:chExt cx="0" cy="0"/>
+        </a:xfrm>
+      </p:grpSpPr>
+      <p:sp>
+        <p:nvSpPr>
+          <p:cNvPr id="2" name="Title 1"/>
+          <p:cNvSpPr>
+            <a:spLocks noGrp="1"/>
+          </p:cNvSpPr>
+          <p:nvPr>
+            <p:ph type="title"/>
+          </p:nvPr>
+        </p:nvSpPr>
+        <p:spPr>
+          <a:xfrm>
+            <a:off x="1550242" y="18473"/>
+            <a:ext cx="9404723" cy="1400530"/>
+          </a:xfrm>
+        </p:spPr>
+        <p:txBody>
+          <a:bodyPr/>
+          <a:lstStyle/>
+          <a:p>
+            <a:pPr algn="ctr"/>
+            <a:r>
+              <a:rPr lang="en-US" u="sng" dirty="0" smtClean="0"/>
+              <a:t>Merchant Account</a:t>
+            </a:r>
+            <a:endParaRPr lang="en-CA" u="sng" dirty="0"/>
+          </a:p>
+        </p:txBody>
+      </p:sp>
+      <p:sp>
+        <p:nvSpPr>
+          <p:cNvPr id="4" name="Rectangle 3"/>
+          <p:cNvSpPr/>
+          <p:nvPr/>
+        </p:nvSpPr>
+        <p:spPr>
+          <a:xfrm>
+            <a:off x="345554" y="718738"/>
+            <a:ext cx="1560946" cy="523220"/>
+          </a:xfrm>
+          <a:prstGeom prst="rect">
+            <a:avLst/>
+          </a:prstGeom>
+        </p:spPr>
+        <p:txBody>
+          <a:bodyPr wrap="square">
+            <a:spAutoFit/>
+          </a:bodyPr>
+          <a:lstStyle/>
+          <a:p>
+            <a:r>
+              <a:rPr lang="en-US" sz="2800" dirty="0" smtClean="0"/>
+              <a:t>Moneris</a:t>
+            </a:r>
+            <a:endParaRPr lang="en-CA" sz="2800" dirty="0"/>
+          </a:p>
+        </p:txBody>
+      </p:sp>
+      <p:pic>
+        <p:nvPicPr>
+          <p:cNvPr id="3" name="Picture 2"/>
+          <p:cNvPicPr>
+            <a:picLocks noChangeAspect="1"/>
+          </p:cNvPicPr>
+          <p:nvPr/>
+        </p:nvPicPr>
+        <p:blipFill>
+          <a:blip r:embed="rId2">
+            <a:extLst>
+              <a:ext uri="{28A0092B-C50C-407E-A947-70E740481C1C}">
+                <a14:useLocalDpi xmlns:a14="http://schemas.microsoft.com/office/drawing/2010/main" val="0"/>
+              </a:ext>
+            </a:extLst>
+          </a:blip>
+          <a:stretch>
+            <a:fillRect/>
+          </a:stretch>
+        </p:blipFill>
+        <p:spPr>
+          <a:xfrm>
+            <a:off x="2733774" y="801278"/>
+            <a:ext cx="6938134" cy="5920581"/>
+          </a:xfrm>
+          <a:prstGeom prst="rect">
+            <a:avLst/>
+          </a:prstGeom>
+        </p:spPr>
+      </p:pic>
+    </p:spTree>
+    <p:extLst>
+      <p:ext uri="{BB962C8B-B14F-4D97-AF65-F5344CB8AC3E}">
+        <p14:creationId xmlns:p14="http://schemas.microsoft.com/office/powerpoint/2010/main" val="1253176914"/>
+      </p:ext>
+    </p:extLst>
+  </p:cSld>
+  <p:clrMapOvr>
+    <a:masterClrMapping/>
+  </p:clrMapOvr>
+  <p:timing>
+    <p:tnLst>
+      <p:par>
+        <p:cTn id="1" dur="indefinite" restart="never" nodeType="tmRoot"/>
+      </p:par>
+    </p:tnLst>
+  </p:timing>
+</p:sld>
+</file>
+
+<file path=ppt/slides/slide11.xml><?xml version="1.0" encoding="utf-8"?>
+<p:sld xmlns:a="http://schemas.openxmlformats.org/drawingml/2006/main" xmlns:r="http://schemas.openxmlformats.org/officeDocument/2006/relationships" xmlns:p="http://schemas.openxmlformats.org/presentationml/2006/main">
+  <p:cSld>
+    <p:spTree>
+      <p:nvGrpSpPr>
+        <p:cNvPr id="1" name=""/>
+        <p:cNvGrpSpPr/>
+        <p:nvPr/>
+      </p:nvGrpSpPr>
+      <p:grpSpPr>
+        <a:xfrm>
+          <a:off x="0" y="0"/>
+          <a:ext cx="0" cy="0"/>
+          <a:chOff x="0" y="0"/>
+          <a:chExt cx="0" cy="0"/>
+        </a:xfrm>
+      </p:grpSpPr>
+      <p:sp>
+        <p:nvSpPr>
+          <p:cNvPr id="2" name="Title 1"/>
+          <p:cNvSpPr>
+            <a:spLocks noGrp="1"/>
+          </p:cNvSpPr>
+          <p:nvPr>
+            <p:ph type="title"/>
+          </p:nvPr>
+        </p:nvSpPr>
+        <p:spPr>
+          <a:xfrm>
+            <a:off x="1550242" y="18473"/>
+            <a:ext cx="9404723" cy="1400530"/>
+          </a:xfrm>
+        </p:spPr>
+        <p:txBody>
+          <a:bodyPr/>
+          <a:lstStyle/>
+          <a:p>
+            <a:pPr algn="ctr"/>
+            <a:r>
+              <a:rPr lang="en-US" u="sng" dirty="0" smtClean="0"/>
+              <a:t>Merchant Account</a:t>
+            </a:r>
+            <a:endParaRPr lang="en-CA" u="sng" dirty="0"/>
+          </a:p>
+        </p:txBody>
+      </p:sp>
+      <p:sp>
+        <p:nvSpPr>
+          <p:cNvPr id="4" name="Rectangle 3"/>
+          <p:cNvSpPr/>
+          <p:nvPr/>
+        </p:nvSpPr>
+        <p:spPr>
+          <a:xfrm>
+            <a:off x="345553" y="718738"/>
+            <a:ext cx="1822611" cy="1384995"/>
+          </a:xfrm>
+          <a:prstGeom prst="rect">
+            <a:avLst/>
+          </a:prstGeom>
+        </p:spPr>
+        <p:txBody>
+          <a:bodyPr wrap="square">
+            <a:spAutoFit/>
+          </a:bodyPr>
+          <a:lstStyle/>
+          <a:p>
+            <a:r>
+              <a:rPr lang="en-US" sz="2800" dirty="0" smtClean="0"/>
+              <a:t>TD Canada Trust</a:t>
+            </a:r>
+            <a:endParaRPr lang="en-CA" sz="2800" dirty="0"/>
+          </a:p>
+        </p:txBody>
+      </p:sp>
+      <p:pic>
+        <p:nvPicPr>
+          <p:cNvPr id="5" name="Picture 4"/>
+          <p:cNvPicPr>
+            <a:picLocks noChangeAspect="1"/>
+          </p:cNvPicPr>
+          <p:nvPr/>
+        </p:nvPicPr>
+        <p:blipFill>
+          <a:blip r:embed="rId2">
+            <a:extLst>
+              <a:ext uri="{28A0092B-C50C-407E-A947-70E740481C1C}">
+                <a14:useLocalDpi xmlns:a14="http://schemas.microsoft.com/office/drawing/2010/main" val="0"/>
+              </a:ext>
+            </a:extLst>
+          </a:blip>
+          <a:stretch>
+            <a:fillRect/>
+          </a:stretch>
+        </p:blipFill>
+        <p:spPr>
+          <a:xfrm>
+            <a:off x="3372853" y="813008"/>
+            <a:ext cx="6101085" cy="5858274"/>
+          </a:xfrm>
+          <a:prstGeom prst="rect">
+            <a:avLst/>
+          </a:prstGeom>
+        </p:spPr>
+      </p:pic>
+    </p:spTree>
+    <p:extLst>
+      <p:ext uri="{BB962C8B-B14F-4D97-AF65-F5344CB8AC3E}">
+        <p14:creationId xmlns:p14="http://schemas.microsoft.com/office/powerpoint/2010/main" val="1817042170"/>
+      </p:ext>
+    </p:extLst>
+  </p:cSld>
+  <p:clrMapOvr>
+    <a:masterClrMapping/>
+  </p:clrMapOvr>
+  <p:timing>
+    <p:tnLst>
+      <p:par>
+        <p:cTn id="1" dur="indefinite" restart="never" nodeType="tmRoot"/>
+      </p:par>
+    </p:tnLst>
+  </p:timing>
+</p:sld>
+</file>
+
+<file path=ppt/slides/slide12.xml><?xml version="1.0" encoding="utf-8"?>
 <p:sld xmlns:a="http://schemas.openxmlformats.org/drawingml/2006/main" xmlns:r="http://schemas.openxmlformats.org/officeDocument/2006/relationships" xmlns:p="http://schemas.openxmlformats.org/presentationml/2006/main">
   <p:cSld>
     <p:spTree>
@@ -6734,7 +6979,7 @@
 </p:sld>
 </file>
 
-<file path=ppt/slides/slide11.xml><?xml version="1.0" encoding="utf-8"?>
+<file path=ppt/slides/slide13.xml><?xml version="1.0" encoding="utf-8"?>
 <p:sld xmlns:a="http://schemas.openxmlformats.org/drawingml/2006/main" xmlns:r="http://schemas.openxmlformats.org/officeDocument/2006/relationships" xmlns:p="http://schemas.openxmlformats.org/presentationml/2006/main">
   <p:cSld>
     <p:spTree>
@@ -6769,11 +7014,7 @@
             <a:pPr algn="ctr"/>
             <a:r>
               <a:rPr lang="en-US" u="sng" dirty="0" smtClean="0"/>
-              <a:t>Payment </a:t>
-            </a:r>
-            <a:r>
-              <a:rPr lang="en-US" u="sng" dirty="0" smtClean="0"/>
-              <a:t>Options: Summary</a:t>
+              <a:t>Payment Options: Summary</a:t>
             </a:r>
             <a:endParaRPr lang="en-CA" u="sng" dirty="0"/>
           </a:p>
@@ -6830,7 +7071,7 @@
 </p:sld>
 </file>
 
-<file path=ppt/slides/slide12.xml><?xml version="1.0" encoding="utf-8"?>
+<file path=ppt/slides/slide14.xml><?xml version="1.0" encoding="utf-8"?>
 <p:sld xmlns:a="http://schemas.openxmlformats.org/drawingml/2006/main" xmlns:r="http://schemas.openxmlformats.org/officeDocument/2006/relationships" xmlns:p="http://schemas.openxmlformats.org/presentationml/2006/main">
   <p:cSld>
     <p:spTree>
@@ -6973,7 +7214,7 @@
 </p:sld>
 </file>
 
-<file path=ppt/slides/slide13.xml><?xml version="1.0" encoding="utf-8"?>
+<file path=ppt/slides/slide15.xml><?xml version="1.0" encoding="utf-8"?>
 <p:sld xmlns:a="http://schemas.openxmlformats.org/drawingml/2006/main" xmlns:r="http://schemas.openxmlformats.org/officeDocument/2006/relationships" xmlns:p="http://schemas.openxmlformats.org/presentationml/2006/main">
   <p:cSld>
     <p:spTree>
@@ -7158,13 +7399,13 @@
   <p:clrMapOvr>
     <a:masterClrMapping/>
   </p:clrMapOvr>
-  <mc:AlternateContent xmlns:mc="http://schemas.openxmlformats.org/markup-compatibility/2006">
-    <mc:Choice xmlns:p14="http://schemas.microsoft.com/office/powerpoint/2010/main" Requires="p14">
+  <mc:AlternateContent xmlns:mc="http://schemas.openxmlformats.org/markup-compatibility/2006" xmlns:p14="http://schemas.microsoft.com/office/powerpoint/2010/main">
+    <mc:Choice Requires="p14">
       <p:transition spd="slow" p14:dur="2000">
         <p14:ferris dir="l"/>
       </p:transition>
     </mc:Choice>
-    <mc:Fallback>
+    <mc:Fallback xmlns="">
       <p:transition spd="slow">
         <p:fade/>
       </p:transition>
@@ -7180,7 +7421,7 @@
 </p:sld>
 </file>
 
-<file path=ppt/slides/slide14.xml><?xml version="1.0" encoding="utf-8"?>
+<file path=ppt/slides/slide16.xml><?xml version="1.0" encoding="utf-8"?>
 <p:sld xmlns:a="http://schemas.openxmlformats.org/drawingml/2006/main" xmlns:r="http://schemas.openxmlformats.org/officeDocument/2006/relationships" xmlns:p="http://schemas.openxmlformats.org/presentationml/2006/main">
   <p:cSld>
     <p:spTree>
@@ -7266,13 +7507,13 @@
   <p:clrMapOvr>
     <a:masterClrMapping/>
   </p:clrMapOvr>
-  <mc:AlternateContent xmlns:mc="http://schemas.openxmlformats.org/markup-compatibility/2006">
-    <mc:Choice xmlns:p14="http://schemas.microsoft.com/office/powerpoint/2010/main" Requires="p14">
+  <mc:AlternateContent xmlns:mc="http://schemas.openxmlformats.org/markup-compatibility/2006" xmlns:p14="http://schemas.microsoft.com/office/powerpoint/2010/main">
+    <mc:Choice Requires="p14">
       <p:transition spd="slow" p14:dur="2000">
         <p14:ferris dir="l"/>
       </p:transition>
     </mc:Choice>
-    <mc:Fallback>
+    <mc:Fallback xmlns="">
       <p:transition spd="slow">
         <p:fade/>
       </p:transition>
@@ -7288,7 +7529,7 @@
 </p:sld>
 </file>
 
-<file path=ppt/slides/slide15.xml><?xml version="1.0" encoding="utf-8"?>
+<file path=ppt/slides/slide17.xml><?xml version="1.0" encoding="utf-8"?>
 <p:sld xmlns:a="http://schemas.openxmlformats.org/drawingml/2006/main" xmlns:r="http://schemas.openxmlformats.org/officeDocument/2006/relationships" xmlns:p="http://schemas.openxmlformats.org/presentationml/2006/main">
   <p:cSld>
     <p:spTree>
@@ -7513,13 +7754,13 @@
   <p:clrMapOvr>
     <a:masterClrMapping/>
   </p:clrMapOvr>
-  <mc:AlternateContent xmlns:mc="http://schemas.openxmlformats.org/markup-compatibility/2006">
-    <mc:Choice xmlns:p14="http://schemas.microsoft.com/office/powerpoint/2010/main" Requires="p14">
+  <mc:AlternateContent xmlns:mc="http://schemas.openxmlformats.org/markup-compatibility/2006" xmlns:p14="http://schemas.microsoft.com/office/powerpoint/2010/main">
+    <mc:Choice Requires="p14">
       <p:transition spd="slow" p14:dur="2000">
         <p14:ferris dir="l"/>
       </p:transition>
     </mc:Choice>
-    <mc:Fallback>
+    <mc:Fallback xmlns="">
       <p:transition spd="slow">
         <p:fade/>
       </p:transition>
@@ -7535,7 +7776,7 @@
 </p:sld>
 </file>
 
-<file path=ppt/slides/slide16.xml><?xml version="1.0" encoding="utf-8"?>
+<file path=ppt/slides/slide18.xml><?xml version="1.0" encoding="utf-8"?>
 <p:sld xmlns:a="http://schemas.openxmlformats.org/drawingml/2006/main" xmlns:r="http://schemas.openxmlformats.org/officeDocument/2006/relationships" xmlns:p="http://schemas.openxmlformats.org/presentationml/2006/main">
   <p:cSld>
     <p:spTree>
@@ -7744,13 +7985,13 @@
   <p:clrMapOvr>
     <a:masterClrMapping/>
   </p:clrMapOvr>
-  <mc:AlternateContent xmlns:mc="http://schemas.openxmlformats.org/markup-compatibility/2006">
-    <mc:Choice xmlns:p14="http://schemas.microsoft.com/office/powerpoint/2010/main" Requires="p14">
+  <mc:AlternateContent xmlns:mc="http://schemas.openxmlformats.org/markup-compatibility/2006" xmlns:p14="http://schemas.microsoft.com/office/powerpoint/2010/main">
+    <mc:Choice Requires="p14">
       <p:transition spd="slow" p14:dur="2000">
         <p14:ferris dir="l"/>
       </p:transition>
     </mc:Choice>
-    <mc:Fallback>
+    <mc:Fallback xmlns="">
       <p:transition spd="slow">
         <p:fade/>
       </p:transition>
@@ -7766,7 +8007,7 @@
 </p:sld>
 </file>
 
-<file path=ppt/slides/slide17.xml><?xml version="1.0" encoding="utf-8"?>
+<file path=ppt/slides/slide19.xml><?xml version="1.0" encoding="utf-8"?>
 <p:sld xmlns:a="http://schemas.openxmlformats.org/drawingml/2006/main" xmlns:r="http://schemas.openxmlformats.org/officeDocument/2006/relationships" xmlns:p="http://schemas.openxmlformats.org/presentationml/2006/main">
   <p:cSld>
     <p:spTree>
@@ -8197,7 +8438,7 @@
 </p:sld>
 </file>
 
-<file path=ppt/slides/slide18.xml><?xml version="1.0" encoding="utf-8"?>
+<file path=ppt/slides/slide2.xml><?xml version="1.0" encoding="utf-8"?>
 <p:sld xmlns:a="http://schemas.openxmlformats.org/drawingml/2006/main" xmlns:r="http://schemas.openxmlformats.org/officeDocument/2006/relationships" xmlns:p="http://schemas.openxmlformats.org/presentationml/2006/main">
   <p:cSld>
     <p:spTree>
@@ -8229,12 +8470,11 @@
           <a:bodyPr/>
           <a:lstStyle/>
           <a:p>
-            <a:pPr algn="ctr"/>
-            <a:r>
-              <a:rPr lang="en-US" u="sng" dirty="0" smtClean="0"/>
-              <a:t>Conclusion</a:t>
-            </a:r>
-            <a:endParaRPr lang="en-CA" u="sng" dirty="0"/>
+            <a:r>
+              <a:rPr lang="en-US" b="1" dirty="0" smtClean="0"/>
+              <a:t>Welcome To KM3</a:t>
+            </a:r>
+            <a:endParaRPr lang="en-CA" b="1" dirty="0"/>
           </a:p>
         </p:txBody>
       </p:sp>
@@ -8250,48 +8490,48 @@
         </p:nvSpPr>
         <p:spPr/>
         <p:txBody>
-          <a:bodyPr/>
+          <a:bodyPr>
+            <a:normAutofit/>
+          </a:bodyPr>
           <a:lstStyle/>
           <a:p>
             <a:r>
-              <a:rPr lang="en-US" dirty="0" smtClean="0"/>
-              <a:t>Packages are great if you want to save money and get up and running sooner rather than later</a:t>
-            </a:r>
-          </a:p>
-          <a:p>
-            <a:r>
-              <a:rPr lang="en-US" dirty="0" smtClean="0"/>
-              <a:t>Custom-built solutions cost more but will exactly fit your business needs, easier to build on top  of</a:t>
-            </a:r>
-          </a:p>
-          <a:p>
-            <a:r>
-              <a:rPr lang="en-US" dirty="0" smtClean="0"/>
-              <a:t>If you are setting up your own hosting, shared hosting is best. Use a VPS.</a:t>
-            </a:r>
-          </a:p>
-          <a:p>
-            <a:endParaRPr lang="en-US" dirty="0"/>
+              <a:rPr lang="en-US" sz="2800" dirty="0" smtClean="0"/>
+              <a:t>Professional  Software Development Company</a:t>
+            </a:r>
+          </a:p>
+          <a:p>
+            <a:r>
+              <a:rPr lang="en-US" sz="2800" dirty="0" smtClean="0"/>
+              <a:t>Created in Object Oriented Software Development Class</a:t>
+            </a:r>
+          </a:p>
+          <a:p>
+            <a:r>
+              <a:rPr lang="en-US" sz="2800" dirty="0" smtClean="0"/>
+              <a:t>Known for Website Services, such as building websites, providing designs, hosting services, payment options e-commerce, and marketing. </a:t>
+            </a:r>
+            <a:endParaRPr lang="en-CA" sz="2800" dirty="0"/>
           </a:p>
         </p:txBody>
       </p:sp>
     </p:spTree>
     <p:extLst>
       <p:ext uri="{BB962C8B-B14F-4D97-AF65-F5344CB8AC3E}">
-        <p14:creationId xmlns:p14="http://schemas.microsoft.com/office/powerpoint/2010/main" val="452584179"/>
+        <p14:creationId xmlns:p14="http://schemas.microsoft.com/office/powerpoint/2010/main" val="3816474543"/>
       </p:ext>
     </p:extLst>
   </p:cSld>
   <p:clrMapOvr>
     <a:masterClrMapping/>
   </p:clrMapOvr>
-  <mc:AlternateContent xmlns:mc="http://schemas.openxmlformats.org/markup-compatibility/2006">
-    <mc:Choice xmlns:p14="http://schemas.microsoft.com/office/powerpoint/2010/main" Requires="p14">
-      <p:transition spd="slow" p14:dur="1500">
-        <p14:window dir="vert"/>
+  <mc:AlternateContent xmlns:mc="http://schemas.openxmlformats.org/markup-compatibility/2006" xmlns:p15="http://schemas.microsoft.com/office/powerpoint/2012/main">
+    <mc:Choice Requires="p15">
+      <p:transition xmlns:p14="http://schemas.microsoft.com/office/powerpoint/2010/main" spd="slow" p14:dur="2000">
+        <p15:prstTrans prst="drape"/>
       </p:transition>
     </mc:Choice>
-    <mc:Fallback>
+    <mc:Fallback xmlns="">
       <p:transition spd="slow">
         <p:fade/>
       </p:transition>
@@ -8307,7 +8547,7 @@
 </p:sld>
 </file>
 
-<file path=ppt/slides/slide19.xml><?xml version="1.0" encoding="utf-8"?>
+<file path=ppt/slides/slide20.xml><?xml version="1.0" encoding="utf-8"?>
 <p:sld xmlns:a="http://schemas.openxmlformats.org/drawingml/2006/main" xmlns:r="http://schemas.openxmlformats.org/officeDocument/2006/relationships" xmlns:p="http://schemas.openxmlformats.org/presentationml/2006/main">
   <p:cSld>
     <p:spTree>
@@ -8342,11 +8582,117 @@
             <a:pPr algn="ctr"/>
             <a:r>
               <a:rPr lang="en-US" u="sng" dirty="0" smtClean="0"/>
-              <a:t>Want To Know </a:t>
-            </a:r>
+              <a:t>Conclusion</a:t>
+            </a:r>
+            <a:endParaRPr lang="en-CA" u="sng" dirty="0"/>
+          </a:p>
+        </p:txBody>
+      </p:sp>
+      <p:sp>
+        <p:nvSpPr>
+          <p:cNvPr id="3" name="Content Placeholder 2"/>
+          <p:cNvSpPr>
+            <a:spLocks noGrp="1"/>
+          </p:cNvSpPr>
+          <p:nvPr>
+            <p:ph idx="1"/>
+          </p:nvPr>
+        </p:nvSpPr>
+        <p:spPr/>
+        <p:txBody>
+          <a:bodyPr/>
+          <a:lstStyle/>
+          <a:p>
+            <a:r>
+              <a:rPr lang="en-US" dirty="0" smtClean="0"/>
+              <a:t>Packages are great if you want to save money and get up and running sooner rather than later</a:t>
+            </a:r>
+          </a:p>
+          <a:p>
+            <a:r>
+              <a:rPr lang="en-US" dirty="0" smtClean="0"/>
+              <a:t>Custom-built solutions cost more but will exactly fit your business needs, easier to build on top  of</a:t>
+            </a:r>
+          </a:p>
+          <a:p>
+            <a:r>
+              <a:rPr lang="en-US" dirty="0" smtClean="0"/>
+              <a:t>If you are setting up your own hosting, shared hosting is best. Use a VPS.</a:t>
+            </a:r>
+          </a:p>
+          <a:p>
+            <a:endParaRPr lang="en-US" dirty="0"/>
+          </a:p>
+        </p:txBody>
+      </p:sp>
+    </p:spTree>
+    <p:extLst>
+      <p:ext uri="{BB962C8B-B14F-4D97-AF65-F5344CB8AC3E}">
+        <p14:creationId xmlns:p14="http://schemas.microsoft.com/office/powerpoint/2010/main" val="452584179"/>
+      </p:ext>
+    </p:extLst>
+  </p:cSld>
+  <p:clrMapOvr>
+    <a:masterClrMapping/>
+  </p:clrMapOvr>
+  <mc:AlternateContent xmlns:mc="http://schemas.openxmlformats.org/markup-compatibility/2006" xmlns:p14="http://schemas.microsoft.com/office/powerpoint/2010/main">
+    <mc:Choice Requires="p14">
+      <p:transition spd="slow" p14:dur="1500">
+        <p14:window dir="vert"/>
+      </p:transition>
+    </mc:Choice>
+    <mc:Fallback xmlns="">
+      <p:transition spd="slow">
+        <p:fade/>
+      </p:transition>
+    </mc:Fallback>
+  </mc:AlternateContent>
+  <p:timing>
+    <p:tnLst>
+      <p:par>
+        <p:cTn id="1" dur="indefinite" restart="never" nodeType="tmRoot"/>
+      </p:par>
+    </p:tnLst>
+  </p:timing>
+</p:sld>
+</file>
+
+<file path=ppt/slides/slide21.xml><?xml version="1.0" encoding="utf-8"?>
+<p:sld xmlns:a="http://schemas.openxmlformats.org/drawingml/2006/main" xmlns:r="http://schemas.openxmlformats.org/officeDocument/2006/relationships" xmlns:p="http://schemas.openxmlformats.org/presentationml/2006/main">
+  <p:cSld>
+    <p:spTree>
+      <p:nvGrpSpPr>
+        <p:cNvPr id="1" name=""/>
+        <p:cNvGrpSpPr/>
+        <p:nvPr/>
+      </p:nvGrpSpPr>
+      <p:grpSpPr>
+        <a:xfrm>
+          <a:off x="0" y="0"/>
+          <a:ext cx="0" cy="0"/>
+          <a:chOff x="0" y="0"/>
+          <a:chExt cx="0" cy="0"/>
+        </a:xfrm>
+      </p:grpSpPr>
+      <p:sp>
+        <p:nvSpPr>
+          <p:cNvPr id="2" name="Title 1"/>
+          <p:cNvSpPr>
+            <a:spLocks noGrp="1"/>
+          </p:cNvSpPr>
+          <p:nvPr>
+            <p:ph type="title"/>
+          </p:nvPr>
+        </p:nvSpPr>
+        <p:spPr/>
+        <p:txBody>
+          <a:bodyPr/>
+          <a:lstStyle/>
+          <a:p>
+            <a:pPr algn="ctr"/>
             <a:r>
               <a:rPr lang="en-US" u="sng" dirty="0" smtClean="0"/>
-              <a:t>More?</a:t>
+              <a:t>Want To Know More?</a:t>
             </a:r>
             <a:endParaRPr lang="en-CA" u="sng" dirty="0"/>
           </a:p>
@@ -8466,116 +8812,7 @@
 </p:sld>
 </file>
 
-<file path=ppt/slides/slide2.xml><?xml version="1.0" encoding="utf-8"?>
-<p:sld xmlns:a="http://schemas.openxmlformats.org/drawingml/2006/main" xmlns:r="http://schemas.openxmlformats.org/officeDocument/2006/relationships" xmlns:p="http://schemas.openxmlformats.org/presentationml/2006/main">
-  <p:cSld>
-    <p:spTree>
-      <p:nvGrpSpPr>
-        <p:cNvPr id="1" name=""/>
-        <p:cNvGrpSpPr/>
-        <p:nvPr/>
-      </p:nvGrpSpPr>
-      <p:grpSpPr>
-        <a:xfrm>
-          <a:off x="0" y="0"/>
-          <a:ext cx="0" cy="0"/>
-          <a:chOff x="0" y="0"/>
-          <a:chExt cx="0" cy="0"/>
-        </a:xfrm>
-      </p:grpSpPr>
-      <p:sp>
-        <p:nvSpPr>
-          <p:cNvPr id="2" name="Title 1"/>
-          <p:cNvSpPr>
-            <a:spLocks noGrp="1"/>
-          </p:cNvSpPr>
-          <p:nvPr>
-            <p:ph type="title"/>
-          </p:nvPr>
-        </p:nvSpPr>
-        <p:spPr/>
-        <p:txBody>
-          <a:bodyPr/>
-          <a:lstStyle/>
-          <a:p>
-            <a:r>
-              <a:rPr lang="en-US" b="1" dirty="0" smtClean="0"/>
-              <a:t>Welcome To KM3</a:t>
-            </a:r>
-            <a:endParaRPr lang="en-CA" b="1" dirty="0"/>
-          </a:p>
-        </p:txBody>
-      </p:sp>
-      <p:sp>
-        <p:nvSpPr>
-          <p:cNvPr id="3" name="Content Placeholder 2"/>
-          <p:cNvSpPr>
-            <a:spLocks noGrp="1"/>
-          </p:cNvSpPr>
-          <p:nvPr>
-            <p:ph idx="1"/>
-          </p:nvPr>
-        </p:nvSpPr>
-        <p:spPr/>
-        <p:txBody>
-          <a:bodyPr>
-            <a:normAutofit/>
-          </a:bodyPr>
-          <a:lstStyle/>
-          <a:p>
-            <a:r>
-              <a:rPr lang="en-US" sz="2800" dirty="0" smtClean="0"/>
-              <a:t>Professional  Software Development Company</a:t>
-            </a:r>
-          </a:p>
-          <a:p>
-            <a:r>
-              <a:rPr lang="en-US" sz="2800" dirty="0" smtClean="0"/>
-              <a:t>Created in Object Oriented Software Development Class</a:t>
-            </a:r>
-          </a:p>
-          <a:p>
-            <a:r>
-              <a:rPr lang="en-US" sz="2800" dirty="0" smtClean="0"/>
-              <a:t>Known for Website Services, such as building websites, providing designs, hosting services, payment options e-commerce, and marketing. </a:t>
-            </a:r>
-            <a:endParaRPr lang="en-CA" sz="2800" dirty="0"/>
-          </a:p>
-        </p:txBody>
-      </p:sp>
-    </p:spTree>
-    <p:extLst>
-      <p:ext uri="{BB962C8B-B14F-4D97-AF65-F5344CB8AC3E}">
-        <p14:creationId xmlns:p14="http://schemas.microsoft.com/office/powerpoint/2010/main" val="3816474543"/>
-      </p:ext>
-    </p:extLst>
-  </p:cSld>
-  <p:clrMapOvr>
-    <a:masterClrMapping/>
-  </p:clrMapOvr>
-  <mc:AlternateContent xmlns:mc="http://schemas.openxmlformats.org/markup-compatibility/2006" xmlns:p15="http://schemas.microsoft.com/office/powerpoint/2012/main">
-    <mc:Choice Requires="p15">
-      <p:transition xmlns:p14="http://schemas.microsoft.com/office/powerpoint/2010/main" spd="slow" p14:dur="2000">
-        <p15:prstTrans prst="drape"/>
-      </p:transition>
-    </mc:Choice>
-    <mc:Fallback xmlns="">
-      <p:transition spd="slow">
-        <p:fade/>
-      </p:transition>
-    </mc:Fallback>
-  </mc:AlternateContent>
-  <p:timing>
-    <p:tnLst>
-      <p:par>
-        <p:cTn id="1" dur="indefinite" restart="never" nodeType="tmRoot"/>
-      </p:par>
-    </p:tnLst>
-  </p:timing>
-</p:sld>
-</file>
-
-<file path=ppt/slides/slide20.xml><?xml version="1.0" encoding="utf-8"?>
+<file path=ppt/slides/slide22.xml><?xml version="1.0" encoding="utf-8"?>
 <p:sld xmlns:a="http://schemas.openxmlformats.org/drawingml/2006/main" xmlns:r="http://schemas.openxmlformats.org/officeDocument/2006/relationships" xmlns:p="http://schemas.openxmlformats.org/presentationml/2006/main">
   <p:cSld>
     <p:spTree>
@@ -8903,9 +9140,23 @@
             <a:br>
               <a:rPr lang="en-CA" dirty="0"/>
             </a:br>
+            <a:endParaRPr lang="en-CA" dirty="0" smtClean="0"/>
+          </a:p>
+          <a:p>
+            <a:pPr marL="0" indent="0">
+              <a:buNone/>
+            </a:pPr>
             <a:r>
               <a:rPr lang="en-CA" dirty="0"/>
-              <a:t>Two important details</a:t>
+              <a:t>I</a:t>
+            </a:r>
+            <a:r>
+              <a:rPr lang="en-CA" dirty="0" smtClean="0"/>
+              <a:t>mportant </a:t>
+            </a:r>
+            <a:r>
+              <a:rPr lang="en-CA" dirty="0"/>
+              <a:t>details</a:t>
             </a:r>
             <a:endParaRPr lang="en-US" dirty="0"/>
           </a:p>
@@ -8916,29 +9167,74 @@
             </a:r>
             <a:r>
               <a:rPr lang="en-CA" dirty="0" smtClean="0"/>
-              <a:t>Availability</a:t>
-            </a:r>
+              <a:t>Availability – Website is </a:t>
+            </a:r>
+            <a:r>
+              <a:rPr lang="en-US" dirty="0" smtClean="0"/>
+              <a:t>publicly </a:t>
+            </a:r>
+            <a:r>
+              <a:rPr lang="en-US" dirty="0" smtClean="0"/>
+              <a:t>reachable</a:t>
+            </a:r>
+            <a:r>
+              <a:rPr lang="en-US" dirty="0"/>
+              <a:t> </a:t>
+            </a:r>
+            <a:endParaRPr lang="en-CA" dirty="0" smtClean="0"/>
           </a:p>
           <a:p>
             <a:r>
               <a:rPr lang="en-CA" dirty="0"/>
-              <a:t>  </a:t>
+              <a:t> </a:t>
             </a:r>
             <a:r>
               <a:rPr lang="en-CA" dirty="0" smtClean="0"/>
               <a:t>Uptime</a:t>
             </a:r>
-          </a:p>
-          <a:p>
+            <a:r>
+              <a:rPr lang="en-CA" dirty="0"/>
+              <a:t> </a:t>
+            </a:r>
             <a:r>
               <a:rPr lang="en-CA" dirty="0" smtClean="0"/>
-              <a:t> Downtime</a:t>
-            </a:r>
-          </a:p>
-          <a:p>
+              <a:t>vs Downtime - </a:t>
+            </a:r>
+            <a:r>
+              <a:rPr lang="en-US" dirty="0" smtClean="0"/>
+              <a:t>S</a:t>
+            </a:r>
+            <a:r>
+              <a:rPr lang="en-US" dirty="0" smtClean="0"/>
+              <a:t>ystem </a:t>
+            </a:r>
+            <a:r>
+              <a:rPr lang="en-US" dirty="0"/>
+              <a:t>itself being online</a:t>
+            </a:r>
+            <a:endParaRPr lang="en-CA" dirty="0" smtClean="0"/>
+          </a:p>
+          <a:p>
+            <a:pPr marL="0" indent="0">
+              <a:buNone/>
+            </a:pPr>
+            <a:endParaRPr lang="en-CA" dirty="0"/>
+          </a:p>
+          <a:p>
+            <a:pPr marL="0" indent="0">
+              <a:buNone/>
+            </a:pPr>
+            <a:r>
+              <a:rPr lang="en-CA" dirty="0" smtClean="0"/>
+              <a:t>SLA </a:t>
+            </a:r>
             <a:r>
               <a:rPr lang="en-CA" dirty="0"/>
-              <a:t>  SLA</a:t>
+              <a:t>(</a:t>
+            </a:r>
+            <a:r>
+              <a:rPr lang="en-CA" dirty="0" smtClean="0"/>
+              <a:t>Service Level Agreement) or the Terms of Service</a:t>
             </a:r>
             <a:endParaRPr lang="en-CA" dirty="0" smtClean="0"/>
           </a:p>
@@ -9035,7 +9331,7 @@
         </p:nvSpPr>
         <p:spPr>
           <a:xfrm>
-            <a:off x="1251103" y="2302301"/>
+            <a:off x="1251103" y="2126814"/>
             <a:ext cx="9841777" cy="4504899"/>
           </a:xfrm>
         </p:spPr>
@@ -9046,115 +9342,265 @@
           <a:lstStyle/>
           <a:p>
             <a:r>
-              <a:rPr lang="en-CA" dirty="0"/>
-              <a:t> </a:t>
-            </a:r>
-            <a:r>
-              <a:rPr lang="en-CA" dirty="0" smtClean="0"/>
+              <a:rPr lang="en-CA" dirty="0" smtClean="0">
+                <a:solidFill>
+                  <a:schemeClr val="tx1">
+                    <a:lumMod val="85000"/>
+                  </a:schemeClr>
+                </a:solidFill>
+              </a:rPr>
               <a:t>Free </a:t>
             </a:r>
             <a:r>
-              <a:rPr lang="en-CA" dirty="0"/>
+              <a:rPr lang="en-CA" dirty="0">
+                <a:solidFill>
+                  <a:schemeClr val="tx1">
+                    <a:lumMod val="85000"/>
+                  </a:schemeClr>
+                </a:solidFill>
+              </a:rPr>
               <a:t>web hosting </a:t>
             </a:r>
             <a:r>
-              <a:rPr lang="en-CA" dirty="0" smtClean="0"/>
+              <a:rPr lang="en-CA" dirty="0" smtClean="0">
+                <a:solidFill>
+                  <a:schemeClr val="tx1">
+                    <a:lumMod val="85000"/>
+                  </a:schemeClr>
+                </a:solidFill>
+              </a:rPr>
               <a:t>service</a:t>
             </a:r>
           </a:p>
           <a:p>
             <a:r>
-              <a:rPr lang="en-CA" dirty="0"/>
-              <a:t> Shared web hosting </a:t>
-            </a:r>
-            <a:r>
-              <a:rPr lang="en-CA" dirty="0" smtClean="0"/>
+              <a:rPr lang="en-CA" b="1" dirty="0" smtClean="0"/>
+              <a:t>Shared </a:t>
+            </a:r>
+            <a:r>
+              <a:rPr lang="en-CA" b="1" dirty="0"/>
+              <a:t>web hosting </a:t>
+            </a:r>
+            <a:r>
+              <a:rPr lang="en-CA" b="1" dirty="0" smtClean="0"/>
               <a:t>service</a:t>
             </a:r>
           </a:p>
           <a:p>
             <a:r>
-              <a:rPr lang="en-CA" dirty="0"/>
-              <a:t> Reseller web </a:t>
-            </a:r>
-            <a:r>
-              <a:rPr lang="en-CA" dirty="0" smtClean="0"/>
+              <a:rPr lang="en-CA" dirty="0" smtClean="0">
+                <a:solidFill>
+                  <a:schemeClr val="tx1">
+                    <a:lumMod val="85000"/>
+                  </a:schemeClr>
+                </a:solidFill>
+              </a:rPr>
+              <a:t>Reseller </a:t>
+            </a:r>
+            <a:r>
+              <a:rPr lang="en-CA" dirty="0">
+                <a:solidFill>
+                  <a:schemeClr val="tx1">
+                    <a:lumMod val="85000"/>
+                  </a:schemeClr>
+                </a:solidFill>
+              </a:rPr>
+              <a:t>web </a:t>
+            </a:r>
+            <a:r>
+              <a:rPr lang="en-CA" dirty="0" smtClean="0">
+                <a:solidFill>
+                  <a:schemeClr val="tx1">
+                    <a:lumMod val="85000"/>
+                  </a:schemeClr>
+                </a:solidFill>
+              </a:rPr>
               <a:t>hosting</a:t>
             </a:r>
           </a:p>
           <a:p>
             <a:r>
-              <a:rPr lang="en-CA" dirty="0"/>
-              <a:t> Virtual Dedicated </a:t>
-            </a:r>
-            <a:r>
-              <a:rPr lang="en-CA" dirty="0" smtClean="0"/>
+              <a:rPr lang="en-CA" dirty="0" smtClean="0">
+                <a:solidFill>
+                  <a:schemeClr val="tx1">
+                    <a:lumMod val="85000"/>
+                  </a:schemeClr>
+                </a:solidFill>
+              </a:rPr>
+              <a:t>Virtual </a:t>
+            </a:r>
+            <a:r>
+              <a:rPr lang="en-CA" dirty="0">
+                <a:solidFill>
+                  <a:schemeClr val="tx1">
+                    <a:lumMod val="85000"/>
+                  </a:schemeClr>
+                </a:solidFill>
+              </a:rPr>
+              <a:t>Dedicated </a:t>
+            </a:r>
+            <a:r>
+              <a:rPr lang="en-CA" dirty="0" smtClean="0">
+                <a:solidFill>
+                  <a:schemeClr val="tx1">
+                    <a:lumMod val="85000"/>
+                  </a:schemeClr>
+                </a:solidFill>
+              </a:rPr>
               <a:t>Server</a:t>
             </a:r>
           </a:p>
           <a:p>
             <a:r>
-              <a:rPr lang="en-CA" dirty="0" smtClean="0"/>
+              <a:rPr lang="en-CA" dirty="0" smtClean="0">
+                <a:solidFill>
+                  <a:schemeClr val="tx1">
+                    <a:lumMod val="85000"/>
+                  </a:schemeClr>
+                </a:solidFill>
+              </a:rPr>
               <a:t>Dedicated </a:t>
             </a:r>
             <a:r>
-              <a:rPr lang="en-CA" dirty="0"/>
+              <a:rPr lang="en-CA" dirty="0">
+                <a:solidFill>
+                  <a:schemeClr val="tx1">
+                    <a:lumMod val="85000"/>
+                  </a:schemeClr>
+                </a:solidFill>
+              </a:rPr>
               <a:t>hosting </a:t>
             </a:r>
             <a:r>
-              <a:rPr lang="en-CA" dirty="0" smtClean="0"/>
+              <a:rPr lang="en-CA" dirty="0" smtClean="0">
+                <a:solidFill>
+                  <a:schemeClr val="tx1">
+                    <a:lumMod val="85000"/>
+                  </a:schemeClr>
+                </a:solidFill>
+              </a:rPr>
               <a:t>service</a:t>
             </a:r>
           </a:p>
           <a:p>
             <a:r>
-              <a:rPr lang="en-CA" dirty="0"/>
-              <a:t> Managed hosting </a:t>
-            </a:r>
-            <a:r>
-              <a:rPr lang="en-CA" dirty="0" smtClean="0"/>
+              <a:rPr lang="en-CA" dirty="0" smtClean="0">
+                <a:solidFill>
+                  <a:schemeClr val="tx1">
+                    <a:lumMod val="85000"/>
+                  </a:schemeClr>
+                </a:solidFill>
+              </a:rPr>
+              <a:t>Managed </a:t>
+            </a:r>
+            <a:r>
+              <a:rPr lang="en-CA" dirty="0">
+                <a:solidFill>
+                  <a:schemeClr val="tx1">
+                    <a:lumMod val="85000"/>
+                  </a:schemeClr>
+                </a:solidFill>
+              </a:rPr>
+              <a:t>hosting </a:t>
+            </a:r>
+            <a:r>
+              <a:rPr lang="en-CA" dirty="0" smtClean="0">
+                <a:solidFill>
+                  <a:schemeClr val="tx1">
+                    <a:lumMod val="85000"/>
+                  </a:schemeClr>
+                </a:solidFill>
+              </a:rPr>
               <a:t>service</a:t>
             </a:r>
           </a:p>
           <a:p>
             <a:r>
-              <a:rPr lang="en-CA" dirty="0" smtClean="0"/>
+              <a:rPr lang="en-CA" dirty="0" smtClean="0">
+                <a:solidFill>
+                  <a:schemeClr val="tx1">
+                    <a:lumMod val="85000"/>
+                  </a:schemeClr>
+                </a:solidFill>
+              </a:rPr>
               <a:t>Colocation </a:t>
             </a:r>
             <a:r>
-              <a:rPr lang="en-CA" dirty="0"/>
+              <a:rPr lang="en-CA" dirty="0">
+                <a:solidFill>
+                  <a:schemeClr val="tx1">
+                    <a:lumMod val="85000"/>
+                  </a:schemeClr>
+                </a:solidFill>
+              </a:rPr>
               <a:t>web hosting </a:t>
             </a:r>
             <a:r>
-              <a:rPr lang="en-CA" dirty="0" smtClean="0"/>
+              <a:rPr lang="en-CA" dirty="0" smtClean="0">
+                <a:solidFill>
+                  <a:schemeClr val="tx1">
+                    <a:lumMod val="85000"/>
+                  </a:schemeClr>
+                </a:solidFill>
+              </a:rPr>
               <a:t>service</a:t>
             </a:r>
           </a:p>
           <a:p>
             <a:r>
-              <a:rPr lang="en-CA" dirty="0" smtClean="0"/>
+              <a:rPr lang="en-CA" dirty="0" smtClean="0">
+                <a:solidFill>
+                  <a:schemeClr val="tx1">
+                    <a:lumMod val="85000"/>
+                  </a:schemeClr>
+                </a:solidFill>
+              </a:rPr>
               <a:t>Cloud hosting</a:t>
             </a:r>
           </a:p>
           <a:p>
             <a:r>
-              <a:rPr lang="en-CA" dirty="0" smtClean="0"/>
+              <a:rPr lang="en-CA" dirty="0" smtClean="0">
+                <a:solidFill>
+                  <a:schemeClr val="tx1">
+                    <a:lumMod val="85000"/>
+                  </a:schemeClr>
+                </a:solidFill>
+              </a:rPr>
               <a:t>Clustered hosting</a:t>
             </a:r>
           </a:p>
           <a:p>
             <a:r>
-              <a:rPr lang="en-CA" dirty="0" smtClean="0"/>
+              <a:rPr lang="en-CA" dirty="0" smtClean="0">
+                <a:solidFill>
+                  <a:schemeClr val="tx1">
+                    <a:lumMod val="85000"/>
+                  </a:schemeClr>
+                </a:solidFill>
+              </a:rPr>
               <a:t>Grid hosting</a:t>
             </a:r>
           </a:p>
           <a:p>
             <a:r>
-              <a:rPr lang="en-CA" dirty="0" smtClean="0"/>
+              <a:rPr lang="en-CA" dirty="0" smtClean="0">
+                <a:solidFill>
+                  <a:schemeClr val="tx1">
+                    <a:lumMod val="85000"/>
+                  </a:schemeClr>
+                </a:solidFill>
+              </a:rPr>
               <a:t>Home </a:t>
             </a:r>
             <a:r>
-              <a:rPr lang="en-CA" dirty="0"/>
+              <a:rPr lang="en-CA" dirty="0">
+                <a:solidFill>
+                  <a:schemeClr val="tx1">
+                    <a:lumMod val="85000"/>
+                  </a:schemeClr>
+                </a:solidFill>
+              </a:rPr>
               <a:t>server</a:t>
             </a:r>
           </a:p>
@@ -9188,6 +9634,36 @@
           </a:p>
         </p:txBody>
       </p:sp>
+      <p:pic>
+        <p:nvPicPr>
+          <p:cNvPr id="5" name="Picture 4"/>
+          <p:cNvPicPr>
+            <a:picLocks noChangeAspect="1"/>
+          </p:cNvPicPr>
+          <p:nvPr/>
+        </p:nvPicPr>
+        <p:blipFill>
+          <a:blip r:embed="rId2">
+            <a:extLst>
+              <a:ext uri="{28A0092B-C50C-407E-A947-70E740481C1C}">
+                <a14:useLocalDpi xmlns:a14="http://schemas.microsoft.com/office/drawing/2010/main" val="0"/>
+              </a:ext>
+            </a:extLst>
+          </a:blip>
+          <a:stretch>
+            <a:fillRect/>
+          </a:stretch>
+        </p:blipFill>
+        <p:spPr>
+          <a:xfrm>
+            <a:off x="6422183" y="2783248"/>
+            <a:ext cx="4956728" cy="3192029"/>
+          </a:xfrm>
+          <a:prstGeom prst="rect">
+            <a:avLst/>
+          </a:prstGeom>
+        </p:spPr>
+      </p:pic>
     </p:spTree>
     <p:extLst>
       <p:ext uri="{BB962C8B-B14F-4D97-AF65-F5344CB8AC3E}">
@@ -9230,28 +9706,503 @@
       </p:grpSpPr>
       <p:sp>
         <p:nvSpPr>
-          <p:cNvPr id="2" name="Title 1"/>
-          <p:cNvSpPr>
-            <a:spLocks noGrp="1"/>
-          </p:cNvSpPr>
-          <p:nvPr>
-            <p:ph type="title"/>
-          </p:nvPr>
+          <p:cNvPr id="8" name="Rectangle 7"/>
+          <p:cNvSpPr/>
+          <p:nvPr/>
         </p:nvSpPr>
         <p:spPr>
           <a:xfrm>
-            <a:off x="646111" y="18619"/>
-            <a:ext cx="9404723" cy="1400530"/>
+            <a:off x="6422183" y="2783248"/>
+            <a:ext cx="4956728" cy="3192029"/>
+          </a:xfrm>
+          <a:prstGeom prst="rect">
+            <a:avLst/>
+          </a:prstGeom>
+          <a:solidFill>
+            <a:schemeClr val="tx1"/>
+          </a:solidFill>
+          <a:ln>
+            <a:solidFill>
+              <a:schemeClr val="tx1"/>
+            </a:solidFill>
+          </a:ln>
+        </p:spPr>
+        <p:style>
+          <a:lnRef idx="2">
+            <a:schemeClr val="accent1">
+              <a:shade val="50000"/>
+            </a:schemeClr>
+          </a:lnRef>
+          <a:fillRef idx="1">
+            <a:schemeClr val="accent1"/>
+          </a:fillRef>
+          <a:effectRef idx="0">
+            <a:schemeClr val="accent1"/>
+          </a:effectRef>
+          <a:fontRef idx="minor">
+            <a:schemeClr val="lt1"/>
+          </a:fontRef>
+        </p:style>
+        <p:txBody>
+          <a:bodyPr rtlCol="0" anchor="ctr"/>
+          <a:lstStyle/>
+          <a:p>
+            <a:pPr algn="ctr"/>
+            <a:endParaRPr lang="en-US"/>
+          </a:p>
+        </p:txBody>
+      </p:sp>
+      <p:sp>
+        <p:nvSpPr>
+          <p:cNvPr id="2" name="Title 1"/>
+          <p:cNvSpPr>
+            <a:spLocks noGrp="1"/>
+          </p:cNvSpPr>
+          <p:nvPr>
+            <p:ph type="title"/>
+          </p:nvPr>
+        </p:nvSpPr>
+        <p:spPr/>
+        <p:txBody>
+          <a:bodyPr/>
+          <a:lstStyle/>
+          <a:p>
+            <a:pPr algn="ctr"/>
+            <a:r>
+              <a:rPr lang="en-US" u="sng" dirty="0" smtClean="0"/>
+              <a:t>Hosting Services Continued</a:t>
+            </a:r>
+            <a:endParaRPr lang="en-CA" u="sng" dirty="0"/>
+          </a:p>
+        </p:txBody>
+      </p:sp>
+      <p:sp>
+        <p:nvSpPr>
+          <p:cNvPr id="3" name="Content Placeholder 2"/>
+          <p:cNvSpPr>
+            <a:spLocks noGrp="1"/>
+          </p:cNvSpPr>
+          <p:nvPr>
+            <p:ph idx="1"/>
+          </p:nvPr>
+        </p:nvSpPr>
+        <p:spPr>
+          <a:xfrm>
+            <a:off x="1251103" y="2126814"/>
+            <a:ext cx="9841777" cy="4504899"/>
           </a:xfrm>
         </p:spPr>
         <p:txBody>
+          <a:bodyPr>
+            <a:normAutofit lnSpcReduction="10000"/>
+          </a:bodyPr>
+          <a:lstStyle/>
+          <a:p>
+            <a:r>
+              <a:rPr lang="en-CA" dirty="0" smtClean="0">
+                <a:solidFill>
+                  <a:schemeClr val="tx1">
+                    <a:lumMod val="85000"/>
+                  </a:schemeClr>
+                </a:solidFill>
+              </a:rPr>
+              <a:t>Free </a:t>
+            </a:r>
+            <a:r>
+              <a:rPr lang="en-CA" dirty="0">
+                <a:solidFill>
+                  <a:schemeClr val="tx1">
+                    <a:lumMod val="85000"/>
+                  </a:schemeClr>
+                </a:solidFill>
+              </a:rPr>
+              <a:t>web hosting </a:t>
+            </a:r>
+            <a:r>
+              <a:rPr lang="en-CA" dirty="0" smtClean="0">
+                <a:solidFill>
+                  <a:schemeClr val="tx1">
+                    <a:lumMod val="85000"/>
+                  </a:schemeClr>
+                </a:solidFill>
+              </a:rPr>
+              <a:t>service</a:t>
+            </a:r>
+          </a:p>
+          <a:p>
+            <a:r>
+              <a:rPr lang="en-CA" dirty="0" smtClean="0">
+                <a:solidFill>
+                  <a:schemeClr val="tx1">
+                    <a:lumMod val="85000"/>
+                  </a:schemeClr>
+                </a:solidFill>
+              </a:rPr>
+              <a:t>Shared </a:t>
+            </a:r>
+            <a:r>
+              <a:rPr lang="en-CA" dirty="0">
+                <a:solidFill>
+                  <a:schemeClr val="tx1">
+                    <a:lumMod val="85000"/>
+                  </a:schemeClr>
+                </a:solidFill>
+              </a:rPr>
+              <a:t>web hosting </a:t>
+            </a:r>
+            <a:r>
+              <a:rPr lang="en-CA" dirty="0" smtClean="0">
+                <a:solidFill>
+                  <a:schemeClr val="tx1">
+                    <a:lumMod val="85000"/>
+                  </a:schemeClr>
+                </a:solidFill>
+              </a:rPr>
+              <a:t>service</a:t>
+            </a:r>
+          </a:p>
+          <a:p>
+            <a:r>
+              <a:rPr lang="en-CA" dirty="0" smtClean="0">
+                <a:solidFill>
+                  <a:schemeClr val="tx1">
+                    <a:lumMod val="85000"/>
+                  </a:schemeClr>
+                </a:solidFill>
+              </a:rPr>
+              <a:t>Reseller </a:t>
+            </a:r>
+            <a:r>
+              <a:rPr lang="en-CA" dirty="0">
+                <a:solidFill>
+                  <a:schemeClr val="tx1">
+                    <a:lumMod val="85000"/>
+                  </a:schemeClr>
+                </a:solidFill>
+              </a:rPr>
+              <a:t>web </a:t>
+            </a:r>
+            <a:r>
+              <a:rPr lang="en-CA" dirty="0" smtClean="0">
+                <a:solidFill>
+                  <a:schemeClr val="tx1">
+                    <a:lumMod val="85000"/>
+                  </a:schemeClr>
+                </a:solidFill>
+              </a:rPr>
+              <a:t>hosting</a:t>
+            </a:r>
+          </a:p>
+          <a:p>
+            <a:r>
+              <a:rPr lang="en-CA" b="1" dirty="0" smtClean="0"/>
+              <a:t>Virtual Private Server</a:t>
+            </a:r>
+            <a:endParaRPr lang="en-CA" b="1" dirty="0" smtClean="0"/>
+          </a:p>
+          <a:p>
+            <a:r>
+              <a:rPr lang="en-CA" dirty="0" smtClean="0">
+                <a:solidFill>
+                  <a:schemeClr val="tx1">
+                    <a:lumMod val="85000"/>
+                  </a:schemeClr>
+                </a:solidFill>
+              </a:rPr>
+              <a:t>Dedicated </a:t>
+            </a:r>
+            <a:r>
+              <a:rPr lang="en-CA" dirty="0">
+                <a:solidFill>
+                  <a:schemeClr val="tx1">
+                    <a:lumMod val="85000"/>
+                  </a:schemeClr>
+                </a:solidFill>
+              </a:rPr>
+              <a:t>hosting </a:t>
+            </a:r>
+            <a:r>
+              <a:rPr lang="en-CA" dirty="0" smtClean="0">
+                <a:solidFill>
+                  <a:schemeClr val="tx1">
+                    <a:lumMod val="85000"/>
+                  </a:schemeClr>
+                </a:solidFill>
+              </a:rPr>
+              <a:t>service</a:t>
+            </a:r>
+          </a:p>
+          <a:p>
+            <a:r>
+              <a:rPr lang="en-CA" dirty="0" smtClean="0">
+                <a:solidFill>
+                  <a:schemeClr val="tx1">
+                    <a:lumMod val="85000"/>
+                  </a:schemeClr>
+                </a:solidFill>
+              </a:rPr>
+              <a:t>Managed </a:t>
+            </a:r>
+            <a:r>
+              <a:rPr lang="en-CA" dirty="0">
+                <a:solidFill>
+                  <a:schemeClr val="tx1">
+                    <a:lumMod val="85000"/>
+                  </a:schemeClr>
+                </a:solidFill>
+              </a:rPr>
+              <a:t>hosting </a:t>
+            </a:r>
+            <a:r>
+              <a:rPr lang="en-CA" dirty="0" smtClean="0">
+                <a:solidFill>
+                  <a:schemeClr val="tx1">
+                    <a:lumMod val="85000"/>
+                  </a:schemeClr>
+                </a:solidFill>
+              </a:rPr>
+              <a:t>service</a:t>
+            </a:r>
+          </a:p>
+          <a:p>
+            <a:r>
+              <a:rPr lang="en-CA" dirty="0" smtClean="0">
+                <a:solidFill>
+                  <a:schemeClr val="tx1">
+                    <a:lumMod val="85000"/>
+                  </a:schemeClr>
+                </a:solidFill>
+              </a:rPr>
+              <a:t>Colocation </a:t>
+            </a:r>
+            <a:r>
+              <a:rPr lang="en-CA" dirty="0">
+                <a:solidFill>
+                  <a:schemeClr val="tx1">
+                    <a:lumMod val="85000"/>
+                  </a:schemeClr>
+                </a:solidFill>
+              </a:rPr>
+              <a:t>web hosting </a:t>
+            </a:r>
+            <a:r>
+              <a:rPr lang="en-CA" dirty="0" smtClean="0">
+                <a:solidFill>
+                  <a:schemeClr val="tx1">
+                    <a:lumMod val="85000"/>
+                  </a:schemeClr>
+                </a:solidFill>
+              </a:rPr>
+              <a:t>service</a:t>
+            </a:r>
+          </a:p>
+          <a:p>
+            <a:r>
+              <a:rPr lang="en-CA" dirty="0" smtClean="0">
+                <a:solidFill>
+                  <a:schemeClr val="tx1">
+                    <a:lumMod val="85000"/>
+                  </a:schemeClr>
+                </a:solidFill>
+              </a:rPr>
+              <a:t>Cloud hosting</a:t>
+            </a:r>
+          </a:p>
+          <a:p>
+            <a:r>
+              <a:rPr lang="en-CA" dirty="0" smtClean="0">
+                <a:solidFill>
+                  <a:schemeClr val="tx1">
+                    <a:lumMod val="85000"/>
+                  </a:schemeClr>
+                </a:solidFill>
+              </a:rPr>
+              <a:t>Clustered hosting</a:t>
+            </a:r>
+          </a:p>
+          <a:p>
+            <a:r>
+              <a:rPr lang="en-CA" dirty="0" smtClean="0">
+                <a:solidFill>
+                  <a:schemeClr val="tx1">
+                    <a:lumMod val="85000"/>
+                  </a:schemeClr>
+                </a:solidFill>
+              </a:rPr>
+              <a:t>Grid hosting</a:t>
+            </a:r>
+          </a:p>
+          <a:p>
+            <a:r>
+              <a:rPr lang="en-CA" dirty="0" smtClean="0">
+                <a:solidFill>
+                  <a:schemeClr val="tx1">
+                    <a:lumMod val="85000"/>
+                  </a:schemeClr>
+                </a:solidFill>
+              </a:rPr>
+              <a:t>Home </a:t>
+            </a:r>
+            <a:r>
+              <a:rPr lang="en-CA" dirty="0">
+                <a:solidFill>
+                  <a:schemeClr val="tx1">
+                    <a:lumMod val="85000"/>
+                  </a:schemeClr>
+                </a:solidFill>
+              </a:rPr>
+              <a:t>server</a:t>
+            </a:r>
+          </a:p>
+        </p:txBody>
+      </p:sp>
+      <p:sp>
+        <p:nvSpPr>
+          <p:cNvPr id="4" name="Rectangle 3"/>
+          <p:cNvSpPr/>
+          <p:nvPr/>
+        </p:nvSpPr>
+        <p:spPr>
+          <a:xfrm>
+            <a:off x="1162861" y="1539332"/>
+            <a:ext cx="4644220" cy="461665"/>
+          </a:xfrm>
+          <a:prstGeom prst="rect">
+            <a:avLst/>
+          </a:prstGeom>
+        </p:spPr>
+        <p:txBody>
+          <a:bodyPr wrap="none">
+            <a:spAutoFit/>
+          </a:bodyPr>
+          <a:lstStyle/>
+          <a:p>
+            <a:r>
+              <a:rPr lang="en-CA" sz="2400" u="sng" dirty="0"/>
+              <a:t>Types of Web Hosting Services</a:t>
+            </a:r>
+          </a:p>
+        </p:txBody>
+      </p:sp>
+      <p:pic>
+        <p:nvPicPr>
+          <p:cNvPr id="7" name="Picture 6"/>
+          <p:cNvPicPr>
+            <a:picLocks noChangeAspect="1"/>
+          </p:cNvPicPr>
+          <p:nvPr/>
+        </p:nvPicPr>
+        <p:blipFill>
+          <a:blip r:embed="rId2">
+            <a:extLst>
+              <a:ext uri="{28A0092B-C50C-407E-A947-70E740481C1C}">
+                <a14:useLocalDpi xmlns:a14="http://schemas.microsoft.com/office/drawing/2010/main" val="0"/>
+              </a:ext>
+            </a:extLst>
+          </a:blip>
+          <a:stretch>
+            <a:fillRect/>
+          </a:stretch>
+        </p:blipFill>
+        <p:spPr>
+          <a:xfrm>
+            <a:off x="6678805" y="3045824"/>
+            <a:ext cx="4431614" cy="2606832"/>
+          </a:xfrm>
+          <a:prstGeom prst="rect">
+            <a:avLst/>
+          </a:prstGeom>
+        </p:spPr>
+      </p:pic>
+    </p:spTree>
+    <p:extLst>
+      <p:ext uri="{BB962C8B-B14F-4D97-AF65-F5344CB8AC3E}">
+        <p14:creationId xmlns:p14="http://schemas.microsoft.com/office/powerpoint/2010/main" val="2398803187"/>
+      </p:ext>
+    </p:extLst>
+  </p:cSld>
+  <p:clrMapOvr>
+    <a:masterClrMapping/>
+  </p:clrMapOvr>
+  <p:transition spd="med">
+    <p:pull/>
+  </p:transition>
+  <p:timing>
+    <p:tnLst>
+      <p:par>
+        <p:cTn id="1" dur="indefinite" restart="never" nodeType="tmRoot"/>
+      </p:par>
+    </p:tnLst>
+  </p:timing>
+</p:sld>
+</file>
+
+<file path=ppt/slides/slide7.xml><?xml version="1.0" encoding="utf-8"?>
+<p:sld xmlns:a="http://schemas.openxmlformats.org/drawingml/2006/main" xmlns:r="http://schemas.openxmlformats.org/officeDocument/2006/relationships" xmlns:p="http://schemas.openxmlformats.org/presentationml/2006/main">
+  <p:cSld>
+    <p:spTree>
+      <p:nvGrpSpPr>
+        <p:cNvPr id="1" name=""/>
+        <p:cNvGrpSpPr/>
+        <p:nvPr/>
+      </p:nvGrpSpPr>
+      <p:grpSpPr>
+        <a:xfrm>
+          <a:off x="0" y="0"/>
+          <a:ext cx="0" cy="0"/>
+          <a:chOff x="0" y="0"/>
+          <a:chExt cx="0" cy="0"/>
+        </a:xfrm>
+      </p:grpSpPr>
+      <p:pic>
+        <p:nvPicPr>
+          <p:cNvPr id="5" name="Picture 4"/>
+          <p:cNvPicPr>
+            <a:picLocks noChangeAspect="1"/>
+          </p:cNvPicPr>
+          <p:nvPr/>
+        </p:nvPicPr>
+        <p:blipFill>
+          <a:blip r:embed="rId2">
+            <a:extLst>
+              <a:ext uri="{28A0092B-C50C-407E-A947-70E740481C1C}">
+                <a14:useLocalDpi xmlns:a14="http://schemas.microsoft.com/office/drawing/2010/main" val="0"/>
+              </a:ext>
+            </a:extLst>
+          </a:blip>
+          <a:stretch>
+            <a:fillRect/>
+          </a:stretch>
+        </p:blipFill>
+        <p:spPr>
+          <a:xfrm>
+            <a:off x="6425629" y="2783247"/>
+            <a:ext cx="4953281" cy="3192029"/>
+          </a:xfrm>
+          <a:prstGeom prst="rect">
+            <a:avLst/>
+          </a:prstGeom>
+        </p:spPr>
+      </p:pic>
+      <p:sp>
+        <p:nvSpPr>
+          <p:cNvPr id="2" name="Title 1"/>
+          <p:cNvSpPr>
+            <a:spLocks noGrp="1"/>
+          </p:cNvSpPr>
+          <p:nvPr>
+            <p:ph type="title"/>
+          </p:nvPr>
+        </p:nvSpPr>
+        <p:spPr/>
+        <p:txBody>
           <a:bodyPr/>
           <a:lstStyle/>
           <a:p>
             <a:pPr algn="ctr"/>
             <a:r>
               <a:rPr lang="en-US" u="sng" dirty="0" smtClean="0"/>
-              <a:t>KM3 Recommendations</a:t>
+              <a:t>Hosting Services Continued</a:t>
             </a:r>
             <a:endParaRPr lang="en-CA" u="sng" dirty="0"/>
           </a:p>
@@ -9269,22 +10220,403 @@
         </p:nvSpPr>
         <p:spPr>
           <a:xfrm>
-            <a:off x="0" y="1315831"/>
-            <a:ext cx="6341190" cy="5472896"/>
+            <a:off x="1251103" y="2126814"/>
+            <a:ext cx="9841777" cy="4504899"/>
           </a:xfrm>
         </p:spPr>
         <p:txBody>
           <a:bodyPr>
-            <a:normAutofit/>
+            <a:normAutofit lnSpcReduction="10000"/>
           </a:bodyPr>
           <a:lstStyle/>
           <a:p>
+            <a:r>
+              <a:rPr lang="en-CA" dirty="0" smtClean="0">
+                <a:solidFill>
+                  <a:schemeClr val="tx1">
+                    <a:lumMod val="85000"/>
+                  </a:schemeClr>
+                </a:solidFill>
+              </a:rPr>
+              <a:t>Free </a:t>
+            </a:r>
+            <a:r>
+              <a:rPr lang="en-CA" dirty="0">
+                <a:solidFill>
+                  <a:schemeClr val="tx1">
+                    <a:lumMod val="85000"/>
+                  </a:schemeClr>
+                </a:solidFill>
+              </a:rPr>
+              <a:t>web hosting </a:t>
+            </a:r>
+            <a:r>
+              <a:rPr lang="en-CA" dirty="0" smtClean="0">
+                <a:solidFill>
+                  <a:schemeClr val="tx1">
+                    <a:lumMod val="85000"/>
+                  </a:schemeClr>
+                </a:solidFill>
+              </a:rPr>
+              <a:t>service</a:t>
+            </a:r>
+          </a:p>
+          <a:p>
+            <a:r>
+              <a:rPr lang="en-CA" dirty="0" smtClean="0">
+                <a:solidFill>
+                  <a:schemeClr val="tx1">
+                    <a:lumMod val="85000"/>
+                  </a:schemeClr>
+                </a:solidFill>
+              </a:rPr>
+              <a:t>Shared </a:t>
+            </a:r>
+            <a:r>
+              <a:rPr lang="en-CA" dirty="0">
+                <a:solidFill>
+                  <a:schemeClr val="tx1">
+                    <a:lumMod val="85000"/>
+                  </a:schemeClr>
+                </a:solidFill>
+              </a:rPr>
+              <a:t>web hosting </a:t>
+            </a:r>
+            <a:r>
+              <a:rPr lang="en-CA" dirty="0" smtClean="0">
+                <a:solidFill>
+                  <a:schemeClr val="tx1">
+                    <a:lumMod val="85000"/>
+                  </a:schemeClr>
+                </a:solidFill>
+              </a:rPr>
+              <a:t>service</a:t>
+            </a:r>
+          </a:p>
+          <a:p>
+            <a:r>
+              <a:rPr lang="en-CA" dirty="0" smtClean="0">
+                <a:solidFill>
+                  <a:schemeClr val="tx1">
+                    <a:lumMod val="85000"/>
+                  </a:schemeClr>
+                </a:solidFill>
+              </a:rPr>
+              <a:t>Reseller </a:t>
+            </a:r>
+            <a:r>
+              <a:rPr lang="en-CA" dirty="0">
+                <a:solidFill>
+                  <a:schemeClr val="tx1">
+                    <a:lumMod val="85000"/>
+                  </a:schemeClr>
+                </a:solidFill>
+              </a:rPr>
+              <a:t>web </a:t>
+            </a:r>
+            <a:r>
+              <a:rPr lang="en-CA" dirty="0" smtClean="0">
+                <a:solidFill>
+                  <a:schemeClr val="tx1">
+                    <a:lumMod val="85000"/>
+                  </a:schemeClr>
+                </a:solidFill>
+              </a:rPr>
+              <a:t>hosting</a:t>
+            </a:r>
+          </a:p>
+          <a:p>
+            <a:r>
+              <a:rPr lang="en-CA" dirty="0" smtClean="0">
+                <a:solidFill>
+                  <a:schemeClr val="tx1">
+                    <a:lumMod val="85000"/>
+                  </a:schemeClr>
+                </a:solidFill>
+              </a:rPr>
+              <a:t>Virtual Private Server</a:t>
+            </a:r>
+            <a:endParaRPr lang="en-CA" dirty="0" smtClean="0">
+              <a:solidFill>
+                <a:schemeClr val="tx1">
+                  <a:lumMod val="85000"/>
+                </a:schemeClr>
+              </a:solidFill>
+            </a:endParaRPr>
+          </a:p>
+          <a:p>
+            <a:r>
+              <a:rPr lang="en-CA" dirty="0" smtClean="0">
+                <a:solidFill>
+                  <a:schemeClr val="tx1">
+                    <a:lumMod val="85000"/>
+                  </a:schemeClr>
+                </a:solidFill>
+              </a:rPr>
+              <a:t>Dedicated </a:t>
+            </a:r>
+            <a:r>
+              <a:rPr lang="en-CA" dirty="0">
+                <a:solidFill>
+                  <a:schemeClr val="tx1">
+                    <a:lumMod val="85000"/>
+                  </a:schemeClr>
+                </a:solidFill>
+              </a:rPr>
+              <a:t>hosting </a:t>
+            </a:r>
+            <a:r>
+              <a:rPr lang="en-CA" dirty="0" smtClean="0">
+                <a:solidFill>
+                  <a:schemeClr val="tx1">
+                    <a:lumMod val="85000"/>
+                  </a:schemeClr>
+                </a:solidFill>
+              </a:rPr>
+              <a:t>service</a:t>
+            </a:r>
+          </a:p>
+          <a:p>
+            <a:r>
+              <a:rPr lang="en-CA" dirty="0" smtClean="0">
+                <a:solidFill>
+                  <a:schemeClr val="tx1">
+                    <a:lumMod val="85000"/>
+                  </a:schemeClr>
+                </a:solidFill>
+              </a:rPr>
+              <a:t>Managed </a:t>
+            </a:r>
+            <a:r>
+              <a:rPr lang="en-CA" dirty="0">
+                <a:solidFill>
+                  <a:schemeClr val="tx1">
+                    <a:lumMod val="85000"/>
+                  </a:schemeClr>
+                </a:solidFill>
+              </a:rPr>
+              <a:t>hosting </a:t>
+            </a:r>
+            <a:r>
+              <a:rPr lang="en-CA" dirty="0" smtClean="0">
+                <a:solidFill>
+                  <a:schemeClr val="tx1">
+                    <a:lumMod val="85000"/>
+                  </a:schemeClr>
+                </a:solidFill>
+              </a:rPr>
+              <a:t>service</a:t>
+            </a:r>
+          </a:p>
+          <a:p>
+            <a:r>
+              <a:rPr lang="en-CA" b="1" dirty="0" smtClean="0"/>
+              <a:t>Colocation </a:t>
+            </a:r>
+            <a:r>
+              <a:rPr lang="en-CA" b="1" dirty="0"/>
+              <a:t>web hosting </a:t>
+            </a:r>
+            <a:r>
+              <a:rPr lang="en-CA" b="1" dirty="0" smtClean="0"/>
+              <a:t>service</a:t>
+            </a:r>
+          </a:p>
+          <a:p>
+            <a:r>
+              <a:rPr lang="en-CA" dirty="0" smtClean="0">
+                <a:solidFill>
+                  <a:schemeClr val="tx1">
+                    <a:lumMod val="85000"/>
+                  </a:schemeClr>
+                </a:solidFill>
+              </a:rPr>
+              <a:t>Cloud hosting</a:t>
+            </a:r>
+          </a:p>
+          <a:p>
+            <a:r>
+              <a:rPr lang="en-CA" dirty="0" smtClean="0">
+                <a:solidFill>
+                  <a:schemeClr val="tx1">
+                    <a:lumMod val="85000"/>
+                  </a:schemeClr>
+                </a:solidFill>
+              </a:rPr>
+              <a:t>Clustered hosting</a:t>
+            </a:r>
+          </a:p>
+          <a:p>
+            <a:r>
+              <a:rPr lang="en-CA" dirty="0" smtClean="0">
+                <a:solidFill>
+                  <a:schemeClr val="tx1">
+                    <a:lumMod val="85000"/>
+                  </a:schemeClr>
+                </a:solidFill>
+              </a:rPr>
+              <a:t>Grid hosting</a:t>
+            </a:r>
+          </a:p>
+          <a:p>
+            <a:r>
+              <a:rPr lang="en-CA" dirty="0" smtClean="0">
+                <a:solidFill>
+                  <a:schemeClr val="tx1">
+                    <a:lumMod val="85000"/>
+                  </a:schemeClr>
+                </a:solidFill>
+              </a:rPr>
+              <a:t>Home </a:t>
+            </a:r>
+            <a:r>
+              <a:rPr lang="en-CA" dirty="0">
+                <a:solidFill>
+                  <a:schemeClr val="tx1">
+                    <a:lumMod val="85000"/>
+                  </a:schemeClr>
+                </a:solidFill>
+              </a:rPr>
+              <a:t>server</a:t>
+            </a:r>
+          </a:p>
+        </p:txBody>
+      </p:sp>
+      <p:sp>
+        <p:nvSpPr>
+          <p:cNvPr id="4" name="Rectangle 3"/>
+          <p:cNvSpPr/>
+          <p:nvPr/>
+        </p:nvSpPr>
+        <p:spPr>
+          <a:xfrm>
+            <a:off x="1162861" y="1539332"/>
+            <a:ext cx="4644220" cy="461665"/>
+          </a:xfrm>
+          <a:prstGeom prst="rect">
+            <a:avLst/>
+          </a:prstGeom>
+        </p:spPr>
+        <p:txBody>
+          <a:bodyPr wrap="none">
+            <a:spAutoFit/>
+          </a:bodyPr>
+          <a:lstStyle/>
+          <a:p>
+            <a:r>
+              <a:rPr lang="en-CA" sz="2400" u="sng" dirty="0"/>
+              <a:t>Types of Web Hosting Services</a:t>
+            </a:r>
+          </a:p>
+        </p:txBody>
+      </p:sp>
+    </p:spTree>
+    <p:extLst>
+      <p:ext uri="{BB962C8B-B14F-4D97-AF65-F5344CB8AC3E}">
+        <p14:creationId xmlns:p14="http://schemas.microsoft.com/office/powerpoint/2010/main" val="1935123807"/>
+      </p:ext>
+    </p:extLst>
+  </p:cSld>
+  <p:clrMapOvr>
+    <a:masterClrMapping/>
+  </p:clrMapOvr>
+  <p:transition spd="med">
+    <p:pull/>
+  </p:transition>
+  <p:timing>
+    <p:tnLst>
+      <p:par>
+        <p:cTn id="1" dur="indefinite" restart="never" nodeType="tmRoot"/>
+      </p:par>
+    </p:tnLst>
+  </p:timing>
+</p:sld>
+</file>
+
+<file path=ppt/slides/slide8.xml><?xml version="1.0" encoding="utf-8"?>
+<p:sld xmlns:a="http://schemas.openxmlformats.org/drawingml/2006/main" xmlns:r="http://schemas.openxmlformats.org/officeDocument/2006/relationships" xmlns:p="http://schemas.openxmlformats.org/presentationml/2006/main">
+  <p:cSld>
+    <p:spTree>
+      <p:nvGrpSpPr>
+        <p:cNvPr id="1" name=""/>
+        <p:cNvGrpSpPr/>
+        <p:nvPr/>
+      </p:nvGrpSpPr>
+      <p:grpSpPr>
+        <a:xfrm>
+          <a:off x="0" y="0"/>
+          <a:ext cx="0" cy="0"/>
+          <a:chOff x="0" y="0"/>
+          <a:chExt cx="0" cy="0"/>
+        </a:xfrm>
+      </p:grpSpPr>
+      <p:sp>
+        <p:nvSpPr>
+          <p:cNvPr id="2" name="Title 1"/>
+          <p:cNvSpPr>
+            <a:spLocks noGrp="1"/>
+          </p:cNvSpPr>
+          <p:nvPr>
+            <p:ph type="title"/>
+          </p:nvPr>
+        </p:nvSpPr>
+        <p:spPr>
+          <a:xfrm>
+            <a:off x="812800" y="500120"/>
+            <a:ext cx="4952361" cy="895781"/>
+          </a:xfrm>
+        </p:spPr>
+        <p:txBody>
+          <a:bodyPr/>
+          <a:lstStyle/>
+          <a:p>
+            <a:pPr algn="ctr"/>
+            <a:r>
+              <a:rPr lang="en-US" u="sng" dirty="0" smtClean="0"/>
+              <a:t>Recommendation</a:t>
+            </a:r>
+            <a:endParaRPr lang="en-CA" u="sng" dirty="0"/>
+          </a:p>
+        </p:txBody>
+      </p:sp>
+      <p:sp>
+        <p:nvSpPr>
+          <p:cNvPr id="3" name="Content Placeholder 2"/>
+          <p:cNvSpPr>
+            <a:spLocks noGrp="1"/>
+          </p:cNvSpPr>
+          <p:nvPr>
+            <p:ph idx="1"/>
+          </p:nvPr>
+        </p:nvSpPr>
+        <p:spPr>
+          <a:xfrm>
+            <a:off x="904729" y="2254696"/>
+            <a:ext cx="5218546" cy="2706253"/>
+          </a:xfrm>
+        </p:spPr>
+        <p:txBody>
+          <a:bodyPr>
+            <a:normAutofit fontScale="85000" lnSpcReduction="20000"/>
+          </a:bodyPr>
+          <a:lstStyle/>
+          <a:p>
             <a:pPr marL="0" indent="0">
               <a:buNone/>
             </a:pPr>
+            <a:endParaRPr lang="en-CA" dirty="0" smtClean="0"/>
+          </a:p>
+          <a:p>
+            <a:pPr marL="0" indent="0">
+              <a:buNone/>
+            </a:pPr>
+            <a:r>
+              <a:rPr lang="en-CA" dirty="0" smtClean="0"/>
+              <a:t>Web </a:t>
+            </a:r>
             <a:r>
               <a:rPr lang="en-CA" dirty="0"/>
-              <a:t/>
+              <a:t>hosting company owned by Endurance International Group. It is one of the 20 largest web hosts, hosting over 1.9 million domains.</a:t>
             </a:r>
             <a:br>
               <a:rPr lang="en-CA" dirty="0"/>
@@ -9292,36 +10624,6 @@
             <a:endParaRPr lang="en-CA" dirty="0" smtClean="0"/>
           </a:p>
           <a:p>
-            <a:pPr marL="0" indent="0">
-              <a:buNone/>
-            </a:pPr>
-            <a:r>
-              <a:rPr lang="en-CA" dirty="0" smtClean="0"/>
-              <a:t>Web </a:t>
-            </a:r>
-            <a:r>
-              <a:rPr lang="en-CA" dirty="0"/>
-              <a:t>hosting company owned by Endurance International Group. It is one of the 20 largest web hosts, hosting over 1.9 million domains.</a:t>
-            </a:r>
-            <a:br>
-              <a:rPr lang="en-CA" dirty="0"/>
-            </a:br>
-            <a:r>
-              <a:rPr lang="en-CA" dirty="0"/>
-              <a:t>Offers</a:t>
-            </a:r>
-            <a:r>
-              <a:rPr lang="en-CA" dirty="0" smtClean="0"/>
-              <a:t>:</a:t>
-            </a:r>
-          </a:p>
-          <a:p>
-            <a:pPr marL="0" indent="0">
-              <a:buNone/>
-            </a:pPr>
-            <a:endParaRPr lang="en-CA" dirty="0" smtClean="0"/>
-          </a:p>
-          <a:p>
             <a:r>
               <a:rPr lang="en-CA" dirty="0" smtClean="0"/>
               <a:t>Shared hosting</a:t>
@@ -9340,13 +10642,19 @@
               <a:rPr lang="en-CA" dirty="0" smtClean="0"/>
               <a:t>Server</a:t>
             </a:r>
+          </a:p>
+          <a:p>
+            <a:endParaRPr lang="en-CA" dirty="0"/>
+          </a:p>
+          <a:p>
+            <a:pPr marL="0" indent="0">
+              <a:buNone/>
+            </a:pPr>
+            <a:r>
+              <a:rPr lang="en-CA" dirty="0" smtClean="0"/>
+              <a:t>Added features like CPU throttling</a:t>
+            </a:r>
             <a:endParaRPr lang="en-US" dirty="0" smtClean="0"/>
-          </a:p>
-          <a:p>
-            <a:r>
-              <a:rPr lang="en-CA" dirty="0"/>
-              <a:t>Dedicated server hosting</a:t>
-            </a:r>
           </a:p>
         </p:txBody>
       </p:sp>
@@ -9358,7 +10666,7 @@
         </p:nvSpPr>
         <p:spPr>
           <a:xfrm>
-            <a:off x="4651304" y="854166"/>
+            <a:off x="904729" y="2023863"/>
             <a:ext cx="1689886" cy="461665"/>
           </a:xfrm>
           <a:prstGeom prst="rect">
@@ -9372,7 +10680,7 @@
           <a:lstStyle/>
           <a:p>
             <a:r>
-              <a:rPr lang="en-CA" sz="2400" u="sng" dirty="0" smtClean="0">
+              <a:rPr lang="en-CA" sz="2400" dirty="0" smtClean="0">
                 <a:latin typeface="Aharoni" panose="02010803020104030203" pitchFamily="2" charset="-79"/>
                 <a:cs typeface="Aharoni" panose="02010803020104030203" pitchFamily="2" charset="-79"/>
               </a:rPr>
@@ -9407,8 +10715,8 @@
         </p:blipFill>
         <p:spPr>
           <a:xfrm>
-            <a:off x="6341190" y="1563250"/>
-            <a:ext cx="2676654" cy="5081373"/>
+            <a:off x="6687126" y="212436"/>
+            <a:ext cx="2330717" cy="6432187"/>
           </a:xfrm>
           <a:prstGeom prst="rect">
             <a:avLst/>
@@ -9437,8 +10745,8 @@
         </p:blipFill>
         <p:spPr>
           <a:xfrm>
-            <a:off x="9494982" y="1554014"/>
-            <a:ext cx="2569384" cy="5081373"/>
+            <a:off x="9751910" y="1025236"/>
+            <a:ext cx="2144511" cy="5619387"/>
           </a:xfrm>
           <a:prstGeom prst="rect">
             <a:avLst/>
@@ -9477,7 +10785,7 @@
 </p:sld>
 </file>
 
-<file path=ppt/slides/slide7.xml><?xml version="1.0" encoding="utf-8"?>
+<file path=ppt/slides/slide9.xml><?xml version="1.0" encoding="utf-8"?>
 <p:sld xmlns:a="http://schemas.openxmlformats.org/drawingml/2006/main" xmlns:r="http://schemas.openxmlformats.org/officeDocument/2006/relationships" xmlns:p="http://schemas.openxmlformats.org/presentationml/2006/main">
   <p:cSld>
     <p:spTree>
@@ -9586,256 +10894,6 @@
     <p:extLst>
       <p:ext uri="{BB962C8B-B14F-4D97-AF65-F5344CB8AC3E}">
         <p14:creationId xmlns:p14="http://schemas.microsoft.com/office/powerpoint/2010/main" val="3947148034"/>
-      </p:ext>
-    </p:extLst>
-  </p:cSld>
-  <p:clrMapOvr>
-    <a:masterClrMapping/>
-  </p:clrMapOvr>
-  <p:timing>
-    <p:tnLst>
-      <p:par>
-        <p:cTn id="1" dur="indefinite" restart="never" nodeType="tmRoot"/>
-      </p:par>
-    </p:tnLst>
-  </p:timing>
-</p:sld>
-</file>
-
-<file path=ppt/slides/slide8.xml><?xml version="1.0" encoding="utf-8"?>
-<p:sld xmlns:a="http://schemas.openxmlformats.org/drawingml/2006/main" xmlns:r="http://schemas.openxmlformats.org/officeDocument/2006/relationships" xmlns:p="http://schemas.openxmlformats.org/presentationml/2006/main">
-  <p:cSld>
-    <p:spTree>
-      <p:nvGrpSpPr>
-        <p:cNvPr id="1" name=""/>
-        <p:cNvGrpSpPr/>
-        <p:nvPr/>
-      </p:nvGrpSpPr>
-      <p:grpSpPr>
-        <a:xfrm>
-          <a:off x="0" y="0"/>
-          <a:ext cx="0" cy="0"/>
-          <a:chOff x="0" y="0"/>
-          <a:chExt cx="0" cy="0"/>
-        </a:xfrm>
-      </p:grpSpPr>
-      <p:sp>
-        <p:nvSpPr>
-          <p:cNvPr id="2" name="Title 1"/>
-          <p:cNvSpPr>
-            <a:spLocks noGrp="1"/>
-          </p:cNvSpPr>
-          <p:nvPr>
-            <p:ph type="title"/>
-          </p:nvPr>
-        </p:nvSpPr>
-        <p:spPr>
-          <a:xfrm>
-            <a:off x="1550242" y="18473"/>
-            <a:ext cx="9404723" cy="1400530"/>
-          </a:xfrm>
-        </p:spPr>
-        <p:txBody>
-          <a:bodyPr/>
-          <a:lstStyle/>
-          <a:p>
-            <a:pPr algn="ctr"/>
-            <a:r>
-              <a:rPr lang="en-US" u="sng" dirty="0" smtClean="0"/>
-              <a:t>Merchant Account</a:t>
-            </a:r>
-            <a:endParaRPr lang="en-CA" u="sng" dirty="0"/>
-          </a:p>
-        </p:txBody>
-      </p:sp>
-      <p:sp>
-        <p:nvSpPr>
-          <p:cNvPr id="4" name="Rectangle 3"/>
-          <p:cNvSpPr/>
-          <p:nvPr/>
-        </p:nvSpPr>
-        <p:spPr>
-          <a:xfrm>
-            <a:off x="345554" y="718738"/>
-            <a:ext cx="1560946" cy="523220"/>
-          </a:xfrm>
-          <a:prstGeom prst="rect">
-            <a:avLst/>
-          </a:prstGeom>
-        </p:spPr>
-        <p:txBody>
-          <a:bodyPr wrap="square">
-            <a:spAutoFit/>
-          </a:bodyPr>
-          <a:lstStyle/>
-          <a:p>
-            <a:r>
-              <a:rPr lang="en-US" sz="2800" dirty="0" smtClean="0"/>
-              <a:t>Moneris</a:t>
-            </a:r>
-            <a:endParaRPr lang="en-CA" sz="2800" dirty="0"/>
-          </a:p>
-        </p:txBody>
-      </p:sp>
-      <p:pic>
-        <p:nvPicPr>
-          <p:cNvPr id="3" name="Picture 2"/>
-          <p:cNvPicPr>
-            <a:picLocks noChangeAspect="1"/>
-          </p:cNvPicPr>
-          <p:nvPr/>
-        </p:nvPicPr>
-        <p:blipFill>
-          <a:blip r:embed="rId2">
-            <a:extLst>
-              <a:ext uri="{28A0092B-C50C-407E-A947-70E740481C1C}">
-                <a14:useLocalDpi xmlns:a14="http://schemas.microsoft.com/office/drawing/2010/main" val="0"/>
-              </a:ext>
-            </a:extLst>
-          </a:blip>
-          <a:stretch>
-            <a:fillRect/>
-          </a:stretch>
-        </p:blipFill>
-        <p:spPr>
-          <a:xfrm>
-            <a:off x="2733774" y="801278"/>
-            <a:ext cx="6938134" cy="5920581"/>
-          </a:xfrm>
-          <a:prstGeom prst="rect">
-            <a:avLst/>
-          </a:prstGeom>
-        </p:spPr>
-      </p:pic>
-    </p:spTree>
-    <p:extLst>
-      <p:ext uri="{BB962C8B-B14F-4D97-AF65-F5344CB8AC3E}">
-        <p14:creationId xmlns:p14="http://schemas.microsoft.com/office/powerpoint/2010/main" val="1253176914"/>
-      </p:ext>
-    </p:extLst>
-  </p:cSld>
-  <p:clrMapOvr>
-    <a:masterClrMapping/>
-  </p:clrMapOvr>
-  <p:timing>
-    <p:tnLst>
-      <p:par>
-        <p:cTn id="1" dur="indefinite" restart="never" nodeType="tmRoot"/>
-      </p:par>
-    </p:tnLst>
-  </p:timing>
-</p:sld>
-</file>
-
-<file path=ppt/slides/slide9.xml><?xml version="1.0" encoding="utf-8"?>
-<p:sld xmlns:a="http://schemas.openxmlformats.org/drawingml/2006/main" xmlns:r="http://schemas.openxmlformats.org/officeDocument/2006/relationships" xmlns:p="http://schemas.openxmlformats.org/presentationml/2006/main">
-  <p:cSld>
-    <p:spTree>
-      <p:nvGrpSpPr>
-        <p:cNvPr id="1" name=""/>
-        <p:cNvGrpSpPr/>
-        <p:nvPr/>
-      </p:nvGrpSpPr>
-      <p:grpSpPr>
-        <a:xfrm>
-          <a:off x="0" y="0"/>
-          <a:ext cx="0" cy="0"/>
-          <a:chOff x="0" y="0"/>
-          <a:chExt cx="0" cy="0"/>
-        </a:xfrm>
-      </p:grpSpPr>
-      <p:sp>
-        <p:nvSpPr>
-          <p:cNvPr id="2" name="Title 1"/>
-          <p:cNvSpPr>
-            <a:spLocks noGrp="1"/>
-          </p:cNvSpPr>
-          <p:nvPr>
-            <p:ph type="title"/>
-          </p:nvPr>
-        </p:nvSpPr>
-        <p:spPr>
-          <a:xfrm>
-            <a:off x="1550242" y="18473"/>
-            <a:ext cx="9404723" cy="1400530"/>
-          </a:xfrm>
-        </p:spPr>
-        <p:txBody>
-          <a:bodyPr/>
-          <a:lstStyle/>
-          <a:p>
-            <a:pPr algn="ctr"/>
-            <a:r>
-              <a:rPr lang="en-US" u="sng" dirty="0" smtClean="0"/>
-              <a:t>Merchant Account</a:t>
-            </a:r>
-            <a:endParaRPr lang="en-CA" u="sng" dirty="0"/>
-          </a:p>
-        </p:txBody>
-      </p:sp>
-      <p:sp>
-        <p:nvSpPr>
-          <p:cNvPr id="4" name="Rectangle 3"/>
-          <p:cNvSpPr/>
-          <p:nvPr/>
-        </p:nvSpPr>
-        <p:spPr>
-          <a:xfrm>
-            <a:off x="345553" y="718738"/>
-            <a:ext cx="1822611" cy="1384995"/>
-          </a:xfrm>
-          <a:prstGeom prst="rect">
-            <a:avLst/>
-          </a:prstGeom>
-        </p:spPr>
-        <p:txBody>
-          <a:bodyPr wrap="square">
-            <a:spAutoFit/>
-          </a:bodyPr>
-          <a:lstStyle/>
-          <a:p>
-            <a:r>
-              <a:rPr lang="en-US" sz="2800" dirty="0" smtClean="0"/>
-              <a:t>TD Canada Trust</a:t>
-            </a:r>
-            <a:endParaRPr lang="en-CA" sz="2800" dirty="0"/>
-          </a:p>
-        </p:txBody>
-      </p:sp>
-      <p:pic>
-        <p:nvPicPr>
-          <p:cNvPr id="5" name="Picture 4"/>
-          <p:cNvPicPr>
-            <a:picLocks noChangeAspect="1"/>
-          </p:cNvPicPr>
-          <p:nvPr/>
-        </p:nvPicPr>
-        <p:blipFill>
-          <a:blip r:embed="rId2">
-            <a:extLst>
-              <a:ext uri="{28A0092B-C50C-407E-A947-70E740481C1C}">
-                <a14:useLocalDpi xmlns:a14="http://schemas.microsoft.com/office/drawing/2010/main" val="0"/>
-              </a:ext>
-            </a:extLst>
-          </a:blip>
-          <a:stretch>
-            <a:fillRect/>
-          </a:stretch>
-        </p:blipFill>
-        <p:spPr>
-          <a:xfrm>
-            <a:off x="3372853" y="813008"/>
-            <a:ext cx="6101085" cy="5858274"/>
-          </a:xfrm>
-          <a:prstGeom prst="rect">
-            <a:avLst/>
-          </a:prstGeom>
-        </p:spPr>
-      </p:pic>
-    </p:spTree>
-    <p:extLst>
-      <p:ext uri="{BB962C8B-B14F-4D97-AF65-F5344CB8AC3E}">
-        <p14:creationId xmlns:p14="http://schemas.microsoft.com/office/powerpoint/2010/main" val="1817042170"/>
       </p:ext>
     </p:extLst>
   </p:cSld>

--- a/km3/KM3.pptx
+++ b/km3/KM3.pptx
@@ -7,28 +7,31 @@
   <p:sldIdLst>
     <p:sldId id="256" r:id="rId2"/>
     <p:sldId id="257" r:id="rId3"/>
-    <p:sldId id="262" r:id="rId4"/>
-    <p:sldId id="279" r:id="rId5"/>
-    <p:sldId id="259" r:id="rId6"/>
-    <p:sldId id="268" r:id="rId7"/>
-    <p:sldId id="263" r:id="rId8"/>
-    <p:sldId id="280" r:id="rId9"/>
-    <p:sldId id="271" r:id="rId10"/>
-    <p:sldId id="272" r:id="rId11"/>
-    <p:sldId id="283" r:id="rId12"/>
-    <p:sldId id="273" r:id="rId13"/>
-    <p:sldId id="260" r:id="rId14"/>
-    <p:sldId id="281" r:id="rId15"/>
-    <p:sldId id="265" r:id="rId16"/>
-    <p:sldId id="274" r:id="rId17"/>
-    <p:sldId id="277" r:id="rId18"/>
-    <p:sldId id="275" r:id="rId19"/>
-    <p:sldId id="276" r:id="rId20"/>
-    <p:sldId id="282" r:id="rId21"/>
-    <p:sldId id="266" r:id="rId22"/>
-    <p:sldId id="278" r:id="rId23"/>
-    <p:sldId id="267" r:id="rId24"/>
-    <p:sldId id="269" r:id="rId25"/>
+    <p:sldId id="286" r:id="rId4"/>
+    <p:sldId id="262" r:id="rId5"/>
+    <p:sldId id="279" r:id="rId6"/>
+    <p:sldId id="259" r:id="rId7"/>
+    <p:sldId id="268" r:id="rId8"/>
+    <p:sldId id="284" r:id="rId9"/>
+    <p:sldId id="285" r:id="rId10"/>
+    <p:sldId id="263" r:id="rId11"/>
+    <p:sldId id="280" r:id="rId12"/>
+    <p:sldId id="271" r:id="rId13"/>
+    <p:sldId id="272" r:id="rId14"/>
+    <p:sldId id="283" r:id="rId15"/>
+    <p:sldId id="273" r:id="rId16"/>
+    <p:sldId id="260" r:id="rId17"/>
+    <p:sldId id="281" r:id="rId18"/>
+    <p:sldId id="265" r:id="rId19"/>
+    <p:sldId id="274" r:id="rId20"/>
+    <p:sldId id="277" r:id="rId21"/>
+    <p:sldId id="275" r:id="rId22"/>
+    <p:sldId id="276" r:id="rId23"/>
+    <p:sldId id="282" r:id="rId24"/>
+    <p:sldId id="266" r:id="rId25"/>
+    <p:sldId id="278" r:id="rId26"/>
+    <p:sldId id="267" r:id="rId27"/>
+    <p:sldId id="269" r:id="rId28"/>
   </p:sldIdLst>
   <p:sldSz cx="12192000" cy="6858000"/>
   <p:notesSz cx="6858000" cy="9144000"/>
@@ -6373,6 +6376,443 @@
         </p:nvSpPr>
         <p:spPr>
           <a:xfrm>
+            <a:off x="-1599784" y="1084998"/>
+            <a:ext cx="9404723" cy="1400530"/>
+          </a:xfrm>
+        </p:spPr>
+        <p:txBody>
+          <a:bodyPr/>
+          <a:lstStyle/>
+          <a:p>
+            <a:pPr algn="ctr"/>
+            <a:r>
+              <a:rPr lang="en-US" u="sng" dirty="0" smtClean="0"/>
+              <a:t>Recommendations</a:t>
+            </a:r>
+            <a:endParaRPr lang="en-CA" u="sng" dirty="0"/>
+          </a:p>
+        </p:txBody>
+      </p:sp>
+      <p:sp>
+        <p:nvSpPr>
+          <p:cNvPr id="3" name="Content Placeholder 2"/>
+          <p:cNvSpPr>
+            <a:spLocks noGrp="1"/>
+          </p:cNvSpPr>
+          <p:nvPr>
+            <p:ph idx="1"/>
+          </p:nvPr>
+        </p:nvSpPr>
+        <p:spPr>
+          <a:xfrm>
+            <a:off x="646111" y="2254696"/>
+            <a:ext cx="4651304" cy="3644474"/>
+          </a:xfrm>
+        </p:spPr>
+        <p:txBody>
+          <a:bodyPr>
+            <a:normAutofit lnSpcReduction="10000"/>
+          </a:bodyPr>
+          <a:lstStyle/>
+          <a:p>
+            <a:pPr marL="0" indent="0">
+              <a:buNone/>
+            </a:pPr>
+            <a:endParaRPr lang="en-CA" dirty="0"/>
+          </a:p>
+          <a:p>
+            <a:pPr marL="0" indent="0">
+              <a:buNone/>
+            </a:pPr>
+            <a:r>
+              <a:rPr lang="en-CA" dirty="0"/>
+              <a:t>Web hosting company owned by Endurance International Group. It is one of the 20 largest web hosts, hosting over 1.9 million domains.</a:t>
+            </a:r>
+            <a:br>
+              <a:rPr lang="en-CA" dirty="0"/>
+            </a:br>
+            <a:endParaRPr lang="en-CA" dirty="0"/>
+          </a:p>
+          <a:p>
+            <a:r>
+              <a:rPr lang="en-CA" dirty="0"/>
+              <a:t>Shared hosting</a:t>
+            </a:r>
+          </a:p>
+          <a:p>
+            <a:r>
+              <a:rPr lang="en-CA" dirty="0"/>
+              <a:t>Virtual Dedicated Server</a:t>
+            </a:r>
+          </a:p>
+          <a:p>
+            <a:endParaRPr lang="en-CA" dirty="0"/>
+          </a:p>
+          <a:p>
+            <a:pPr marL="0" indent="0">
+              <a:buNone/>
+            </a:pPr>
+            <a:r>
+              <a:rPr lang="en-CA" dirty="0"/>
+              <a:t>Added features like CPU throttling</a:t>
+            </a:r>
+            <a:endParaRPr lang="en-US" dirty="0"/>
+          </a:p>
+        </p:txBody>
+      </p:sp>
+      <p:sp>
+        <p:nvSpPr>
+          <p:cNvPr id="5" name="Rectangle 4"/>
+          <p:cNvSpPr/>
+          <p:nvPr/>
+        </p:nvSpPr>
+        <p:spPr>
+          <a:xfrm>
+            <a:off x="646111" y="2023863"/>
+            <a:ext cx="1689886" cy="461665"/>
+          </a:xfrm>
+          <a:prstGeom prst="rect">
+            <a:avLst/>
+          </a:prstGeom>
+        </p:spPr>
+        <p:txBody>
+          <a:bodyPr wrap="none">
+            <a:spAutoFit/>
+          </a:bodyPr>
+          <a:lstStyle/>
+          <a:p>
+            <a:r>
+              <a:rPr lang="en-CA" sz="2400" dirty="0" smtClean="0">
+                <a:latin typeface="Aharoni" panose="02010803020104030203" pitchFamily="2" charset="-79"/>
+                <a:cs typeface="Aharoni" panose="02010803020104030203" pitchFamily="2" charset="-79"/>
+              </a:rPr>
+              <a:t>BLUEHOST</a:t>
+            </a:r>
+            <a:endParaRPr lang="en-CA" sz="2400" dirty="0">
+              <a:latin typeface="Aharoni" panose="02010803020104030203" pitchFamily="2" charset="-79"/>
+              <a:cs typeface="Aharoni" panose="02010803020104030203" pitchFamily="2" charset="-79"/>
+            </a:endParaRPr>
+          </a:p>
+        </p:txBody>
+      </p:sp>
+      <p:pic>
+        <p:nvPicPr>
+          <p:cNvPr id="6" name="Picture 5"/>
+          <p:cNvPicPr>
+            <a:picLocks noChangeAspect="1"/>
+          </p:cNvPicPr>
+          <p:nvPr/>
+        </p:nvPicPr>
+        <p:blipFill>
+          <a:blip r:embed="rId2">
+            <a:extLst>
+              <a:ext uri="{28A0092B-C50C-407E-A947-70E740481C1C}">
+                <a14:useLocalDpi xmlns:a14="http://schemas.microsoft.com/office/drawing/2010/main" val="0"/>
+              </a:ext>
+            </a:extLst>
+          </a:blip>
+          <a:stretch>
+            <a:fillRect/>
+          </a:stretch>
+        </p:blipFill>
+        <p:spPr>
+          <a:xfrm>
+            <a:off x="6341190" y="417096"/>
+            <a:ext cx="2676654" cy="6227528"/>
+          </a:xfrm>
+          <a:prstGeom prst="rect">
+            <a:avLst/>
+          </a:prstGeom>
+        </p:spPr>
+      </p:pic>
+      <p:pic>
+        <p:nvPicPr>
+          <p:cNvPr id="7" name="Picture 6"/>
+          <p:cNvPicPr>
+            <a:picLocks noChangeAspect="1"/>
+          </p:cNvPicPr>
+          <p:nvPr/>
+        </p:nvPicPr>
+        <p:blipFill>
+          <a:blip r:embed="rId3">
+            <a:extLst>
+              <a:ext uri="{28A0092B-C50C-407E-A947-70E740481C1C}">
+                <a14:useLocalDpi xmlns:a14="http://schemas.microsoft.com/office/drawing/2010/main" val="0"/>
+              </a:ext>
+            </a:extLst>
+          </a:blip>
+          <a:stretch>
+            <a:fillRect/>
+          </a:stretch>
+        </p:blipFill>
+        <p:spPr>
+          <a:xfrm>
+            <a:off x="9494982" y="1554014"/>
+            <a:ext cx="2569384" cy="5081373"/>
+          </a:xfrm>
+          <a:prstGeom prst="rect">
+            <a:avLst/>
+          </a:prstGeom>
+        </p:spPr>
+      </p:pic>
+    </p:spTree>
+    <p:extLst>
+      <p:ext uri="{BB962C8B-B14F-4D97-AF65-F5344CB8AC3E}">
+        <p14:creationId xmlns:p14="http://schemas.microsoft.com/office/powerpoint/2010/main" val="4129056917"/>
+      </p:ext>
+    </p:extLst>
+  </p:cSld>
+  <p:clrMapOvr>
+    <a:masterClrMapping/>
+  </p:clrMapOvr>
+  <mc:AlternateContent xmlns:mc="http://schemas.openxmlformats.org/markup-compatibility/2006" xmlns:p14="http://schemas.microsoft.com/office/powerpoint/2010/main">
+    <mc:Choice Requires="p14">
+      <p:transition spd="slow" p14:dur="1250">
+        <p14:switch dir="r"/>
+      </p:transition>
+    </mc:Choice>
+    <mc:Fallback xmlns="">
+      <p:transition spd="slow">
+        <p:fade/>
+      </p:transition>
+    </mc:Fallback>
+  </mc:AlternateContent>
+  <p:timing>
+    <p:tnLst>
+      <p:par>
+        <p:cTn id="1" dur="indefinite" restart="never" nodeType="tmRoot"/>
+      </p:par>
+    </p:tnLst>
+  </p:timing>
+</p:sld>
+</file>
+
+<file path=ppt/slides/slide11.xml><?xml version="1.0" encoding="utf-8"?>
+<p:sld xmlns:a="http://schemas.openxmlformats.org/drawingml/2006/main" xmlns:r="http://schemas.openxmlformats.org/officeDocument/2006/relationships" xmlns:p="http://schemas.openxmlformats.org/presentationml/2006/main">
+  <p:cSld>
+    <p:spTree>
+      <p:nvGrpSpPr>
+        <p:cNvPr id="1" name=""/>
+        <p:cNvGrpSpPr/>
+        <p:nvPr/>
+      </p:nvGrpSpPr>
+      <p:grpSpPr>
+        <a:xfrm>
+          <a:off x="0" y="0"/>
+          <a:ext cx="0" cy="0"/>
+          <a:chOff x="0" y="0"/>
+          <a:chExt cx="0" cy="0"/>
+        </a:xfrm>
+      </p:grpSpPr>
+      <p:sp>
+        <p:nvSpPr>
+          <p:cNvPr id="2" name="Title 1"/>
+          <p:cNvSpPr>
+            <a:spLocks noGrp="1"/>
+          </p:cNvSpPr>
+          <p:nvPr>
+            <p:ph type="title"/>
+          </p:nvPr>
+        </p:nvSpPr>
+        <p:spPr>
+          <a:xfrm>
+            <a:off x="2586878" y="1432432"/>
+            <a:ext cx="9404723" cy="1400530"/>
+          </a:xfrm>
+        </p:spPr>
+        <p:txBody>
+          <a:bodyPr/>
+          <a:lstStyle/>
+          <a:p>
+            <a:r>
+              <a:rPr lang="en-US" sz="10000" dirty="0" smtClean="0"/>
+              <a:t>PAYMENT</a:t>
+            </a:r>
+            <a:br>
+              <a:rPr lang="en-US" sz="10000" dirty="0" smtClean="0"/>
+            </a:br>
+            <a:r>
+              <a:rPr lang="en-US" sz="10000" dirty="0" smtClean="0"/>
+              <a:t>OPTIONS</a:t>
+            </a:r>
+            <a:endParaRPr lang="en-US" sz="10000" dirty="0"/>
+          </a:p>
+        </p:txBody>
+      </p:sp>
+    </p:spTree>
+    <p:extLst>
+      <p:ext uri="{BB962C8B-B14F-4D97-AF65-F5344CB8AC3E}">
+        <p14:creationId xmlns:p14="http://schemas.microsoft.com/office/powerpoint/2010/main" val="549430437"/>
+      </p:ext>
+    </p:extLst>
+  </p:cSld>
+  <p:clrMapOvr>
+    <a:masterClrMapping/>
+  </p:clrMapOvr>
+  <p:timing>
+    <p:tnLst>
+      <p:par>
+        <p:cTn id="1" dur="indefinite" restart="never" nodeType="tmRoot"/>
+      </p:par>
+    </p:tnLst>
+  </p:timing>
+</p:sld>
+</file>
+
+<file path=ppt/slides/slide12.xml><?xml version="1.0" encoding="utf-8"?>
+<p:sld xmlns:a="http://schemas.openxmlformats.org/drawingml/2006/main" xmlns:r="http://schemas.openxmlformats.org/officeDocument/2006/relationships" xmlns:p="http://schemas.openxmlformats.org/presentationml/2006/main">
+  <p:cSld>
+    <p:spTree>
+      <p:nvGrpSpPr>
+        <p:cNvPr id="1" name=""/>
+        <p:cNvGrpSpPr/>
+        <p:nvPr/>
+      </p:nvGrpSpPr>
+      <p:grpSpPr>
+        <a:xfrm>
+          <a:off x="0" y="0"/>
+          <a:ext cx="0" cy="0"/>
+          <a:chOff x="0" y="0"/>
+          <a:chExt cx="0" cy="0"/>
+        </a:xfrm>
+      </p:grpSpPr>
+      <p:sp>
+        <p:nvSpPr>
+          <p:cNvPr id="2" name="Title 1"/>
+          <p:cNvSpPr>
+            <a:spLocks noGrp="1"/>
+          </p:cNvSpPr>
+          <p:nvPr>
+            <p:ph type="title"/>
+          </p:nvPr>
+        </p:nvSpPr>
+        <p:spPr>
+          <a:xfrm>
+            <a:off x="1550242" y="18473"/>
+            <a:ext cx="9404723" cy="1400530"/>
+          </a:xfrm>
+        </p:spPr>
+        <p:txBody>
+          <a:bodyPr/>
+          <a:lstStyle/>
+          <a:p>
+            <a:pPr algn="ctr"/>
+            <a:r>
+              <a:rPr lang="en-US" u="sng" dirty="0" smtClean="0"/>
+              <a:t>Merchant Account</a:t>
+            </a:r>
+            <a:endParaRPr lang="en-CA" u="sng" dirty="0"/>
+          </a:p>
+        </p:txBody>
+      </p:sp>
+      <p:sp>
+        <p:nvSpPr>
+          <p:cNvPr id="4" name="Rectangle 3"/>
+          <p:cNvSpPr/>
+          <p:nvPr/>
+        </p:nvSpPr>
+        <p:spPr>
+          <a:xfrm>
+            <a:off x="157018" y="635733"/>
+            <a:ext cx="1468582" cy="523220"/>
+          </a:xfrm>
+          <a:prstGeom prst="rect">
+            <a:avLst/>
+          </a:prstGeom>
+        </p:spPr>
+        <p:txBody>
+          <a:bodyPr wrap="square">
+            <a:spAutoFit/>
+          </a:bodyPr>
+          <a:lstStyle/>
+          <a:p>
+            <a:r>
+              <a:rPr lang="en-US" sz="2800" dirty="0"/>
+              <a:t>PayPal</a:t>
+            </a:r>
+            <a:endParaRPr lang="en-CA" sz="2800" dirty="0"/>
+          </a:p>
+        </p:txBody>
+      </p:sp>
+      <p:pic>
+        <p:nvPicPr>
+          <p:cNvPr id="5" name="Picture 4"/>
+          <p:cNvPicPr>
+            <a:picLocks noChangeAspect="1"/>
+          </p:cNvPicPr>
+          <p:nvPr/>
+        </p:nvPicPr>
+        <p:blipFill>
+          <a:blip r:embed="rId2">
+            <a:extLst>
+              <a:ext uri="{28A0092B-C50C-407E-A947-70E740481C1C}">
+                <a14:useLocalDpi xmlns:a14="http://schemas.microsoft.com/office/drawing/2010/main" val="0"/>
+              </a:ext>
+            </a:extLst>
+          </a:blip>
+          <a:stretch>
+            <a:fillRect/>
+          </a:stretch>
+        </p:blipFill>
+        <p:spPr>
+          <a:xfrm>
+            <a:off x="1967345" y="820399"/>
+            <a:ext cx="7952510" cy="5855855"/>
+          </a:xfrm>
+          <a:prstGeom prst="rect">
+            <a:avLst/>
+          </a:prstGeom>
+        </p:spPr>
+      </p:pic>
+    </p:spTree>
+    <p:extLst>
+      <p:ext uri="{BB962C8B-B14F-4D97-AF65-F5344CB8AC3E}">
+        <p14:creationId xmlns:p14="http://schemas.microsoft.com/office/powerpoint/2010/main" val="3947148034"/>
+      </p:ext>
+    </p:extLst>
+  </p:cSld>
+  <p:clrMapOvr>
+    <a:masterClrMapping/>
+  </p:clrMapOvr>
+  <p:timing>
+    <p:tnLst>
+      <p:par>
+        <p:cTn id="1" dur="indefinite" restart="never" nodeType="tmRoot"/>
+      </p:par>
+    </p:tnLst>
+  </p:timing>
+</p:sld>
+</file>
+
+<file path=ppt/slides/slide13.xml><?xml version="1.0" encoding="utf-8"?>
+<p:sld xmlns:a="http://schemas.openxmlformats.org/drawingml/2006/main" xmlns:r="http://schemas.openxmlformats.org/officeDocument/2006/relationships" xmlns:p="http://schemas.openxmlformats.org/presentationml/2006/main">
+  <p:cSld>
+    <p:spTree>
+      <p:nvGrpSpPr>
+        <p:cNvPr id="1" name=""/>
+        <p:cNvGrpSpPr/>
+        <p:nvPr/>
+      </p:nvGrpSpPr>
+      <p:grpSpPr>
+        <a:xfrm>
+          <a:off x="0" y="0"/>
+          <a:ext cx="0" cy="0"/>
+          <a:chOff x="0" y="0"/>
+          <a:chExt cx="0" cy="0"/>
+        </a:xfrm>
+      </p:grpSpPr>
+      <p:sp>
+        <p:nvSpPr>
+          <p:cNvPr id="2" name="Title 1"/>
+          <p:cNvSpPr>
+            <a:spLocks noGrp="1"/>
+          </p:cNvSpPr>
+          <p:nvPr>
+            <p:ph type="title"/>
+          </p:nvPr>
+        </p:nvSpPr>
+        <p:spPr>
+          <a:xfrm>
             <a:off x="1550242" y="18473"/>
             <a:ext cx="9404723" cy="1400530"/>
           </a:xfrm>
@@ -6469,7 +6909,7 @@
 </p:sld>
 </file>
 
-<file path=ppt/slides/slide11.xml><?xml version="1.0" encoding="utf-8"?>
+<file path=ppt/slides/slide14.xml><?xml version="1.0" encoding="utf-8"?>
 <p:sld xmlns:a="http://schemas.openxmlformats.org/drawingml/2006/main" xmlns:r="http://schemas.openxmlformats.org/officeDocument/2006/relationships" xmlns:p="http://schemas.openxmlformats.org/presentationml/2006/main">
   <p:cSld>
     <p:spTree>
@@ -6566,7 +7006,7 @@
         </p:blipFill>
         <p:spPr>
           <a:xfrm>
-            <a:off x="871329" y="1241958"/>
+            <a:off x="871329" y="1251289"/>
             <a:ext cx="10358818" cy="5438997"/>
           </a:xfrm>
           <a:prstGeom prst="rect">
@@ -6594,7 +7034,7 @@
 </p:sld>
 </file>
 
-<file path=ppt/slides/slide12.xml><?xml version="1.0" encoding="utf-8"?>
+<file path=ppt/slides/slide15.xml><?xml version="1.0" encoding="utf-8"?>
 <p:sld xmlns:a="http://schemas.openxmlformats.org/drawingml/2006/main" xmlns:r="http://schemas.openxmlformats.org/officeDocument/2006/relationships" xmlns:p="http://schemas.openxmlformats.org/presentationml/2006/main">
   <p:cSld>
     <p:spTree>
@@ -6719,7 +7159,7 @@
 </p:sld>
 </file>
 
-<file path=ppt/slides/slide13.xml><?xml version="1.0" encoding="utf-8"?>
+<file path=ppt/slides/slide16.xml><?xml version="1.0" encoding="utf-8"?>
 <p:sld xmlns:a="http://schemas.openxmlformats.org/drawingml/2006/main" xmlns:r="http://schemas.openxmlformats.org/officeDocument/2006/relationships" xmlns:p="http://schemas.openxmlformats.org/presentationml/2006/main">
   <p:cSld>
     <p:spTree>
@@ -7360,7 +7800,7 @@
 </p:sld>
 </file>
 
-<file path=ppt/slides/slide14.xml><?xml version="1.0" encoding="utf-8"?>
+<file path=ppt/slides/slide17.xml><?xml version="1.0" encoding="utf-8"?>
 <p:sld xmlns:a="http://schemas.openxmlformats.org/drawingml/2006/main" xmlns:r="http://schemas.openxmlformats.org/officeDocument/2006/relationships" xmlns:p="http://schemas.openxmlformats.org/presentationml/2006/main">
   <p:cSld>
     <p:spTree>
@@ -7425,7 +7865,7 @@
 </p:sld>
 </file>
 
-<file path=ppt/slides/slide15.xml><?xml version="1.0" encoding="utf-8"?>
+<file path=ppt/slides/slide18.xml><?xml version="1.0" encoding="utf-8"?>
 <p:sld xmlns:a="http://schemas.openxmlformats.org/drawingml/2006/main" xmlns:r="http://schemas.openxmlformats.org/officeDocument/2006/relationships" xmlns:p="http://schemas.openxmlformats.org/presentationml/2006/main">
   <p:cSld>
     <p:spTree>
@@ -7568,7 +8008,7 @@
 </p:sld>
 </file>
 
-<file path=ppt/slides/slide16.xml><?xml version="1.0" encoding="utf-8"?>
+<file path=ppt/slides/slide19.xml><?xml version="1.0" encoding="utf-8"?>
 <p:sld xmlns:a="http://schemas.openxmlformats.org/drawingml/2006/main" xmlns:r="http://schemas.openxmlformats.org/officeDocument/2006/relationships" xmlns:p="http://schemas.openxmlformats.org/presentationml/2006/main">
   <p:cSld>
     <p:spTree>
@@ -7775,7 +8215,116 @@
 </p:sld>
 </file>
 
-<file path=ppt/slides/slide17.xml><?xml version="1.0" encoding="utf-8"?>
+<file path=ppt/slides/slide2.xml><?xml version="1.0" encoding="utf-8"?>
+<p:sld xmlns:a="http://schemas.openxmlformats.org/drawingml/2006/main" xmlns:r="http://schemas.openxmlformats.org/officeDocument/2006/relationships" xmlns:p="http://schemas.openxmlformats.org/presentationml/2006/main">
+  <p:cSld>
+    <p:spTree>
+      <p:nvGrpSpPr>
+        <p:cNvPr id="1" name=""/>
+        <p:cNvGrpSpPr/>
+        <p:nvPr/>
+      </p:nvGrpSpPr>
+      <p:grpSpPr>
+        <a:xfrm>
+          <a:off x="0" y="0"/>
+          <a:ext cx="0" cy="0"/>
+          <a:chOff x="0" y="0"/>
+          <a:chExt cx="0" cy="0"/>
+        </a:xfrm>
+      </p:grpSpPr>
+      <p:sp>
+        <p:nvSpPr>
+          <p:cNvPr id="2" name="Title 1"/>
+          <p:cNvSpPr>
+            <a:spLocks noGrp="1"/>
+          </p:cNvSpPr>
+          <p:nvPr>
+            <p:ph type="title"/>
+          </p:nvPr>
+        </p:nvSpPr>
+        <p:spPr/>
+        <p:txBody>
+          <a:bodyPr/>
+          <a:lstStyle/>
+          <a:p>
+            <a:r>
+              <a:rPr lang="en-US" b="1" dirty="0" smtClean="0"/>
+              <a:t>Welcome To KM3</a:t>
+            </a:r>
+            <a:endParaRPr lang="en-CA" b="1" dirty="0"/>
+          </a:p>
+        </p:txBody>
+      </p:sp>
+      <p:sp>
+        <p:nvSpPr>
+          <p:cNvPr id="3" name="Content Placeholder 2"/>
+          <p:cNvSpPr>
+            <a:spLocks noGrp="1"/>
+          </p:cNvSpPr>
+          <p:nvPr>
+            <p:ph idx="1"/>
+          </p:nvPr>
+        </p:nvSpPr>
+        <p:spPr/>
+        <p:txBody>
+          <a:bodyPr>
+            <a:normAutofit/>
+          </a:bodyPr>
+          <a:lstStyle/>
+          <a:p>
+            <a:r>
+              <a:rPr lang="en-US" sz="2800" dirty="0" smtClean="0"/>
+              <a:t>Professional  Software Development Company</a:t>
+            </a:r>
+          </a:p>
+          <a:p>
+            <a:r>
+              <a:rPr lang="en-US" sz="2800" dirty="0" smtClean="0"/>
+              <a:t>Created in Object Oriented Software Development Class</a:t>
+            </a:r>
+          </a:p>
+          <a:p>
+            <a:r>
+              <a:rPr lang="en-US" sz="2800" dirty="0" smtClean="0"/>
+              <a:t>Known for Website Services, such as building websites, providing designs, hosting services, payment options e-commerce, and marketing. </a:t>
+            </a:r>
+            <a:endParaRPr lang="en-CA" sz="2800" dirty="0"/>
+          </a:p>
+        </p:txBody>
+      </p:sp>
+    </p:spTree>
+    <p:extLst>
+      <p:ext uri="{BB962C8B-B14F-4D97-AF65-F5344CB8AC3E}">
+        <p14:creationId xmlns:p14="http://schemas.microsoft.com/office/powerpoint/2010/main" val="3816474543"/>
+      </p:ext>
+    </p:extLst>
+  </p:cSld>
+  <p:clrMapOvr>
+    <a:masterClrMapping/>
+  </p:clrMapOvr>
+  <mc:AlternateContent xmlns:mc="http://schemas.openxmlformats.org/markup-compatibility/2006" xmlns:p15="http://schemas.microsoft.com/office/powerpoint/2012/main">
+    <mc:Choice Requires="p15">
+      <p:transition xmlns:p14="http://schemas.microsoft.com/office/powerpoint/2010/main" spd="slow" p14:dur="2000">
+        <p15:prstTrans prst="drape"/>
+      </p:transition>
+    </mc:Choice>
+    <mc:Fallback xmlns="">
+      <p:transition spd="slow">
+        <p:fade/>
+      </p:transition>
+    </mc:Fallback>
+  </mc:AlternateContent>
+  <p:timing>
+    <p:tnLst>
+      <p:par>
+        <p:cTn id="1" dur="indefinite" restart="never" nodeType="tmRoot"/>
+      </p:par>
+    </p:tnLst>
+  </p:timing>
+</p:sld>
+</file>
+
+<file path=ppt/slides/slide20.xml><?xml version="1.0" encoding="utf-8"?>
 <p:sld xmlns:a="http://schemas.openxmlformats.org/drawingml/2006/main" xmlns:r="http://schemas.openxmlformats.org/officeDocument/2006/relationships" xmlns:p="http://schemas.openxmlformats.org/presentationml/2006/main">
   <p:cSld>
     <p:spTree>
@@ -7883,7 +8432,7 @@
 </p:sld>
 </file>
 
-<file path=ppt/slides/slide18.xml><?xml version="1.0" encoding="utf-8"?>
+<file path=ppt/slides/slide21.xml><?xml version="1.0" encoding="utf-8"?>
 <p:sld xmlns:a="http://schemas.openxmlformats.org/drawingml/2006/main" xmlns:r="http://schemas.openxmlformats.org/officeDocument/2006/relationships" xmlns:p="http://schemas.openxmlformats.org/presentationml/2006/main">
   <p:cSld>
     <p:spTree>
@@ -8130,7 +8679,7 @@
 </p:sld>
 </file>
 
-<file path=ppt/slides/slide19.xml><?xml version="1.0" encoding="utf-8"?>
+<file path=ppt/slides/slide22.xml><?xml version="1.0" encoding="utf-8"?>
 <p:sld xmlns:a="http://schemas.openxmlformats.org/drawingml/2006/main" xmlns:r="http://schemas.openxmlformats.org/officeDocument/2006/relationships" xmlns:p="http://schemas.openxmlformats.org/presentationml/2006/main">
   <p:cSld>
     <p:spTree>
@@ -8361,116 +8910,7 @@
 </p:sld>
 </file>
 
-<file path=ppt/slides/slide2.xml><?xml version="1.0" encoding="utf-8"?>
-<p:sld xmlns:a="http://schemas.openxmlformats.org/drawingml/2006/main" xmlns:r="http://schemas.openxmlformats.org/officeDocument/2006/relationships" xmlns:p="http://schemas.openxmlformats.org/presentationml/2006/main">
-  <p:cSld>
-    <p:spTree>
-      <p:nvGrpSpPr>
-        <p:cNvPr id="1" name=""/>
-        <p:cNvGrpSpPr/>
-        <p:nvPr/>
-      </p:nvGrpSpPr>
-      <p:grpSpPr>
-        <a:xfrm>
-          <a:off x="0" y="0"/>
-          <a:ext cx="0" cy="0"/>
-          <a:chOff x="0" y="0"/>
-          <a:chExt cx="0" cy="0"/>
-        </a:xfrm>
-      </p:grpSpPr>
-      <p:sp>
-        <p:nvSpPr>
-          <p:cNvPr id="2" name="Title 1"/>
-          <p:cNvSpPr>
-            <a:spLocks noGrp="1"/>
-          </p:cNvSpPr>
-          <p:nvPr>
-            <p:ph type="title"/>
-          </p:nvPr>
-        </p:nvSpPr>
-        <p:spPr/>
-        <p:txBody>
-          <a:bodyPr/>
-          <a:lstStyle/>
-          <a:p>
-            <a:r>
-              <a:rPr lang="en-US" b="1" dirty="0" smtClean="0"/>
-              <a:t>Welcome To KM3</a:t>
-            </a:r>
-            <a:endParaRPr lang="en-CA" b="1" dirty="0"/>
-          </a:p>
-        </p:txBody>
-      </p:sp>
-      <p:sp>
-        <p:nvSpPr>
-          <p:cNvPr id="3" name="Content Placeholder 2"/>
-          <p:cNvSpPr>
-            <a:spLocks noGrp="1"/>
-          </p:cNvSpPr>
-          <p:nvPr>
-            <p:ph idx="1"/>
-          </p:nvPr>
-        </p:nvSpPr>
-        <p:spPr/>
-        <p:txBody>
-          <a:bodyPr>
-            <a:normAutofit/>
-          </a:bodyPr>
-          <a:lstStyle/>
-          <a:p>
-            <a:r>
-              <a:rPr lang="en-US" sz="2800" dirty="0" smtClean="0"/>
-              <a:t>Professional  Software Development Company</a:t>
-            </a:r>
-          </a:p>
-          <a:p>
-            <a:r>
-              <a:rPr lang="en-US" sz="2800" dirty="0" smtClean="0"/>
-              <a:t>Created in Object Oriented Software Development Class</a:t>
-            </a:r>
-          </a:p>
-          <a:p>
-            <a:r>
-              <a:rPr lang="en-US" sz="2800" dirty="0" smtClean="0"/>
-              <a:t>Known for Website Services, such as building websites, providing designs, hosting services, payment options e-commerce, and marketing. </a:t>
-            </a:r>
-            <a:endParaRPr lang="en-CA" sz="2800" dirty="0"/>
-          </a:p>
-        </p:txBody>
-      </p:sp>
-    </p:spTree>
-    <p:extLst>
-      <p:ext uri="{BB962C8B-B14F-4D97-AF65-F5344CB8AC3E}">
-        <p14:creationId xmlns:p14="http://schemas.microsoft.com/office/powerpoint/2010/main" val="3816474543"/>
-      </p:ext>
-    </p:extLst>
-  </p:cSld>
-  <p:clrMapOvr>
-    <a:masterClrMapping/>
-  </p:clrMapOvr>
-  <mc:AlternateContent xmlns:mc="http://schemas.openxmlformats.org/markup-compatibility/2006" xmlns:p15="http://schemas.microsoft.com/office/powerpoint/2012/main">
-    <mc:Choice Requires="p15">
-      <p:transition xmlns:p14="http://schemas.microsoft.com/office/powerpoint/2010/main" spd="slow" p14:dur="2000">
-        <p15:prstTrans prst="drape"/>
-      </p:transition>
-    </mc:Choice>
-    <mc:Fallback xmlns="">
-      <p:transition spd="slow">
-        <p:fade/>
-      </p:transition>
-    </mc:Fallback>
-  </mc:AlternateContent>
-  <p:timing>
-    <p:tnLst>
-      <p:par>
-        <p:cTn id="1" dur="indefinite" restart="never" nodeType="tmRoot"/>
-      </p:par>
-    </p:tnLst>
-  </p:timing>
-</p:sld>
-</file>
-
-<file path=ppt/slides/slide20.xml><?xml version="1.0" encoding="utf-8"?>
+<file path=ppt/slides/slide23.xml><?xml version="1.0" encoding="utf-8"?>
 <p:sld xmlns:a="http://schemas.openxmlformats.org/drawingml/2006/main" xmlns:r="http://schemas.openxmlformats.org/officeDocument/2006/relationships" xmlns:p="http://schemas.openxmlformats.org/presentationml/2006/main">
   <p:cSld>
     <p:spTree>
@@ -8535,7 +8975,7 @@
 </p:sld>
 </file>
 
-<file path=ppt/slides/slide21.xml><?xml version="1.0" encoding="utf-8"?>
+<file path=ppt/slides/slide24.xml><?xml version="1.0" encoding="utf-8"?>
 <p:sld xmlns:a="http://schemas.openxmlformats.org/drawingml/2006/main" xmlns:r="http://schemas.openxmlformats.org/officeDocument/2006/relationships" xmlns:p="http://schemas.openxmlformats.org/presentationml/2006/main">
   <p:cSld>
     <p:spTree>
@@ -8966,7 +9406,7 @@
 </p:sld>
 </file>
 
-<file path=ppt/slides/slide22.xml><?xml version="1.0" encoding="utf-8"?>
+<file path=ppt/slides/slide25.xml><?xml version="1.0" encoding="utf-8"?>
 <p:sld xmlns:a="http://schemas.openxmlformats.org/drawingml/2006/main" xmlns:r="http://schemas.openxmlformats.org/officeDocument/2006/relationships" xmlns:p="http://schemas.openxmlformats.org/presentationml/2006/main">
   <p:cSld>
     <p:spTree>
@@ -9076,7 +9516,7 @@
 </p:sld>
 </file>
 
-<file path=ppt/slides/slide23.xml><?xml version="1.0" encoding="utf-8"?>
+<file path=ppt/slides/slide26.xml><?xml version="1.0" encoding="utf-8"?>
 <p:sld xmlns:a="http://schemas.openxmlformats.org/drawingml/2006/main" xmlns:r="http://schemas.openxmlformats.org/officeDocument/2006/relationships" xmlns:p="http://schemas.openxmlformats.org/presentationml/2006/main">
   <p:cSld>
     <p:spTree>
@@ -9231,7 +9671,7 @@
 </p:sld>
 </file>
 
-<file path=ppt/slides/slide24.xml><?xml version="1.0" encoding="utf-8"?>
+<file path=ppt/slides/slide27.xml><?xml version="1.0" encoding="utf-8"?>
 <p:sld xmlns:a="http://schemas.openxmlformats.org/drawingml/2006/main" xmlns:r="http://schemas.openxmlformats.org/officeDocument/2006/relationships" xmlns:p="http://schemas.openxmlformats.org/presentationml/2006/main">
   <p:cSld>
     <p:spTree>
@@ -9366,6 +9806,71 @@
             <p:ph type="title"/>
           </p:nvPr>
         </p:nvSpPr>
+        <p:spPr>
+          <a:xfrm>
+            <a:off x="2586878" y="1432432"/>
+            <a:ext cx="9404723" cy="1400530"/>
+          </a:xfrm>
+        </p:spPr>
+        <p:txBody>
+          <a:bodyPr/>
+          <a:lstStyle/>
+          <a:p>
+            <a:r>
+              <a:rPr lang="en-US" sz="10000" dirty="0" smtClean="0"/>
+              <a:t>WEBSITE</a:t>
+            </a:r>
+            <a:endParaRPr lang="en-US" sz="10000" dirty="0"/>
+          </a:p>
+        </p:txBody>
+      </p:sp>
+    </p:spTree>
+    <p:extLst>
+      <p:ext uri="{BB962C8B-B14F-4D97-AF65-F5344CB8AC3E}">
+        <p14:creationId xmlns:p14="http://schemas.microsoft.com/office/powerpoint/2010/main" val="2379389104"/>
+      </p:ext>
+    </p:extLst>
+  </p:cSld>
+  <p:clrMapOvr>
+    <a:masterClrMapping/>
+  </p:clrMapOvr>
+  <p:timing>
+    <p:tnLst>
+      <p:par>
+        <p:cTn id="1" dur="indefinite" restart="never" nodeType="tmRoot"/>
+      </p:par>
+    </p:tnLst>
+  </p:timing>
+</p:sld>
+</file>
+
+<file path=ppt/slides/slide4.xml><?xml version="1.0" encoding="utf-8"?>
+<p:sld xmlns:a="http://schemas.openxmlformats.org/drawingml/2006/main" xmlns:r="http://schemas.openxmlformats.org/officeDocument/2006/relationships" xmlns:p="http://schemas.openxmlformats.org/presentationml/2006/main">
+  <p:cSld>
+    <p:spTree>
+      <p:nvGrpSpPr>
+        <p:cNvPr id="1" name=""/>
+        <p:cNvGrpSpPr/>
+        <p:nvPr/>
+      </p:nvGrpSpPr>
+      <p:grpSpPr>
+        <a:xfrm>
+          <a:off x="0" y="0"/>
+          <a:ext cx="0" cy="0"/>
+          <a:chOff x="0" y="0"/>
+          <a:chExt cx="0" cy="0"/>
+        </a:xfrm>
+      </p:grpSpPr>
+      <p:sp>
+        <p:nvSpPr>
+          <p:cNvPr id="2" name="Title 1"/>
+          <p:cNvSpPr>
+            <a:spLocks noGrp="1"/>
+          </p:cNvSpPr>
+          <p:nvPr>
+            <p:ph type="title"/>
+          </p:nvPr>
+        </p:nvSpPr>
         <p:spPr/>
         <p:txBody>
           <a:bodyPr/>
@@ -9493,7 +9998,7 @@
 </p:sld>
 </file>
 
-<file path=ppt/slides/slide4.xml><?xml version="1.0" encoding="utf-8"?>
+<file path=ppt/slides/slide5.xml><?xml version="1.0" encoding="utf-8"?>
 <p:sld xmlns:a="http://schemas.openxmlformats.org/drawingml/2006/main" xmlns:r="http://schemas.openxmlformats.org/officeDocument/2006/relationships" xmlns:p="http://schemas.openxmlformats.org/presentationml/2006/main">
   <p:cSld>
     <p:spTree>
@@ -9558,7 +10063,7 @@
 </p:sld>
 </file>
 
-<file path=ppt/slides/slide5.xml><?xml version="1.0" encoding="utf-8"?>
+<file path=ppt/slides/slide6.xml><?xml version="1.0" encoding="utf-8"?>
 <p:sld xmlns:a="http://schemas.openxmlformats.org/drawingml/2006/main" xmlns:r="http://schemas.openxmlformats.org/officeDocument/2006/relationships" xmlns:p="http://schemas.openxmlformats.org/presentationml/2006/main">
   <p:cSld>
     <p:spTree>
@@ -9624,55 +10129,54 @@
             <a:br>
               <a:rPr lang="en-CA" dirty="0"/>
             </a:br>
+            <a:endParaRPr lang="en-CA" dirty="0"/>
+          </a:p>
+          <a:p>
+            <a:pPr marL="0" indent="0">
+              <a:buNone/>
+            </a:pPr>
             <a:r>
               <a:rPr lang="en-CA" dirty="0"/>
-              <a:t>Two important details</a:t>
+              <a:t>Important details</a:t>
             </a:r>
             <a:endParaRPr lang="en-US" dirty="0"/>
           </a:p>
           <a:p>
             <a:r>
               <a:rPr lang="en-CA" dirty="0"/>
-              <a:t> </a:t>
-            </a:r>
-            <a:r>
-              <a:rPr lang="en-CA" dirty="0" smtClean="0"/>
-              <a:t>Availability</a:t>
-            </a:r>
+              <a:t> Availability – Website is </a:t>
+            </a:r>
+            <a:r>
+              <a:rPr lang="en-US" dirty="0"/>
+              <a:t>publicly reachable </a:t>
+            </a:r>
+            <a:endParaRPr lang="en-CA" dirty="0"/>
           </a:p>
           <a:p>
             <a:r>
               <a:rPr lang="en-CA" dirty="0"/>
-              <a:t> </a:t>
-            </a:r>
-            <a:r>
-              <a:rPr lang="en-CA" dirty="0" smtClean="0"/>
-              <a:t>Uptime</a:t>
-            </a:r>
-            <a:endParaRPr lang="en-CA" dirty="0" smtClean="0"/>
-          </a:p>
-          <a:p>
-            <a:r>
-              <a:rPr lang="en-CA" dirty="0" smtClean="0"/>
-              <a:t> Downtime</a:t>
-            </a:r>
-          </a:p>
-          <a:p>
+              <a:t> Uptime vs Downtime - </a:t>
+            </a:r>
+            <a:r>
+              <a:rPr lang="en-US" dirty="0"/>
+              <a:t>System itself being online</a:t>
+            </a:r>
+            <a:endParaRPr lang="en-CA" dirty="0"/>
+          </a:p>
+          <a:p>
+            <a:pPr marL="0" indent="0">
+              <a:buNone/>
+            </a:pPr>
+            <a:endParaRPr lang="en-CA" dirty="0"/>
+          </a:p>
+          <a:p>
+            <a:pPr marL="0" indent="0">
+              <a:buNone/>
+            </a:pPr>
             <a:r>
               <a:rPr lang="en-CA" dirty="0"/>
-              <a:t> </a:t>
-            </a:r>
-            <a:r>
-              <a:rPr lang="en-CA" dirty="0" smtClean="0"/>
-              <a:t>SLA</a:t>
-            </a:r>
-            <a:endParaRPr lang="en-CA" dirty="0" smtClean="0"/>
-          </a:p>
-          <a:p>
-            <a:endParaRPr lang="en-US" dirty="0" smtClean="0"/>
-          </a:p>
-          <a:p>
-            <a:endParaRPr lang="en-CA" dirty="0"/>
+              <a:t>SLA (Service Level Agreement) or the Terms of Service</a:t>
+            </a:r>
           </a:p>
         </p:txBody>
       </p:sp>
@@ -9708,235 +10212,6 @@
 </p:sld>
 </file>
 
-<file path=ppt/slides/slide6.xml><?xml version="1.0" encoding="utf-8"?>
-<p:sld xmlns:a="http://schemas.openxmlformats.org/drawingml/2006/main" xmlns:r="http://schemas.openxmlformats.org/officeDocument/2006/relationships" xmlns:p="http://schemas.openxmlformats.org/presentationml/2006/main">
-  <p:cSld>
-    <p:spTree>
-      <p:nvGrpSpPr>
-        <p:cNvPr id="1" name=""/>
-        <p:cNvGrpSpPr/>
-        <p:nvPr/>
-      </p:nvGrpSpPr>
-      <p:grpSpPr>
-        <a:xfrm>
-          <a:off x="0" y="0"/>
-          <a:ext cx="0" cy="0"/>
-          <a:chOff x="0" y="0"/>
-          <a:chExt cx="0" cy="0"/>
-        </a:xfrm>
-      </p:grpSpPr>
-      <p:sp>
-        <p:nvSpPr>
-          <p:cNvPr id="2" name="Title 1"/>
-          <p:cNvSpPr>
-            <a:spLocks noGrp="1"/>
-          </p:cNvSpPr>
-          <p:nvPr>
-            <p:ph type="title"/>
-          </p:nvPr>
-        </p:nvSpPr>
-        <p:spPr/>
-        <p:txBody>
-          <a:bodyPr/>
-          <a:lstStyle/>
-          <a:p>
-            <a:pPr algn="ctr"/>
-            <a:r>
-              <a:rPr lang="en-US" u="sng" dirty="0" smtClean="0"/>
-              <a:t>Hosting Services Continued</a:t>
-            </a:r>
-            <a:endParaRPr lang="en-CA" u="sng" dirty="0"/>
-          </a:p>
-        </p:txBody>
-      </p:sp>
-      <p:sp>
-        <p:nvSpPr>
-          <p:cNvPr id="3" name="Content Placeholder 2"/>
-          <p:cNvSpPr>
-            <a:spLocks noGrp="1"/>
-          </p:cNvSpPr>
-          <p:nvPr>
-            <p:ph idx="1"/>
-          </p:nvPr>
-        </p:nvSpPr>
-        <p:spPr>
-          <a:xfrm>
-            <a:off x="1251103" y="2302301"/>
-            <a:ext cx="9841777" cy="4504899"/>
-          </a:xfrm>
-        </p:spPr>
-        <p:txBody>
-          <a:bodyPr>
-            <a:normAutofit lnSpcReduction="10000"/>
-          </a:bodyPr>
-          <a:lstStyle/>
-          <a:p>
-            <a:r>
-              <a:rPr lang="en-CA" dirty="0"/>
-              <a:t> </a:t>
-            </a:r>
-            <a:r>
-              <a:rPr lang="en-CA" dirty="0" smtClean="0"/>
-              <a:t>Free </a:t>
-            </a:r>
-            <a:r>
-              <a:rPr lang="en-CA" dirty="0"/>
-              <a:t>web hosting </a:t>
-            </a:r>
-            <a:r>
-              <a:rPr lang="en-CA" dirty="0" smtClean="0"/>
-              <a:t>service</a:t>
-            </a:r>
-          </a:p>
-          <a:p>
-            <a:r>
-              <a:rPr lang="en-CA" dirty="0"/>
-              <a:t> Shared web hosting </a:t>
-            </a:r>
-            <a:r>
-              <a:rPr lang="en-CA" dirty="0" smtClean="0"/>
-              <a:t>service</a:t>
-            </a:r>
-          </a:p>
-          <a:p>
-            <a:r>
-              <a:rPr lang="en-CA" dirty="0"/>
-              <a:t> Reseller web </a:t>
-            </a:r>
-            <a:r>
-              <a:rPr lang="en-CA" dirty="0" smtClean="0"/>
-              <a:t>hosting</a:t>
-            </a:r>
-          </a:p>
-          <a:p>
-            <a:r>
-              <a:rPr lang="en-CA" dirty="0"/>
-              <a:t> Virtual Dedicated </a:t>
-            </a:r>
-            <a:r>
-              <a:rPr lang="en-CA" dirty="0" smtClean="0"/>
-              <a:t>Server</a:t>
-            </a:r>
-          </a:p>
-          <a:p>
-            <a:r>
-              <a:rPr lang="en-CA" dirty="0" smtClean="0"/>
-              <a:t>Dedicated </a:t>
-            </a:r>
-            <a:r>
-              <a:rPr lang="en-CA" dirty="0"/>
-              <a:t>hosting </a:t>
-            </a:r>
-            <a:r>
-              <a:rPr lang="en-CA" dirty="0" smtClean="0"/>
-              <a:t>service</a:t>
-            </a:r>
-          </a:p>
-          <a:p>
-            <a:r>
-              <a:rPr lang="en-CA" dirty="0"/>
-              <a:t> Managed hosting </a:t>
-            </a:r>
-            <a:r>
-              <a:rPr lang="en-CA" dirty="0" smtClean="0"/>
-              <a:t>service</a:t>
-            </a:r>
-          </a:p>
-          <a:p>
-            <a:r>
-              <a:rPr lang="en-CA" dirty="0" smtClean="0"/>
-              <a:t>Colocation </a:t>
-            </a:r>
-            <a:r>
-              <a:rPr lang="en-CA" dirty="0"/>
-              <a:t>web hosting </a:t>
-            </a:r>
-            <a:r>
-              <a:rPr lang="en-CA" dirty="0" smtClean="0"/>
-              <a:t>service</a:t>
-            </a:r>
-          </a:p>
-          <a:p>
-            <a:r>
-              <a:rPr lang="en-CA" dirty="0" smtClean="0"/>
-              <a:t>Cloud hosting</a:t>
-            </a:r>
-          </a:p>
-          <a:p>
-            <a:r>
-              <a:rPr lang="en-CA" dirty="0" smtClean="0"/>
-              <a:t>Clustered hosting</a:t>
-            </a:r>
-          </a:p>
-          <a:p>
-            <a:r>
-              <a:rPr lang="en-CA" dirty="0" smtClean="0"/>
-              <a:t>Grid hosting</a:t>
-            </a:r>
-          </a:p>
-          <a:p>
-            <a:r>
-              <a:rPr lang="en-CA" dirty="0" smtClean="0"/>
-              <a:t>Home </a:t>
-            </a:r>
-            <a:r>
-              <a:rPr lang="en-CA" dirty="0"/>
-              <a:t>server</a:t>
-            </a:r>
-          </a:p>
-        </p:txBody>
-      </p:sp>
-      <p:sp>
-        <p:nvSpPr>
-          <p:cNvPr id="4" name="Rectangle 3"/>
-          <p:cNvSpPr/>
-          <p:nvPr/>
-        </p:nvSpPr>
-        <p:spPr>
-          <a:xfrm>
-            <a:off x="1162861" y="1539332"/>
-            <a:ext cx="4644220" cy="461665"/>
-          </a:xfrm>
-          <a:prstGeom prst="rect">
-            <a:avLst/>
-          </a:prstGeom>
-        </p:spPr>
-        <p:txBody>
-          <a:bodyPr wrap="none">
-            <a:spAutoFit/>
-          </a:bodyPr>
-          <a:lstStyle/>
-          <a:p>
-            <a:r>
-              <a:rPr lang="en-CA" sz="2400" u="sng" dirty="0"/>
-              <a:t>Types of Web Hosting Services</a:t>
-            </a:r>
-          </a:p>
-        </p:txBody>
-      </p:sp>
-    </p:spTree>
-    <p:extLst>
-      <p:ext uri="{BB962C8B-B14F-4D97-AF65-F5344CB8AC3E}">
-        <p14:creationId xmlns:p14="http://schemas.microsoft.com/office/powerpoint/2010/main" val="3473346523"/>
-      </p:ext>
-    </p:extLst>
-  </p:cSld>
-  <p:clrMapOvr>
-    <a:masterClrMapping/>
-  </p:clrMapOvr>
-  <p:transition spd="med">
-    <p:pull/>
-  </p:transition>
-  <p:timing>
-    <p:tnLst>
-      <p:par>
-        <p:cTn id="1" dur="indefinite" restart="never" nodeType="tmRoot"/>
-      </p:par>
-    </p:tnLst>
-  </p:timing>
-</p:sld>
-</file>
-
 <file path=ppt/slides/slide7.xml><?xml version="1.0" encoding="utf-8"?>
 <p:sld xmlns:a="http://schemas.openxmlformats.org/drawingml/2006/main" xmlns:r="http://schemas.openxmlformats.org/officeDocument/2006/relationships" xmlns:p="http://schemas.openxmlformats.org/presentationml/2006/main">
   <p:cSld>
@@ -9964,128 +10239,186 @@
             <p:ph type="title"/>
           </p:nvPr>
         </p:nvSpPr>
+        <p:spPr/>
+        <p:txBody>
+          <a:bodyPr/>
+          <a:lstStyle/>
+          <a:p>
+            <a:pPr algn="ctr"/>
+            <a:r>
+              <a:rPr lang="en-US" u="sng" dirty="0" smtClean="0"/>
+              <a:t>Hosting Services Continued</a:t>
+            </a:r>
+            <a:endParaRPr lang="en-CA" u="sng" dirty="0"/>
+          </a:p>
+        </p:txBody>
+      </p:sp>
+      <p:sp>
+        <p:nvSpPr>
+          <p:cNvPr id="3" name="Content Placeholder 2"/>
+          <p:cNvSpPr>
+            <a:spLocks noGrp="1"/>
+          </p:cNvSpPr>
+          <p:nvPr>
+            <p:ph idx="1"/>
+          </p:nvPr>
+        </p:nvSpPr>
         <p:spPr>
           <a:xfrm>
-            <a:off x="646111" y="18619"/>
-            <a:ext cx="9404723" cy="1400530"/>
+            <a:off x="1251103" y="2302301"/>
+            <a:ext cx="9841777" cy="4504899"/>
           </a:xfrm>
         </p:spPr>
         <p:txBody>
-          <a:bodyPr/>
+          <a:bodyPr>
+            <a:normAutofit lnSpcReduction="10000"/>
+          </a:bodyPr>
           <a:lstStyle/>
           <a:p>
-            <a:pPr algn="ctr"/>
-            <a:r>
-              <a:rPr lang="en-US" u="sng" dirty="0" smtClean="0"/>
-              <a:t>KM3 Recommendations</a:t>
-            </a:r>
-            <a:endParaRPr lang="en-CA" u="sng" dirty="0"/>
-          </a:p>
-        </p:txBody>
-      </p:sp>
-      <p:sp>
-        <p:nvSpPr>
-          <p:cNvPr id="3" name="Content Placeholder 2"/>
-          <p:cNvSpPr>
-            <a:spLocks noGrp="1"/>
-          </p:cNvSpPr>
-          <p:nvPr>
-            <p:ph idx="1"/>
-          </p:nvPr>
+            <a:r>
+              <a:rPr lang="en-CA" dirty="0">
+                <a:solidFill>
+                  <a:schemeClr val="tx1">
+                    <a:lumMod val="85000"/>
+                  </a:schemeClr>
+                </a:solidFill>
+              </a:rPr>
+              <a:t>Free web hosting service</a:t>
+            </a:r>
+          </a:p>
+          <a:p>
+            <a:r>
+              <a:rPr lang="en-CA" b="1" dirty="0"/>
+              <a:t>Shared web hosting service</a:t>
+            </a:r>
+          </a:p>
+          <a:p>
+            <a:r>
+              <a:rPr lang="en-CA" dirty="0">
+                <a:solidFill>
+                  <a:schemeClr val="tx1">
+                    <a:lumMod val="85000"/>
+                  </a:schemeClr>
+                </a:solidFill>
+              </a:rPr>
+              <a:t>Reseller web hosting</a:t>
+            </a:r>
+          </a:p>
+          <a:p>
+            <a:r>
+              <a:rPr lang="en-CA" dirty="0">
+                <a:solidFill>
+                  <a:schemeClr val="tx1">
+                    <a:lumMod val="85000"/>
+                  </a:schemeClr>
+                </a:solidFill>
+              </a:rPr>
+              <a:t>Virtual Dedicated Server</a:t>
+            </a:r>
+          </a:p>
+          <a:p>
+            <a:r>
+              <a:rPr lang="en-CA" dirty="0">
+                <a:solidFill>
+                  <a:schemeClr val="tx1">
+                    <a:lumMod val="85000"/>
+                  </a:schemeClr>
+                </a:solidFill>
+              </a:rPr>
+              <a:t>Dedicated hosting service</a:t>
+            </a:r>
+          </a:p>
+          <a:p>
+            <a:r>
+              <a:rPr lang="en-CA" dirty="0">
+                <a:solidFill>
+                  <a:schemeClr val="tx1">
+                    <a:lumMod val="85000"/>
+                  </a:schemeClr>
+                </a:solidFill>
+              </a:rPr>
+              <a:t>Managed hosting service</a:t>
+            </a:r>
+          </a:p>
+          <a:p>
+            <a:r>
+              <a:rPr lang="en-CA" dirty="0">
+                <a:solidFill>
+                  <a:schemeClr val="tx1">
+                    <a:lumMod val="85000"/>
+                  </a:schemeClr>
+                </a:solidFill>
+              </a:rPr>
+              <a:t>Colocation web hosting service</a:t>
+            </a:r>
+          </a:p>
+          <a:p>
+            <a:r>
+              <a:rPr lang="en-CA" dirty="0">
+                <a:solidFill>
+                  <a:schemeClr val="tx1">
+                    <a:lumMod val="85000"/>
+                  </a:schemeClr>
+                </a:solidFill>
+              </a:rPr>
+              <a:t>Cloud hosting</a:t>
+            </a:r>
+          </a:p>
+          <a:p>
+            <a:r>
+              <a:rPr lang="en-CA" dirty="0">
+                <a:solidFill>
+                  <a:schemeClr val="tx1">
+                    <a:lumMod val="85000"/>
+                  </a:schemeClr>
+                </a:solidFill>
+              </a:rPr>
+              <a:t>Clustered hosting</a:t>
+            </a:r>
+          </a:p>
+          <a:p>
+            <a:r>
+              <a:rPr lang="en-CA" dirty="0">
+                <a:solidFill>
+                  <a:schemeClr val="tx1">
+                    <a:lumMod val="85000"/>
+                  </a:schemeClr>
+                </a:solidFill>
+              </a:rPr>
+              <a:t>Grid hosting</a:t>
+            </a:r>
+          </a:p>
+          <a:p>
+            <a:r>
+              <a:rPr lang="en-CA" dirty="0">
+                <a:solidFill>
+                  <a:schemeClr val="tx1">
+                    <a:lumMod val="85000"/>
+                  </a:schemeClr>
+                </a:solidFill>
+              </a:rPr>
+              <a:t>Home server</a:t>
+            </a:r>
+            <a:endParaRPr lang="en-CA" dirty="0">
+              <a:solidFill>
+                <a:schemeClr val="tx1">
+                  <a:lumMod val="85000"/>
+                </a:schemeClr>
+              </a:solidFill>
+            </a:endParaRPr>
+          </a:p>
+        </p:txBody>
+      </p:sp>
+      <p:sp>
+        <p:nvSpPr>
+          <p:cNvPr id="4" name="Rectangle 3"/>
+          <p:cNvSpPr/>
+          <p:nvPr/>
         </p:nvSpPr>
         <p:spPr>
           <a:xfrm>
-            <a:off x="0" y="1315831"/>
-            <a:ext cx="6341190" cy="5472896"/>
-          </a:xfrm>
-        </p:spPr>
-        <p:txBody>
-          <a:bodyPr>
-            <a:normAutofit/>
-          </a:bodyPr>
-          <a:lstStyle/>
-          <a:p>
-            <a:pPr marL="0" indent="0">
-              <a:buNone/>
-            </a:pPr>
-            <a:r>
-              <a:rPr lang="en-CA" dirty="0"/>
-              <a:t/>
-            </a:r>
-            <a:br>
-              <a:rPr lang="en-CA" dirty="0"/>
-            </a:br>
-            <a:endParaRPr lang="en-CA" dirty="0" smtClean="0"/>
-          </a:p>
-          <a:p>
-            <a:pPr marL="0" indent="0">
-              <a:buNone/>
-            </a:pPr>
-            <a:r>
-              <a:rPr lang="en-CA" dirty="0" smtClean="0"/>
-              <a:t>Web </a:t>
-            </a:r>
-            <a:r>
-              <a:rPr lang="en-CA" dirty="0"/>
-              <a:t>hosting company owned by Endurance International Group. It is one of the 20 largest web hosts, hosting over 1.9 million domains.</a:t>
-            </a:r>
-            <a:br>
-              <a:rPr lang="en-CA" dirty="0"/>
-            </a:br>
-            <a:r>
-              <a:rPr lang="en-CA" dirty="0"/>
-              <a:t>Offers</a:t>
-            </a:r>
-            <a:r>
-              <a:rPr lang="en-CA" dirty="0" smtClean="0"/>
-              <a:t>:</a:t>
-            </a:r>
-          </a:p>
-          <a:p>
-            <a:pPr marL="0" indent="0">
-              <a:buNone/>
-            </a:pPr>
-            <a:endParaRPr lang="en-CA" dirty="0" smtClean="0"/>
-          </a:p>
-          <a:p>
-            <a:r>
-              <a:rPr lang="en-CA" dirty="0" smtClean="0"/>
-              <a:t>Shared hosting</a:t>
-            </a:r>
-          </a:p>
-          <a:p>
-            <a:r>
-              <a:rPr lang="en-CA" dirty="0" smtClean="0"/>
-              <a:t>Virtual </a:t>
-            </a:r>
-            <a:r>
-              <a:rPr lang="en-CA" dirty="0"/>
-              <a:t>Dedicated </a:t>
-            </a:r>
-            <a:r>
-              <a:rPr lang="en-CA" dirty="0" smtClean="0"/>
-              <a:t>Server</a:t>
-            </a:r>
-            <a:endParaRPr lang="en-US" dirty="0" smtClean="0"/>
-          </a:p>
-          <a:p>
-            <a:r>
-              <a:rPr lang="en-CA" dirty="0"/>
-              <a:t>Dedicated server hosting</a:t>
-            </a:r>
-          </a:p>
-        </p:txBody>
-      </p:sp>
-      <p:sp>
-        <p:nvSpPr>
-          <p:cNvPr id="5" name="Rectangle 4"/>
-          <p:cNvSpPr/>
-          <p:nvPr/>
-        </p:nvSpPr>
-        <p:spPr>
-          <a:xfrm>
-            <a:off x="4651304" y="854166"/>
-            <a:ext cx="1689886" cy="461665"/>
+            <a:off x="1162861" y="1539332"/>
+            <a:ext cx="4644220" cy="461665"/>
           </a:xfrm>
           <a:prstGeom prst="rect">
             <a:avLst/>
@@ -10098,22 +10431,15 @@
           <a:lstStyle/>
           <a:p>
             <a:r>
-              <a:rPr lang="en-CA" sz="2400" u="sng" dirty="0" smtClean="0">
-                <a:latin typeface="Aharoni" panose="02010803020104030203" pitchFamily="2" charset="-79"/>
-                <a:cs typeface="Aharoni" panose="02010803020104030203" pitchFamily="2" charset="-79"/>
-              </a:rPr>
-              <a:t>BLUEHOST</a:t>
-            </a:r>
-            <a:endParaRPr lang="en-CA" sz="2400" dirty="0">
-              <a:latin typeface="Aharoni" panose="02010803020104030203" pitchFamily="2" charset="-79"/>
-              <a:cs typeface="Aharoni" panose="02010803020104030203" pitchFamily="2" charset="-79"/>
-            </a:endParaRPr>
+              <a:rPr lang="en-CA" sz="2400" u="sng" dirty="0"/>
+              <a:t>Types of Web Hosting Services</a:t>
+            </a:r>
           </a:p>
         </p:txBody>
       </p:sp>
       <p:pic>
         <p:nvPicPr>
-          <p:cNvPr id="6" name="Picture 5"/>
+          <p:cNvPr id="5" name="Picture 4"/>
           <p:cNvPicPr>
             <a:picLocks noChangeAspect="1"/>
           </p:cNvPicPr>
@@ -10133,38 +10459,8 @@
         </p:blipFill>
         <p:spPr>
           <a:xfrm>
-            <a:off x="6341190" y="1563250"/>
-            <a:ext cx="2676654" cy="5081373"/>
-          </a:xfrm>
-          <a:prstGeom prst="rect">
-            <a:avLst/>
-          </a:prstGeom>
-        </p:spPr>
-      </p:pic>
-      <p:pic>
-        <p:nvPicPr>
-          <p:cNvPr id="7" name="Picture 6"/>
-          <p:cNvPicPr>
-            <a:picLocks noChangeAspect="1"/>
-          </p:cNvPicPr>
-          <p:nvPr/>
-        </p:nvPicPr>
-        <p:blipFill>
-          <a:blip r:embed="rId3">
-            <a:extLst>
-              <a:ext uri="{28A0092B-C50C-407E-A947-70E740481C1C}">
-                <a14:useLocalDpi xmlns:a14="http://schemas.microsoft.com/office/drawing/2010/main" val="0"/>
-              </a:ext>
-            </a:extLst>
-          </a:blip>
-          <a:stretch>
-            <a:fillRect/>
-          </a:stretch>
-        </p:blipFill>
-        <p:spPr>
-          <a:xfrm>
-            <a:off x="9494982" y="1554014"/>
-            <a:ext cx="2569384" cy="5081373"/>
+            <a:off x="6665636" y="2603007"/>
+            <a:ext cx="4956728" cy="3192029"/>
           </a:xfrm>
           <a:prstGeom prst="rect">
             <a:avLst/>
@@ -10174,25 +10470,16 @@
     </p:spTree>
     <p:extLst>
       <p:ext uri="{BB962C8B-B14F-4D97-AF65-F5344CB8AC3E}">
-        <p14:creationId xmlns:p14="http://schemas.microsoft.com/office/powerpoint/2010/main" val="4129056917"/>
+        <p14:creationId xmlns:p14="http://schemas.microsoft.com/office/powerpoint/2010/main" val="3473346523"/>
       </p:ext>
     </p:extLst>
   </p:cSld>
   <p:clrMapOvr>
     <a:masterClrMapping/>
   </p:clrMapOvr>
-  <mc:AlternateContent xmlns:mc="http://schemas.openxmlformats.org/markup-compatibility/2006" xmlns:p14="http://schemas.microsoft.com/office/powerpoint/2010/main">
-    <mc:Choice Requires="p14">
-      <p:transition spd="slow" p14:dur="1250">
-        <p14:switch dir="r"/>
-      </p:transition>
-    </mc:Choice>
-    <mc:Fallback xmlns="">
-      <p:transition spd="slow">
-        <p:fade/>
-      </p:transition>
-    </mc:Fallback>
-  </mc:AlternateContent>
+  <p:transition spd="med">
+    <p:pull/>
+  </p:transition>
   <p:timing>
     <p:tnLst>
       <p:par>
@@ -10222,49 +10509,397 @@
       </p:grpSpPr>
       <p:sp>
         <p:nvSpPr>
-          <p:cNvPr id="2" name="Title 1"/>
-          <p:cNvSpPr>
-            <a:spLocks noGrp="1"/>
-          </p:cNvSpPr>
-          <p:nvPr>
-            <p:ph type="title"/>
-          </p:nvPr>
+          <p:cNvPr id="6" name="Rectangle 5"/>
+          <p:cNvSpPr/>
+          <p:nvPr/>
         </p:nvSpPr>
         <p:spPr>
           <a:xfrm>
-            <a:off x="2586878" y="1432432"/>
-            <a:ext cx="9404723" cy="1400530"/>
+            <a:off x="6665636" y="2955931"/>
+            <a:ext cx="4956728" cy="3192029"/>
+          </a:xfrm>
+          <a:prstGeom prst="rect">
+            <a:avLst/>
+          </a:prstGeom>
+          <a:solidFill>
+            <a:schemeClr val="tx1"/>
+          </a:solidFill>
+          <a:ln>
+            <a:solidFill>
+              <a:schemeClr val="tx1"/>
+            </a:solidFill>
+          </a:ln>
+        </p:spPr>
+        <p:style>
+          <a:lnRef idx="2">
+            <a:schemeClr val="accent1">
+              <a:shade val="50000"/>
+            </a:schemeClr>
+          </a:lnRef>
+          <a:fillRef idx="1">
+            <a:schemeClr val="accent1"/>
+          </a:fillRef>
+          <a:effectRef idx="0">
+            <a:schemeClr val="accent1"/>
+          </a:effectRef>
+          <a:fontRef idx="minor">
+            <a:schemeClr val="lt1"/>
+          </a:fontRef>
+        </p:style>
+        <p:txBody>
+          <a:bodyPr rtlCol="0" anchor="ctr"/>
+          <a:lstStyle>
+            <a:defPPr>
+              <a:defRPr lang="en-US"/>
+            </a:defPPr>
+            <a:lvl1pPr marL="0" algn="l" defTabSz="457200" rtl="0" eaLnBrk="1" latinLnBrk="0" hangingPunct="1">
+              <a:defRPr sz="1800" kern="1200">
+                <a:solidFill>
+                  <a:schemeClr val="lt1"/>
+                </a:solidFill>
+                <a:latin typeface="+mn-lt"/>
+                <a:ea typeface="+mn-ea"/>
+                <a:cs typeface="+mn-cs"/>
+              </a:defRPr>
+            </a:lvl1pPr>
+            <a:lvl2pPr marL="457200" algn="l" defTabSz="457200" rtl="0" eaLnBrk="1" latinLnBrk="0" hangingPunct="1">
+              <a:defRPr sz="1800" kern="1200">
+                <a:solidFill>
+                  <a:schemeClr val="lt1"/>
+                </a:solidFill>
+                <a:latin typeface="+mn-lt"/>
+                <a:ea typeface="+mn-ea"/>
+                <a:cs typeface="+mn-cs"/>
+              </a:defRPr>
+            </a:lvl2pPr>
+            <a:lvl3pPr marL="914400" algn="l" defTabSz="457200" rtl="0" eaLnBrk="1" latinLnBrk="0" hangingPunct="1">
+              <a:defRPr sz="1800" kern="1200">
+                <a:solidFill>
+                  <a:schemeClr val="lt1"/>
+                </a:solidFill>
+                <a:latin typeface="+mn-lt"/>
+                <a:ea typeface="+mn-ea"/>
+                <a:cs typeface="+mn-cs"/>
+              </a:defRPr>
+            </a:lvl3pPr>
+            <a:lvl4pPr marL="1371600" algn="l" defTabSz="457200" rtl="0" eaLnBrk="1" latinLnBrk="0" hangingPunct="1">
+              <a:defRPr sz="1800" kern="1200">
+                <a:solidFill>
+                  <a:schemeClr val="lt1"/>
+                </a:solidFill>
+                <a:latin typeface="+mn-lt"/>
+                <a:ea typeface="+mn-ea"/>
+                <a:cs typeface="+mn-cs"/>
+              </a:defRPr>
+            </a:lvl4pPr>
+            <a:lvl5pPr marL="1828800" algn="l" defTabSz="457200" rtl="0" eaLnBrk="1" latinLnBrk="0" hangingPunct="1">
+              <a:defRPr sz="1800" kern="1200">
+                <a:solidFill>
+                  <a:schemeClr val="lt1"/>
+                </a:solidFill>
+                <a:latin typeface="+mn-lt"/>
+                <a:ea typeface="+mn-ea"/>
+                <a:cs typeface="+mn-cs"/>
+              </a:defRPr>
+            </a:lvl5pPr>
+            <a:lvl6pPr marL="2286000" algn="l" defTabSz="457200" rtl="0" eaLnBrk="1" latinLnBrk="0" hangingPunct="1">
+              <a:defRPr sz="1800" kern="1200">
+                <a:solidFill>
+                  <a:schemeClr val="lt1"/>
+                </a:solidFill>
+                <a:latin typeface="+mn-lt"/>
+                <a:ea typeface="+mn-ea"/>
+                <a:cs typeface="+mn-cs"/>
+              </a:defRPr>
+            </a:lvl6pPr>
+            <a:lvl7pPr marL="2743200" algn="l" defTabSz="457200" rtl="0" eaLnBrk="1" latinLnBrk="0" hangingPunct="1">
+              <a:defRPr sz="1800" kern="1200">
+                <a:solidFill>
+                  <a:schemeClr val="lt1"/>
+                </a:solidFill>
+                <a:latin typeface="+mn-lt"/>
+                <a:ea typeface="+mn-ea"/>
+                <a:cs typeface="+mn-cs"/>
+              </a:defRPr>
+            </a:lvl7pPr>
+            <a:lvl8pPr marL="3200400" algn="l" defTabSz="457200" rtl="0" eaLnBrk="1" latinLnBrk="0" hangingPunct="1">
+              <a:defRPr sz="1800" kern="1200">
+                <a:solidFill>
+                  <a:schemeClr val="lt1"/>
+                </a:solidFill>
+                <a:latin typeface="+mn-lt"/>
+                <a:ea typeface="+mn-ea"/>
+                <a:cs typeface="+mn-cs"/>
+              </a:defRPr>
+            </a:lvl8pPr>
+            <a:lvl9pPr marL="3657600" algn="l" defTabSz="457200" rtl="0" eaLnBrk="1" latinLnBrk="0" hangingPunct="1">
+              <a:defRPr sz="1800" kern="1200">
+                <a:solidFill>
+                  <a:schemeClr val="lt1"/>
+                </a:solidFill>
+                <a:latin typeface="+mn-lt"/>
+                <a:ea typeface="+mn-ea"/>
+                <a:cs typeface="+mn-cs"/>
+              </a:defRPr>
+            </a:lvl9pPr>
+          </a:lstStyle>
+          <a:p>
+            <a:pPr algn="ctr"/>
+            <a:endParaRPr lang="en-US"/>
+          </a:p>
+        </p:txBody>
+      </p:sp>
+      <p:pic>
+        <p:nvPicPr>
+          <p:cNvPr id="7" name="Picture 6"/>
+          <p:cNvPicPr>
+            <a:picLocks noChangeAspect="1"/>
+          </p:cNvPicPr>
+          <p:nvPr/>
+        </p:nvPicPr>
+        <p:blipFill>
+          <a:blip r:embed="rId2">
+            <a:extLst>
+              <a:ext uri="{28A0092B-C50C-407E-A947-70E740481C1C}">
+                <a14:useLocalDpi xmlns:a14="http://schemas.microsoft.com/office/drawing/2010/main" val="0"/>
+              </a:ext>
+            </a:extLst>
+          </a:blip>
+          <a:stretch>
+            <a:fillRect/>
+          </a:stretch>
+        </p:blipFill>
+        <p:spPr>
+          <a:xfrm>
+            <a:off x="6922258" y="3218507"/>
+            <a:ext cx="4431614" cy="2606832"/>
+          </a:xfrm>
+          <a:prstGeom prst="rect">
+            <a:avLst/>
+          </a:prstGeom>
+        </p:spPr>
+      </p:pic>
+      <p:sp>
+        <p:nvSpPr>
+          <p:cNvPr id="2" name="Title 1"/>
+          <p:cNvSpPr>
+            <a:spLocks noGrp="1"/>
+          </p:cNvSpPr>
+          <p:nvPr>
+            <p:ph type="title"/>
+          </p:nvPr>
+        </p:nvSpPr>
+        <p:spPr/>
+        <p:txBody>
+          <a:bodyPr/>
+          <a:lstStyle/>
+          <a:p>
+            <a:pPr algn="ctr"/>
+            <a:r>
+              <a:rPr lang="en-US" u="sng" dirty="0" smtClean="0"/>
+              <a:t>Hosting Services Continued</a:t>
+            </a:r>
+            <a:endParaRPr lang="en-CA" u="sng" dirty="0"/>
+          </a:p>
+        </p:txBody>
+      </p:sp>
+      <p:sp>
+        <p:nvSpPr>
+          <p:cNvPr id="3" name="Content Placeholder 2"/>
+          <p:cNvSpPr>
+            <a:spLocks noGrp="1"/>
+          </p:cNvSpPr>
+          <p:nvPr>
+            <p:ph idx="1"/>
+          </p:nvPr>
+        </p:nvSpPr>
+        <p:spPr>
+          <a:xfrm>
+            <a:off x="1251103" y="2302301"/>
+            <a:ext cx="9841777" cy="4504899"/>
           </a:xfrm>
         </p:spPr>
         <p:txBody>
-          <a:bodyPr/>
+          <a:bodyPr>
+            <a:normAutofit lnSpcReduction="10000"/>
+          </a:bodyPr>
           <a:lstStyle/>
           <a:p>
             <a:r>
-              <a:rPr lang="en-US" sz="10000" dirty="0" smtClean="0"/>
-              <a:t>PAYMENT</a:t>
-            </a:r>
-            <a:br>
-              <a:rPr lang="en-US" sz="10000" dirty="0" smtClean="0"/>
-            </a:br>
-            <a:r>
-              <a:rPr lang="en-US" sz="10000" dirty="0" smtClean="0"/>
-              <a:t>OPTIONS</a:t>
-            </a:r>
-            <a:endParaRPr lang="en-US" sz="10000" dirty="0"/>
+              <a:rPr lang="en-CA" dirty="0">
+                <a:solidFill>
+                  <a:schemeClr val="tx1">
+                    <a:lumMod val="85000"/>
+                  </a:schemeClr>
+                </a:solidFill>
+              </a:rPr>
+              <a:t>Free web hosting service</a:t>
+            </a:r>
+          </a:p>
+          <a:p>
+            <a:r>
+              <a:rPr lang="en-CA" dirty="0">
+                <a:solidFill>
+                  <a:schemeClr val="tx1">
+                    <a:lumMod val="85000"/>
+                  </a:schemeClr>
+                </a:solidFill>
+              </a:rPr>
+              <a:t>Shared web hosting service</a:t>
+            </a:r>
+          </a:p>
+          <a:p>
+            <a:r>
+              <a:rPr lang="en-CA" dirty="0">
+                <a:solidFill>
+                  <a:schemeClr val="tx1">
+                    <a:lumMod val="85000"/>
+                  </a:schemeClr>
+                </a:solidFill>
+              </a:rPr>
+              <a:t>Reseller web hosting</a:t>
+            </a:r>
+          </a:p>
+          <a:p>
+            <a:r>
+              <a:rPr lang="en-CA" b="1" dirty="0"/>
+              <a:t>Virtual Private Server</a:t>
+            </a:r>
+          </a:p>
+          <a:p>
+            <a:r>
+              <a:rPr lang="en-CA" dirty="0">
+                <a:solidFill>
+                  <a:schemeClr val="tx1">
+                    <a:lumMod val="85000"/>
+                  </a:schemeClr>
+                </a:solidFill>
+              </a:rPr>
+              <a:t>Dedicated hosting service</a:t>
+            </a:r>
+          </a:p>
+          <a:p>
+            <a:r>
+              <a:rPr lang="en-CA" dirty="0">
+                <a:solidFill>
+                  <a:schemeClr val="tx1">
+                    <a:lumMod val="85000"/>
+                  </a:schemeClr>
+                </a:solidFill>
+              </a:rPr>
+              <a:t>Managed hosting service</a:t>
+            </a:r>
+          </a:p>
+          <a:p>
+            <a:r>
+              <a:rPr lang="en-CA" dirty="0">
+                <a:solidFill>
+                  <a:schemeClr val="tx1">
+                    <a:lumMod val="85000"/>
+                  </a:schemeClr>
+                </a:solidFill>
+              </a:rPr>
+              <a:t>Colocation web hosting service</a:t>
+            </a:r>
+          </a:p>
+          <a:p>
+            <a:r>
+              <a:rPr lang="en-CA" dirty="0">
+                <a:solidFill>
+                  <a:schemeClr val="tx1">
+                    <a:lumMod val="85000"/>
+                  </a:schemeClr>
+                </a:solidFill>
+              </a:rPr>
+              <a:t>Cloud hosting</a:t>
+            </a:r>
+          </a:p>
+          <a:p>
+            <a:r>
+              <a:rPr lang="en-CA" dirty="0">
+                <a:solidFill>
+                  <a:schemeClr val="tx1">
+                    <a:lumMod val="85000"/>
+                  </a:schemeClr>
+                </a:solidFill>
+              </a:rPr>
+              <a:t>Clustered hosting</a:t>
+            </a:r>
+          </a:p>
+          <a:p>
+            <a:r>
+              <a:rPr lang="en-CA" dirty="0">
+                <a:solidFill>
+                  <a:schemeClr val="tx1">
+                    <a:lumMod val="85000"/>
+                  </a:schemeClr>
+                </a:solidFill>
+              </a:rPr>
+              <a:t>Grid hosting</a:t>
+            </a:r>
+          </a:p>
+          <a:p>
+            <a:r>
+              <a:rPr lang="en-CA" dirty="0">
+                <a:solidFill>
+                  <a:schemeClr val="tx1">
+                    <a:lumMod val="85000"/>
+                  </a:schemeClr>
+                </a:solidFill>
+              </a:rPr>
+              <a:t>Home server</a:t>
+            </a:r>
+            <a:endParaRPr lang="en-CA" dirty="0">
+              <a:solidFill>
+                <a:schemeClr val="tx1">
+                  <a:lumMod val="85000"/>
+                </a:schemeClr>
+              </a:solidFill>
+            </a:endParaRPr>
+          </a:p>
+        </p:txBody>
+      </p:sp>
+      <p:sp>
+        <p:nvSpPr>
+          <p:cNvPr id="4" name="Rectangle 3"/>
+          <p:cNvSpPr/>
+          <p:nvPr/>
+        </p:nvSpPr>
+        <p:spPr>
+          <a:xfrm>
+            <a:off x="1162861" y="1539332"/>
+            <a:ext cx="4644220" cy="461665"/>
+          </a:xfrm>
+          <a:prstGeom prst="rect">
+            <a:avLst/>
+          </a:prstGeom>
+        </p:spPr>
+        <p:txBody>
+          <a:bodyPr wrap="none">
+            <a:spAutoFit/>
+          </a:bodyPr>
+          <a:lstStyle/>
+          <a:p>
+            <a:r>
+              <a:rPr lang="en-CA" sz="2400" u="sng" dirty="0"/>
+              <a:t>Types of Web Hosting Services</a:t>
+            </a:r>
           </a:p>
         </p:txBody>
       </p:sp>
     </p:spTree>
     <p:extLst>
       <p:ext uri="{BB962C8B-B14F-4D97-AF65-F5344CB8AC3E}">
-        <p14:creationId xmlns:p14="http://schemas.microsoft.com/office/powerpoint/2010/main" val="549430437"/>
+        <p14:creationId xmlns:p14="http://schemas.microsoft.com/office/powerpoint/2010/main" val="872911631"/>
       </p:ext>
     </p:extLst>
   </p:cSld>
   <p:clrMapOvr>
     <a:masterClrMapping/>
   </p:clrMapOvr>
+  <p:transition spd="med">
+    <p:pull/>
+  </p:transition>
   <p:timing>
     <p:tnLst>
       <p:par>
@@ -10292,67 +10927,9 @@
           <a:chExt cx="0" cy="0"/>
         </a:xfrm>
       </p:grpSpPr>
-      <p:sp>
-        <p:nvSpPr>
-          <p:cNvPr id="2" name="Title 1"/>
-          <p:cNvSpPr>
-            <a:spLocks noGrp="1"/>
-          </p:cNvSpPr>
-          <p:nvPr>
-            <p:ph type="title"/>
-          </p:nvPr>
-        </p:nvSpPr>
-        <p:spPr>
-          <a:xfrm>
-            <a:off x="1550242" y="18473"/>
-            <a:ext cx="9404723" cy="1400530"/>
-          </a:xfrm>
-        </p:spPr>
-        <p:txBody>
-          <a:bodyPr/>
-          <a:lstStyle/>
-          <a:p>
-            <a:pPr algn="ctr"/>
-            <a:r>
-              <a:rPr lang="en-US" u="sng" dirty="0" smtClean="0"/>
-              <a:t>Merchant Account</a:t>
-            </a:r>
-            <a:endParaRPr lang="en-CA" u="sng" dirty="0"/>
-          </a:p>
-        </p:txBody>
-      </p:sp>
-      <p:sp>
-        <p:nvSpPr>
-          <p:cNvPr id="4" name="Rectangle 3"/>
-          <p:cNvSpPr/>
-          <p:nvPr/>
-        </p:nvSpPr>
-        <p:spPr>
-          <a:xfrm>
-            <a:off x="157018" y="635733"/>
-            <a:ext cx="1468582" cy="523220"/>
-          </a:xfrm>
-          <a:prstGeom prst="rect">
-            <a:avLst/>
-          </a:prstGeom>
-        </p:spPr>
-        <p:txBody>
-          <a:bodyPr wrap="square">
-            <a:spAutoFit/>
-          </a:bodyPr>
-          <a:lstStyle/>
-          <a:p>
-            <a:r>
-              <a:rPr lang="en-US" sz="2800" dirty="0"/>
-              <a:t>PayPal</a:t>
-            </a:r>
-            <a:endParaRPr lang="en-CA" sz="2800" dirty="0"/>
-          </a:p>
-        </p:txBody>
-      </p:sp>
       <p:pic>
         <p:nvPicPr>
-          <p:cNvPr id="5" name="Picture 4"/>
+          <p:cNvPr id="8" name="Picture 7"/>
           <p:cNvPicPr>
             <a:picLocks noChangeAspect="1"/>
           </p:cNvPicPr>
@@ -10372,24 +10949,235 @@
         </p:blipFill>
         <p:spPr>
           <a:xfrm>
-            <a:off x="1967345" y="820399"/>
-            <a:ext cx="7952510" cy="5855855"/>
+            <a:off x="6669083" y="2955931"/>
+            <a:ext cx="4953281" cy="3192029"/>
           </a:xfrm>
           <a:prstGeom prst="rect">
             <a:avLst/>
           </a:prstGeom>
         </p:spPr>
       </p:pic>
+      <p:sp>
+        <p:nvSpPr>
+          <p:cNvPr id="2" name="Title 1"/>
+          <p:cNvSpPr>
+            <a:spLocks noGrp="1"/>
+          </p:cNvSpPr>
+          <p:nvPr>
+            <p:ph type="title"/>
+          </p:nvPr>
+        </p:nvSpPr>
+        <p:spPr/>
+        <p:txBody>
+          <a:bodyPr/>
+          <a:lstStyle/>
+          <a:p>
+            <a:pPr algn="ctr"/>
+            <a:r>
+              <a:rPr lang="en-US" u="sng" dirty="0" smtClean="0"/>
+              <a:t>Hosting Services Continued</a:t>
+            </a:r>
+            <a:endParaRPr lang="en-CA" u="sng" dirty="0"/>
+          </a:p>
+        </p:txBody>
+      </p:sp>
+      <p:sp>
+        <p:nvSpPr>
+          <p:cNvPr id="3" name="Content Placeholder 2"/>
+          <p:cNvSpPr>
+            <a:spLocks noGrp="1"/>
+          </p:cNvSpPr>
+          <p:nvPr>
+            <p:ph idx="1"/>
+          </p:nvPr>
+        </p:nvSpPr>
+        <p:spPr>
+          <a:xfrm>
+            <a:off x="1251103" y="2302301"/>
+            <a:ext cx="9841777" cy="4504899"/>
+          </a:xfrm>
+        </p:spPr>
+        <p:txBody>
+          <a:bodyPr>
+            <a:normAutofit lnSpcReduction="10000"/>
+          </a:bodyPr>
+          <a:lstStyle/>
+          <a:p>
+            <a:r>
+              <a:rPr lang="en-CA" dirty="0">
+                <a:solidFill>
+                  <a:schemeClr val="tx1">
+                    <a:lumMod val="85000"/>
+                  </a:schemeClr>
+                </a:solidFill>
+              </a:rPr>
+              <a:t>Free web hosting service</a:t>
+            </a:r>
+          </a:p>
+          <a:p>
+            <a:r>
+              <a:rPr lang="en-CA" dirty="0">
+                <a:solidFill>
+                  <a:schemeClr val="tx1">
+                    <a:lumMod val="85000"/>
+                  </a:schemeClr>
+                </a:solidFill>
+              </a:rPr>
+              <a:t>Shared web hosting service</a:t>
+            </a:r>
+          </a:p>
+          <a:p>
+            <a:r>
+              <a:rPr lang="en-CA" dirty="0">
+                <a:solidFill>
+                  <a:schemeClr val="tx1">
+                    <a:lumMod val="85000"/>
+                  </a:schemeClr>
+                </a:solidFill>
+              </a:rPr>
+              <a:t>Reseller web hosting</a:t>
+            </a:r>
+          </a:p>
+          <a:p>
+            <a:r>
+              <a:rPr lang="en-CA" dirty="0">
+                <a:solidFill>
+                  <a:schemeClr val="tx1">
+                    <a:lumMod val="85000"/>
+                  </a:schemeClr>
+                </a:solidFill>
+              </a:rPr>
+              <a:t>Virtual Private Server</a:t>
+            </a:r>
+          </a:p>
+          <a:p>
+            <a:r>
+              <a:rPr lang="en-CA" dirty="0">
+                <a:solidFill>
+                  <a:schemeClr val="tx1">
+                    <a:lumMod val="85000"/>
+                  </a:schemeClr>
+                </a:solidFill>
+              </a:rPr>
+              <a:t>Dedicated hosting service</a:t>
+            </a:r>
+          </a:p>
+          <a:p>
+            <a:r>
+              <a:rPr lang="en-CA" dirty="0">
+                <a:solidFill>
+                  <a:schemeClr val="tx1">
+                    <a:lumMod val="85000"/>
+                  </a:schemeClr>
+                </a:solidFill>
+              </a:rPr>
+              <a:t>Managed hosting service</a:t>
+            </a:r>
+          </a:p>
+          <a:p>
+            <a:r>
+              <a:rPr lang="en-CA" b="1" dirty="0"/>
+              <a:t>Colocation web hosting service</a:t>
+            </a:r>
+          </a:p>
+          <a:p>
+            <a:r>
+              <a:rPr lang="en-CA" dirty="0">
+                <a:solidFill>
+                  <a:schemeClr val="tx1">
+                    <a:lumMod val="85000"/>
+                  </a:schemeClr>
+                </a:solidFill>
+              </a:rPr>
+              <a:t>Cloud hosting</a:t>
+            </a:r>
+          </a:p>
+          <a:p>
+            <a:r>
+              <a:rPr lang="en-CA" dirty="0">
+                <a:solidFill>
+                  <a:schemeClr val="tx1">
+                    <a:lumMod val="85000"/>
+                  </a:schemeClr>
+                </a:solidFill>
+              </a:rPr>
+              <a:t>Clustered hosting</a:t>
+            </a:r>
+          </a:p>
+          <a:p>
+            <a:r>
+              <a:rPr lang="en-CA" dirty="0">
+                <a:solidFill>
+                  <a:schemeClr val="tx1">
+                    <a:lumMod val="85000"/>
+                  </a:schemeClr>
+                </a:solidFill>
+              </a:rPr>
+              <a:t>Grid hosting</a:t>
+            </a:r>
+          </a:p>
+          <a:p>
+            <a:r>
+              <a:rPr lang="en-CA" dirty="0">
+                <a:solidFill>
+                  <a:schemeClr val="tx1">
+                    <a:lumMod val="85000"/>
+                  </a:schemeClr>
+                </a:solidFill>
+              </a:rPr>
+              <a:t>Home server</a:t>
+            </a:r>
+            <a:endParaRPr lang="en-CA" dirty="0">
+              <a:solidFill>
+                <a:schemeClr val="tx1">
+                  <a:lumMod val="85000"/>
+                </a:schemeClr>
+              </a:solidFill>
+            </a:endParaRPr>
+          </a:p>
+        </p:txBody>
+      </p:sp>
+      <p:sp>
+        <p:nvSpPr>
+          <p:cNvPr id="4" name="Rectangle 3"/>
+          <p:cNvSpPr/>
+          <p:nvPr/>
+        </p:nvSpPr>
+        <p:spPr>
+          <a:xfrm>
+            <a:off x="1162861" y="1539332"/>
+            <a:ext cx="4644220" cy="461665"/>
+          </a:xfrm>
+          <a:prstGeom prst="rect">
+            <a:avLst/>
+          </a:prstGeom>
+        </p:spPr>
+        <p:txBody>
+          <a:bodyPr wrap="none">
+            <a:spAutoFit/>
+          </a:bodyPr>
+          <a:lstStyle/>
+          <a:p>
+            <a:r>
+              <a:rPr lang="en-CA" sz="2400" u="sng" dirty="0"/>
+              <a:t>Types of Web Hosting Services</a:t>
+            </a:r>
+          </a:p>
+        </p:txBody>
+      </p:sp>
     </p:spTree>
     <p:extLst>
       <p:ext uri="{BB962C8B-B14F-4D97-AF65-F5344CB8AC3E}">
-        <p14:creationId xmlns:p14="http://schemas.microsoft.com/office/powerpoint/2010/main" val="3947148034"/>
+        <p14:creationId xmlns:p14="http://schemas.microsoft.com/office/powerpoint/2010/main" val="2565249237"/>
       </p:ext>
     </p:extLst>
   </p:cSld>
   <p:clrMapOvr>
     <a:masterClrMapping/>
   </p:clrMapOvr>
+  <p:transition spd="med">
+    <p:pull/>
+  </p:transition>
   <p:timing>
     <p:tnLst>
       <p:par>
